--- a/Topic A Computer Concepts/BinaryNumbers.pptx
+++ b/Topic A Computer Concepts/BinaryNumbers.pptx
@@ -9,16 +9,19 @@
     <p:sldId id="271" r:id="rId3"/>
     <p:sldId id="258" r:id="rId4"/>
     <p:sldId id="257" r:id="rId5"/>
-    <p:sldId id="259" r:id="rId6"/>
-    <p:sldId id="260" r:id="rId7"/>
-    <p:sldId id="261" r:id="rId8"/>
-    <p:sldId id="267" r:id="rId9"/>
-    <p:sldId id="269" r:id="rId10"/>
-    <p:sldId id="270" r:id="rId11"/>
-    <p:sldId id="264" r:id="rId12"/>
-    <p:sldId id="263" r:id="rId13"/>
-    <p:sldId id="266" r:id="rId14"/>
-    <p:sldId id="268" r:id="rId15"/>
+    <p:sldId id="272" r:id="rId6"/>
+    <p:sldId id="273" r:id="rId7"/>
+    <p:sldId id="259" r:id="rId8"/>
+    <p:sldId id="260" r:id="rId9"/>
+    <p:sldId id="261" r:id="rId10"/>
+    <p:sldId id="267" r:id="rId11"/>
+    <p:sldId id="269" r:id="rId12"/>
+    <p:sldId id="264" r:id="rId13"/>
+    <p:sldId id="275" r:id="rId14"/>
+    <p:sldId id="263" r:id="rId15"/>
+    <p:sldId id="274" r:id="rId16"/>
+    <p:sldId id="266" r:id="rId17"/>
+    <p:sldId id="268" r:id="rId18"/>
   </p:sldIdLst>
   <p:sldSz cx="9144000" cy="6858000" type="screen4x3"/>
   <p:notesSz cx="6858000" cy="9144000"/>
@@ -256,7 +259,7 @@
           <a:p>
             <a:fld id="{A8C27C45-1757-40D5-98B6-C308237483B6}" type="datetimeFigureOut">
               <a:rPr lang="en-US" smtClean="0"/>
-              <a:t>11/20/2018</a:t>
+              <a:t>11/21/2018</a:t>
             </a:fld>
             <a:endParaRPr lang="en-US"/>
           </a:p>
@@ -426,7 +429,7 @@
           <a:p>
             <a:fld id="{A8C27C45-1757-40D5-98B6-C308237483B6}" type="datetimeFigureOut">
               <a:rPr lang="en-US" smtClean="0"/>
-              <a:t>11/20/2018</a:t>
+              <a:t>11/21/2018</a:t>
             </a:fld>
             <a:endParaRPr lang="en-US"/>
           </a:p>
@@ -606,7 +609,7 @@
           <a:p>
             <a:fld id="{A8C27C45-1757-40D5-98B6-C308237483B6}" type="datetimeFigureOut">
               <a:rPr lang="en-US" smtClean="0"/>
-              <a:t>11/20/2018</a:t>
+              <a:t>11/21/2018</a:t>
             </a:fld>
             <a:endParaRPr lang="en-US"/>
           </a:p>
@@ -776,7 +779,7 @@
           <a:p>
             <a:fld id="{A8C27C45-1757-40D5-98B6-C308237483B6}" type="datetimeFigureOut">
               <a:rPr lang="en-US" smtClean="0"/>
-              <a:t>11/20/2018</a:t>
+              <a:t>11/21/2018</a:t>
             </a:fld>
             <a:endParaRPr lang="en-US"/>
           </a:p>
@@ -1020,7 +1023,7 @@
           <a:p>
             <a:fld id="{A8C27C45-1757-40D5-98B6-C308237483B6}" type="datetimeFigureOut">
               <a:rPr lang="en-US" smtClean="0"/>
-              <a:t>11/20/2018</a:t>
+              <a:t>11/21/2018</a:t>
             </a:fld>
             <a:endParaRPr lang="en-US"/>
           </a:p>
@@ -1252,7 +1255,7 @@
           <a:p>
             <a:fld id="{A8C27C45-1757-40D5-98B6-C308237483B6}" type="datetimeFigureOut">
               <a:rPr lang="en-US" smtClean="0"/>
-              <a:t>11/20/2018</a:t>
+              <a:t>11/21/2018</a:t>
             </a:fld>
             <a:endParaRPr lang="en-US"/>
           </a:p>
@@ -1619,7 +1622,7 @@
           <a:p>
             <a:fld id="{A8C27C45-1757-40D5-98B6-C308237483B6}" type="datetimeFigureOut">
               <a:rPr lang="en-US" smtClean="0"/>
-              <a:t>11/20/2018</a:t>
+              <a:t>11/21/2018</a:t>
             </a:fld>
             <a:endParaRPr lang="en-US"/>
           </a:p>
@@ -1737,7 +1740,7 @@
           <a:p>
             <a:fld id="{A8C27C45-1757-40D5-98B6-C308237483B6}" type="datetimeFigureOut">
               <a:rPr lang="en-US" smtClean="0"/>
-              <a:t>11/20/2018</a:t>
+              <a:t>11/21/2018</a:t>
             </a:fld>
             <a:endParaRPr lang="en-US"/>
           </a:p>
@@ -1832,7 +1835,7 @@
           <a:p>
             <a:fld id="{A8C27C45-1757-40D5-98B6-C308237483B6}" type="datetimeFigureOut">
               <a:rPr lang="en-US" smtClean="0"/>
-              <a:t>11/20/2018</a:t>
+              <a:t>11/21/2018</a:t>
             </a:fld>
             <a:endParaRPr lang="en-US"/>
           </a:p>
@@ -2109,7 +2112,7 @@
           <a:p>
             <a:fld id="{A8C27C45-1757-40D5-98B6-C308237483B6}" type="datetimeFigureOut">
               <a:rPr lang="en-US" smtClean="0"/>
-              <a:t>11/20/2018</a:t>
+              <a:t>11/21/2018</a:t>
             </a:fld>
             <a:endParaRPr lang="en-US"/>
           </a:p>
@@ -2366,7 +2369,7 @@
           <a:p>
             <a:fld id="{A8C27C45-1757-40D5-98B6-C308237483B6}" type="datetimeFigureOut">
               <a:rPr lang="en-US" smtClean="0"/>
-              <a:t>11/20/2018</a:t>
+              <a:t>11/21/2018</a:t>
             </a:fld>
             <a:endParaRPr lang="en-US"/>
           </a:p>
@@ -2579,7 +2582,7 @@
           <a:p>
             <a:fld id="{A8C27C45-1757-40D5-98B6-C308237483B6}" type="datetimeFigureOut">
               <a:rPr lang="en-US" smtClean="0"/>
-              <a:t>11/20/2018</a:t>
+              <a:t>11/21/2018</a:t>
             </a:fld>
             <a:endParaRPr lang="en-US"/>
           </a:p>
@@ -3082,7 +3085,11 @@
           <a:bodyPr/>
           <a:lstStyle/>
           <a:p>
-            <a:endParaRPr lang="en-US"/>
+            <a:r>
+              <a:rPr lang="en-CA" dirty="0" smtClean="0"/>
+              <a:t>Binary Addition</a:t>
+            </a:r>
+            <a:endParaRPr lang="en-US" dirty="0"/>
           </a:p>
         </p:txBody>
       </p:sp>
@@ -3098,58 +3105,1053 @@
         </p:nvSpPr>
         <p:spPr/>
         <p:txBody>
-          <a:bodyPr/>
+          <a:bodyPr>
+            <a:normAutofit/>
+          </a:bodyPr>
           <a:lstStyle/>
           <a:p>
-            <a:endParaRPr lang="en-US"/>
-          </a:p>
-        </p:txBody>
-      </p:sp>
-      <p:pic>
-        <p:nvPicPr>
-          <p:cNvPr id="2050" name="Picture 2" descr="Related image"/>
-          <p:cNvPicPr>
-            <a:picLocks noChangeAspect="1" noChangeArrowheads="1"/>
-          </p:cNvPicPr>
-          <p:nvPr/>
-        </p:nvPicPr>
-        <p:blipFill>
-          <a:blip r:embed="rId2">
-            <a:extLst>
-              <a:ext uri="{28A0092B-C50C-407E-A947-70E740481C1C}">
-                <a14:useLocalDpi xmlns:a14="http://schemas.microsoft.com/office/drawing/2010/main" val="0"/>
-              </a:ext>
-            </a:extLst>
-          </a:blip>
-          <a:srcRect/>
-          <a:stretch>
-            <a:fillRect/>
-          </a:stretch>
-        </p:blipFill>
-        <p:spPr bwMode="auto">
-          <a:xfrm>
-            <a:off x="468629" y="771208"/>
-            <a:ext cx="8375715" cy="5405755"/>
-          </a:xfrm>
-          <a:prstGeom prst="rect">
-            <a:avLst/>
-          </a:prstGeom>
-          <a:noFill/>
-          <a:extLst>
-            <a:ext uri="{909E8E84-426E-40DD-AFC4-6F175D3DCCD1}">
-              <a14:hiddenFill xmlns:a14="http://schemas.microsoft.com/office/drawing/2010/main">
-                <a:solidFill>
-                  <a:srgbClr val="FFFFFF"/>
-                </a:solidFill>
-              </a14:hiddenFill>
-            </a:ext>
-          </a:extLst>
-        </p:spPr>
-      </p:pic>
+            <a:pPr marL="0" indent="0">
+              <a:buNone/>
+            </a:pPr>
+            <a:r>
+              <a:rPr lang="en-CA" dirty="0" smtClean="0"/>
+              <a:t>Add the following binary numbers </a:t>
+            </a:r>
+            <a:br>
+              <a:rPr lang="en-CA" dirty="0" smtClean="0"/>
+            </a:br>
+            <a:r>
+              <a:rPr lang="en-CA" dirty="0" smtClean="0"/>
+              <a:t>(verify your answers using decimal)</a:t>
+            </a:r>
+          </a:p>
+        </p:txBody>
+      </p:sp>
+      <p:graphicFrame>
+        <p:nvGraphicFramePr>
+          <p:cNvPr id="4" name="Table 3"/>
+          <p:cNvGraphicFramePr>
+            <a:graphicFrameLocks noGrp="1"/>
+          </p:cNvGraphicFramePr>
+          <p:nvPr>
+            <p:extLst>
+              <p:ext uri="{D42A27DB-BD31-4B8C-83A1-F6EECF244321}">
+                <p14:modId xmlns:p14="http://schemas.microsoft.com/office/powerpoint/2010/main" val="3406677176"/>
+              </p:ext>
+            </p:extLst>
+          </p:nvPr>
+        </p:nvGraphicFramePr>
+        <p:xfrm>
+          <a:off x="744068" y="3131671"/>
+          <a:ext cx="7216590" cy="2646680"/>
+        </p:xfrm>
+        <a:graphic>
+          <a:graphicData uri="http://schemas.openxmlformats.org/drawingml/2006/table">
+            <a:tbl>
+              <a:tblPr firstRow="1" bandRow="1">
+                <a:tableStyleId>{2D5ABB26-0587-4C30-8999-92F81FD0307C}</a:tableStyleId>
+              </a:tblPr>
+              <a:tblGrid>
+                <a:gridCol w="398932"/>
+                <a:gridCol w="1187645"/>
+                <a:gridCol w="1506248"/>
+                <a:gridCol w="506507"/>
+                <a:gridCol w="468630"/>
+                <a:gridCol w="1086897"/>
+                <a:gridCol w="2061731"/>
+              </a:tblGrid>
+              <a:tr h="370840">
+                <a:tc>
+                  <a:txBody>
+                    <a:bodyPr/>
+                    <a:lstStyle/>
+                    <a:p>
+                      <a:r>
+                        <a:rPr lang="en-CA" dirty="0" smtClean="0"/>
+                        <a:t>a)</a:t>
+                      </a:r>
+                      <a:endParaRPr lang="en-US" dirty="0"/>
+                    </a:p>
+                  </a:txBody>
+                  <a:tcPr/>
+                </a:tc>
+                <a:tc>
+                  <a:txBody>
+                    <a:bodyPr/>
+                    <a:lstStyle/>
+                    <a:p>
+                      <a:r>
+                        <a:rPr lang="en-CA" b="1" dirty="0" smtClean="0"/>
+                        <a:t>   0101</a:t>
+                      </a:r>
+                      <a:endParaRPr lang="en-US" b="1" dirty="0">
+                        <a:solidFill>
+                          <a:schemeClr val="tx1"/>
+                        </a:solidFill>
+                      </a:endParaRPr>
+                    </a:p>
+                  </a:txBody>
+                  <a:tcPr/>
+                </a:tc>
+                <a:tc>
+                  <a:txBody>
+                    <a:bodyPr/>
+                    <a:lstStyle/>
+                    <a:p>
+                      <a:r>
+                        <a:rPr lang="en-CA" b="1" dirty="0" smtClean="0"/>
+                        <a:t>(decimal 5)</a:t>
+                      </a:r>
+                      <a:endParaRPr lang="en-US" b="1" dirty="0">
+                        <a:solidFill>
+                          <a:schemeClr val="tx1"/>
+                        </a:solidFill>
+                      </a:endParaRPr>
+                    </a:p>
+                  </a:txBody>
+                  <a:tcPr/>
+                </a:tc>
+                <a:tc>
+                  <a:txBody>
+                    <a:bodyPr/>
+                    <a:lstStyle/>
+                    <a:p>
+                      <a:endParaRPr lang="en-US">
+                        <a:solidFill>
+                          <a:schemeClr val="tx1"/>
+                        </a:solidFill>
+                      </a:endParaRPr>
+                    </a:p>
+                  </a:txBody>
+                  <a:tcPr/>
+                </a:tc>
+                <a:tc>
+                  <a:txBody>
+                    <a:bodyPr/>
+                    <a:lstStyle/>
+                    <a:p>
+                      <a:r>
+                        <a:rPr lang="en-CA" dirty="0" smtClean="0">
+                          <a:solidFill>
+                            <a:schemeClr val="tx1"/>
+                          </a:solidFill>
+                        </a:rPr>
+                        <a:t>b)</a:t>
+                      </a:r>
+                      <a:endParaRPr lang="en-US" dirty="0">
+                        <a:solidFill>
+                          <a:schemeClr val="tx1"/>
+                        </a:solidFill>
+                      </a:endParaRPr>
+                    </a:p>
+                  </a:txBody>
+                  <a:tcPr/>
+                </a:tc>
+                <a:tc>
+                  <a:txBody>
+                    <a:bodyPr/>
+                    <a:lstStyle/>
+                    <a:p>
+                      <a:r>
+                        <a:rPr lang="en-CA" b="1" dirty="0" smtClean="0"/>
+                        <a:t>   0101</a:t>
+                      </a:r>
+                      <a:endParaRPr lang="en-US" b="1" dirty="0">
+                        <a:solidFill>
+                          <a:schemeClr val="tx1"/>
+                        </a:solidFill>
+                      </a:endParaRPr>
+                    </a:p>
+                  </a:txBody>
+                  <a:tcPr/>
+                </a:tc>
+                <a:tc>
+                  <a:txBody>
+                    <a:bodyPr/>
+                    <a:lstStyle/>
+                    <a:p>
+                      <a:r>
+                        <a:rPr lang="en-CA" b="1" dirty="0" smtClean="0"/>
+                        <a:t>(decimal 5)</a:t>
+                      </a:r>
+                      <a:endParaRPr lang="en-US" b="1" dirty="0">
+                        <a:solidFill>
+                          <a:schemeClr val="tx1"/>
+                        </a:solidFill>
+                      </a:endParaRPr>
+                    </a:p>
+                  </a:txBody>
+                  <a:tcPr/>
+                </a:tc>
+              </a:tr>
+              <a:tr h="370840">
+                <a:tc>
+                  <a:txBody>
+                    <a:bodyPr/>
+                    <a:lstStyle/>
+                    <a:p>
+                      <a:endParaRPr lang="en-US" sz="2000" b="1" dirty="0"/>
+                    </a:p>
+                  </a:txBody>
+                  <a:tcPr/>
+                </a:tc>
+                <a:tc>
+                  <a:txBody>
+                    <a:bodyPr/>
+                    <a:lstStyle/>
+                    <a:p>
+                      <a:r>
+                        <a:rPr lang="en-CA" b="1" dirty="0" smtClean="0"/>
+                        <a:t>+ 0010</a:t>
+                      </a:r>
+                      <a:endParaRPr lang="en-US" b="1" dirty="0">
+                        <a:solidFill>
+                          <a:schemeClr val="tx1"/>
+                        </a:solidFill>
+                      </a:endParaRPr>
+                    </a:p>
+                  </a:txBody>
+                  <a:tcPr>
+                    <a:lnB w="12700" cap="flat" cmpd="sng" algn="ctr">
+                      <a:solidFill>
+                        <a:schemeClr val="tx1"/>
+                      </a:solidFill>
+                      <a:prstDash val="solid"/>
+                      <a:round/>
+                      <a:headEnd type="none" w="med" len="med"/>
+                      <a:tailEnd type="none" w="med" len="med"/>
+                    </a:lnB>
+                  </a:tcPr>
+                </a:tc>
+                <a:tc>
+                  <a:txBody>
+                    <a:bodyPr/>
+                    <a:lstStyle/>
+                    <a:p>
+                      <a:r>
+                        <a:rPr lang="en-CA" b="1" dirty="0" smtClean="0"/>
+                        <a:t>(decimal 2)</a:t>
+                      </a:r>
+                      <a:endParaRPr lang="en-US" b="1" dirty="0">
+                        <a:solidFill>
+                          <a:schemeClr val="tx1"/>
+                        </a:solidFill>
+                      </a:endParaRPr>
+                    </a:p>
+                  </a:txBody>
+                  <a:tcPr>
+                    <a:lnB w="12700" cap="flat" cmpd="sng" algn="ctr">
+                      <a:solidFill>
+                        <a:schemeClr val="tx1"/>
+                      </a:solidFill>
+                      <a:prstDash val="solid"/>
+                      <a:round/>
+                      <a:headEnd type="none" w="med" len="med"/>
+                      <a:tailEnd type="none" w="med" len="med"/>
+                    </a:lnB>
+                  </a:tcPr>
+                </a:tc>
+                <a:tc>
+                  <a:txBody>
+                    <a:bodyPr/>
+                    <a:lstStyle/>
+                    <a:p>
+                      <a:endParaRPr lang="en-US" dirty="0">
+                        <a:solidFill>
+                          <a:schemeClr val="tx1"/>
+                        </a:solidFill>
+                      </a:endParaRPr>
+                    </a:p>
+                  </a:txBody>
+                  <a:tcPr/>
+                </a:tc>
+                <a:tc>
+                  <a:txBody>
+                    <a:bodyPr/>
+                    <a:lstStyle/>
+                    <a:p>
+                      <a:endParaRPr lang="en-US" sz="2000" b="1" dirty="0">
+                        <a:solidFill>
+                          <a:schemeClr val="tx1"/>
+                        </a:solidFill>
+                      </a:endParaRPr>
+                    </a:p>
+                  </a:txBody>
+                  <a:tcPr/>
+                </a:tc>
+                <a:tc>
+                  <a:txBody>
+                    <a:bodyPr/>
+                    <a:lstStyle/>
+                    <a:p>
+                      <a:r>
+                        <a:rPr lang="en-CA" b="1" dirty="0" smtClean="0"/>
+                        <a:t>+ 1010</a:t>
+                      </a:r>
+                      <a:endParaRPr lang="en-US" b="1" dirty="0">
+                        <a:solidFill>
+                          <a:schemeClr val="tx1"/>
+                        </a:solidFill>
+                      </a:endParaRPr>
+                    </a:p>
+                  </a:txBody>
+                  <a:tcPr>
+                    <a:lnB w="12700" cap="flat" cmpd="sng" algn="ctr">
+                      <a:solidFill>
+                        <a:schemeClr val="tx1"/>
+                      </a:solidFill>
+                      <a:prstDash val="solid"/>
+                      <a:round/>
+                      <a:headEnd type="none" w="med" len="med"/>
+                      <a:tailEnd type="none" w="med" len="med"/>
+                    </a:lnB>
+                  </a:tcPr>
+                </a:tc>
+                <a:tc>
+                  <a:txBody>
+                    <a:bodyPr/>
+                    <a:lstStyle/>
+                    <a:p>
+                      <a:r>
+                        <a:rPr lang="en-CA" b="1" dirty="0" smtClean="0"/>
+                        <a:t>(decimal 10)</a:t>
+                      </a:r>
+                      <a:endParaRPr lang="en-US" b="1" dirty="0">
+                        <a:solidFill>
+                          <a:schemeClr val="tx1"/>
+                        </a:solidFill>
+                      </a:endParaRPr>
+                    </a:p>
+                  </a:txBody>
+                  <a:tcPr>
+                    <a:lnB w="12700" cap="flat" cmpd="sng" algn="ctr">
+                      <a:solidFill>
+                        <a:schemeClr val="tx1"/>
+                      </a:solidFill>
+                      <a:prstDash val="solid"/>
+                      <a:round/>
+                      <a:headEnd type="none" w="med" len="med"/>
+                      <a:tailEnd type="none" w="med" len="med"/>
+                    </a:lnB>
+                  </a:tcPr>
+                </a:tc>
+              </a:tr>
+              <a:tr h="370840">
+                <a:tc>
+                  <a:txBody>
+                    <a:bodyPr/>
+                    <a:lstStyle/>
+                    <a:p>
+                      <a:endParaRPr lang="en-US" dirty="0"/>
+                    </a:p>
+                  </a:txBody>
+                  <a:tcPr/>
+                </a:tc>
+                <a:tc>
+                  <a:txBody>
+                    <a:bodyPr/>
+                    <a:lstStyle/>
+                    <a:p>
+                      <a:r>
+                        <a:rPr lang="en-CA" b="1" dirty="0" smtClean="0">
+                          <a:solidFill>
+                            <a:schemeClr val="tx1"/>
+                          </a:solidFill>
+                        </a:rPr>
+                        <a:t>   </a:t>
+                      </a:r>
+                      <a:r>
+                        <a:rPr lang="en-CA" b="1" dirty="0" smtClean="0">
+                          <a:solidFill>
+                            <a:srgbClr val="FF0000"/>
+                          </a:solidFill>
+                        </a:rPr>
+                        <a:t>0111</a:t>
+                      </a:r>
+                      <a:endParaRPr lang="en-US" b="1" dirty="0">
+                        <a:solidFill>
+                          <a:srgbClr val="FF0000"/>
+                        </a:solidFill>
+                      </a:endParaRPr>
+                    </a:p>
+                  </a:txBody>
+                  <a:tcPr>
+                    <a:lnT w="12700" cap="flat" cmpd="sng" algn="ctr">
+                      <a:solidFill>
+                        <a:schemeClr val="tx1"/>
+                      </a:solidFill>
+                      <a:prstDash val="solid"/>
+                      <a:round/>
+                      <a:headEnd type="none" w="med" len="med"/>
+                      <a:tailEnd type="none" w="med" len="med"/>
+                    </a:lnT>
+                  </a:tcPr>
+                </a:tc>
+                <a:tc>
+                  <a:txBody>
+                    <a:bodyPr/>
+                    <a:lstStyle/>
+                    <a:p>
+                      <a:endParaRPr lang="en-US" b="1" dirty="0">
+                        <a:solidFill>
+                          <a:schemeClr val="tx1"/>
+                        </a:solidFill>
+                      </a:endParaRPr>
+                    </a:p>
+                  </a:txBody>
+                  <a:tcPr>
+                    <a:lnT w="12700" cap="flat" cmpd="sng" algn="ctr">
+                      <a:solidFill>
+                        <a:schemeClr val="tx1"/>
+                      </a:solidFill>
+                      <a:prstDash val="solid"/>
+                      <a:round/>
+                      <a:headEnd type="none" w="med" len="med"/>
+                      <a:tailEnd type="none" w="med" len="med"/>
+                    </a:lnT>
+                  </a:tcPr>
+                </a:tc>
+                <a:tc>
+                  <a:txBody>
+                    <a:bodyPr/>
+                    <a:lstStyle/>
+                    <a:p>
+                      <a:endParaRPr lang="en-US">
+                        <a:solidFill>
+                          <a:schemeClr val="tx1"/>
+                        </a:solidFill>
+                      </a:endParaRPr>
+                    </a:p>
+                  </a:txBody>
+                  <a:tcPr/>
+                </a:tc>
+                <a:tc>
+                  <a:txBody>
+                    <a:bodyPr/>
+                    <a:lstStyle/>
+                    <a:p>
+                      <a:endParaRPr lang="en-US">
+                        <a:solidFill>
+                          <a:schemeClr val="tx1"/>
+                        </a:solidFill>
+                      </a:endParaRPr>
+                    </a:p>
+                  </a:txBody>
+                  <a:tcPr/>
+                </a:tc>
+                <a:tc>
+                  <a:txBody>
+                    <a:bodyPr/>
+                    <a:lstStyle/>
+                    <a:p>
+                      <a:r>
+                        <a:rPr lang="en-CA" b="1" dirty="0" smtClean="0">
+                          <a:solidFill>
+                            <a:schemeClr val="tx1"/>
+                          </a:solidFill>
+                        </a:rPr>
+                        <a:t>   </a:t>
+                      </a:r>
+                      <a:r>
+                        <a:rPr lang="en-CA" b="1" dirty="0" smtClean="0">
+                          <a:solidFill>
+                            <a:srgbClr val="FF0000"/>
+                          </a:solidFill>
+                        </a:rPr>
+                        <a:t>1111</a:t>
+                      </a:r>
+                      <a:endParaRPr lang="en-US" b="1" dirty="0">
+                        <a:solidFill>
+                          <a:srgbClr val="FF0000"/>
+                        </a:solidFill>
+                      </a:endParaRPr>
+                    </a:p>
+                  </a:txBody>
+                  <a:tcPr>
+                    <a:lnT w="12700" cap="flat" cmpd="sng" algn="ctr">
+                      <a:solidFill>
+                        <a:schemeClr val="tx1"/>
+                      </a:solidFill>
+                      <a:prstDash val="solid"/>
+                      <a:round/>
+                      <a:headEnd type="none" w="med" len="med"/>
+                      <a:tailEnd type="none" w="med" len="med"/>
+                    </a:lnT>
+                  </a:tcPr>
+                </a:tc>
+                <a:tc>
+                  <a:txBody>
+                    <a:bodyPr/>
+                    <a:lstStyle/>
+                    <a:p>
+                      <a:endParaRPr lang="en-US" b="1" dirty="0">
+                        <a:solidFill>
+                          <a:schemeClr val="tx1"/>
+                        </a:solidFill>
+                      </a:endParaRPr>
+                    </a:p>
+                  </a:txBody>
+                  <a:tcPr>
+                    <a:lnT w="12700" cap="flat" cmpd="sng" algn="ctr">
+                      <a:solidFill>
+                        <a:schemeClr val="tx1"/>
+                      </a:solidFill>
+                      <a:prstDash val="solid"/>
+                      <a:round/>
+                      <a:headEnd type="none" w="med" len="med"/>
+                      <a:tailEnd type="none" w="med" len="med"/>
+                    </a:lnT>
+                  </a:tcPr>
+                </a:tc>
+              </a:tr>
+              <a:tr h="370840">
+                <a:tc>
+                  <a:txBody>
+                    <a:bodyPr/>
+                    <a:lstStyle/>
+                    <a:p>
+                      <a:endParaRPr lang="en-US"/>
+                    </a:p>
+                  </a:txBody>
+                  <a:tcPr/>
+                </a:tc>
+                <a:tc>
+                  <a:txBody>
+                    <a:bodyPr/>
+                    <a:lstStyle/>
+                    <a:p>
+                      <a:endParaRPr lang="en-US" b="1">
+                        <a:solidFill>
+                          <a:schemeClr val="tx1"/>
+                        </a:solidFill>
+                      </a:endParaRPr>
+                    </a:p>
+                  </a:txBody>
+                  <a:tcPr/>
+                </a:tc>
+                <a:tc>
+                  <a:txBody>
+                    <a:bodyPr/>
+                    <a:lstStyle/>
+                    <a:p>
+                      <a:endParaRPr lang="en-US" b="1" dirty="0">
+                        <a:solidFill>
+                          <a:schemeClr val="tx1"/>
+                        </a:solidFill>
+                      </a:endParaRPr>
+                    </a:p>
+                  </a:txBody>
+                  <a:tcPr/>
+                </a:tc>
+                <a:tc>
+                  <a:txBody>
+                    <a:bodyPr/>
+                    <a:lstStyle/>
+                    <a:p>
+                      <a:endParaRPr lang="en-US">
+                        <a:solidFill>
+                          <a:schemeClr val="tx1"/>
+                        </a:solidFill>
+                      </a:endParaRPr>
+                    </a:p>
+                  </a:txBody>
+                  <a:tcPr/>
+                </a:tc>
+                <a:tc>
+                  <a:txBody>
+                    <a:bodyPr/>
+                    <a:lstStyle/>
+                    <a:p>
+                      <a:endParaRPr lang="en-US">
+                        <a:solidFill>
+                          <a:schemeClr val="tx1"/>
+                        </a:solidFill>
+                      </a:endParaRPr>
+                    </a:p>
+                  </a:txBody>
+                  <a:tcPr/>
+                </a:tc>
+                <a:tc>
+                  <a:txBody>
+                    <a:bodyPr/>
+                    <a:lstStyle/>
+                    <a:p>
+                      <a:endParaRPr lang="en-US" b="1" dirty="0">
+                        <a:solidFill>
+                          <a:schemeClr val="tx1"/>
+                        </a:solidFill>
+                      </a:endParaRPr>
+                    </a:p>
+                  </a:txBody>
+                  <a:tcPr/>
+                </a:tc>
+                <a:tc>
+                  <a:txBody>
+                    <a:bodyPr/>
+                    <a:lstStyle/>
+                    <a:p>
+                      <a:endParaRPr lang="en-US" b="1" dirty="0">
+                        <a:solidFill>
+                          <a:schemeClr val="tx1"/>
+                        </a:solidFill>
+                      </a:endParaRPr>
+                    </a:p>
+                  </a:txBody>
+                  <a:tcPr/>
+                </a:tc>
+              </a:tr>
+              <a:tr h="370840">
+                <a:tc>
+                  <a:txBody>
+                    <a:bodyPr/>
+                    <a:lstStyle/>
+                    <a:p>
+                      <a:r>
+                        <a:rPr lang="en-CA" dirty="0" smtClean="0"/>
+                        <a:t>c)</a:t>
+                      </a:r>
+                      <a:endParaRPr lang="en-US" dirty="0"/>
+                    </a:p>
+                  </a:txBody>
+                  <a:tcPr/>
+                </a:tc>
+                <a:tc>
+                  <a:txBody>
+                    <a:bodyPr/>
+                    <a:lstStyle/>
+                    <a:p>
+                      <a:r>
+                        <a:rPr lang="en-CA" b="1" dirty="0" smtClean="0"/>
+                        <a:t>   0011</a:t>
+                      </a:r>
+                      <a:endParaRPr lang="en-US" b="1" dirty="0">
+                        <a:solidFill>
+                          <a:schemeClr val="tx1"/>
+                        </a:solidFill>
+                      </a:endParaRPr>
+                    </a:p>
+                  </a:txBody>
+                  <a:tcPr/>
+                </a:tc>
+                <a:tc>
+                  <a:txBody>
+                    <a:bodyPr/>
+                    <a:lstStyle/>
+                    <a:p>
+                      <a:r>
+                        <a:rPr lang="en-CA" b="1" dirty="0" smtClean="0"/>
+                        <a:t>(decimal 3)</a:t>
+                      </a:r>
+                      <a:endParaRPr lang="en-US" b="1" dirty="0">
+                        <a:solidFill>
+                          <a:schemeClr val="tx1"/>
+                        </a:solidFill>
+                      </a:endParaRPr>
+                    </a:p>
+                  </a:txBody>
+                  <a:tcPr/>
+                </a:tc>
+                <a:tc>
+                  <a:txBody>
+                    <a:bodyPr/>
+                    <a:lstStyle/>
+                    <a:p>
+                      <a:endParaRPr lang="en-US">
+                        <a:solidFill>
+                          <a:schemeClr val="tx1"/>
+                        </a:solidFill>
+                      </a:endParaRPr>
+                    </a:p>
+                  </a:txBody>
+                  <a:tcPr/>
+                </a:tc>
+                <a:tc>
+                  <a:txBody>
+                    <a:bodyPr/>
+                    <a:lstStyle/>
+                    <a:p>
+                      <a:r>
+                        <a:rPr lang="en-CA" dirty="0" smtClean="0">
+                          <a:solidFill>
+                            <a:schemeClr val="tx1"/>
+                          </a:solidFill>
+                        </a:rPr>
+                        <a:t>d)</a:t>
+                      </a:r>
+                      <a:endParaRPr lang="en-US" dirty="0">
+                        <a:solidFill>
+                          <a:schemeClr val="tx1"/>
+                        </a:solidFill>
+                      </a:endParaRPr>
+                    </a:p>
+                  </a:txBody>
+                  <a:tcPr/>
+                </a:tc>
+                <a:tc>
+                  <a:txBody>
+                    <a:bodyPr/>
+                    <a:lstStyle/>
+                    <a:p>
+                      <a:r>
+                        <a:rPr lang="en-CA" b="1" dirty="0" smtClean="0"/>
+                        <a:t>   0110</a:t>
+                      </a:r>
+                      <a:endParaRPr lang="en-US" b="1" dirty="0">
+                        <a:solidFill>
+                          <a:schemeClr val="tx1"/>
+                        </a:solidFill>
+                      </a:endParaRPr>
+                    </a:p>
+                  </a:txBody>
+                  <a:tcPr/>
+                </a:tc>
+                <a:tc>
+                  <a:txBody>
+                    <a:bodyPr/>
+                    <a:lstStyle/>
+                    <a:p>
+                      <a:r>
+                        <a:rPr lang="en-CA" b="1" dirty="0" smtClean="0"/>
+                        <a:t>(decimal 6)</a:t>
+                      </a:r>
+                      <a:endParaRPr lang="en-US" b="1" dirty="0">
+                        <a:solidFill>
+                          <a:schemeClr val="tx1"/>
+                        </a:solidFill>
+                      </a:endParaRPr>
+                    </a:p>
+                  </a:txBody>
+                  <a:tcPr/>
+                </a:tc>
+              </a:tr>
+              <a:tr h="370840">
+                <a:tc>
+                  <a:txBody>
+                    <a:bodyPr/>
+                    <a:lstStyle/>
+                    <a:p>
+                      <a:endParaRPr lang="en-US" sz="2000" b="1" dirty="0"/>
+                    </a:p>
+                  </a:txBody>
+                  <a:tcPr/>
+                </a:tc>
+                <a:tc>
+                  <a:txBody>
+                    <a:bodyPr/>
+                    <a:lstStyle/>
+                    <a:p>
+                      <a:r>
+                        <a:rPr lang="en-CA" b="1" dirty="0" smtClean="0"/>
+                        <a:t>+ 0010</a:t>
+                      </a:r>
+                      <a:endParaRPr lang="en-US" b="1" dirty="0">
+                        <a:solidFill>
+                          <a:schemeClr val="tx1"/>
+                        </a:solidFill>
+                      </a:endParaRPr>
+                    </a:p>
+                  </a:txBody>
+                  <a:tcPr>
+                    <a:lnB w="12700" cap="flat" cmpd="sng" algn="ctr">
+                      <a:solidFill>
+                        <a:schemeClr val="tx1"/>
+                      </a:solidFill>
+                      <a:prstDash val="solid"/>
+                      <a:round/>
+                      <a:headEnd type="none" w="med" len="med"/>
+                      <a:tailEnd type="none" w="med" len="med"/>
+                    </a:lnB>
+                  </a:tcPr>
+                </a:tc>
+                <a:tc>
+                  <a:txBody>
+                    <a:bodyPr/>
+                    <a:lstStyle/>
+                    <a:p>
+                      <a:r>
+                        <a:rPr lang="en-CA" b="1" dirty="0" smtClean="0"/>
+                        <a:t>(decimal 2)</a:t>
+                      </a:r>
+                      <a:endParaRPr lang="en-US" b="1" dirty="0">
+                        <a:solidFill>
+                          <a:schemeClr val="tx1"/>
+                        </a:solidFill>
+                      </a:endParaRPr>
+                    </a:p>
+                  </a:txBody>
+                  <a:tcPr>
+                    <a:lnB w="12700" cap="flat" cmpd="sng" algn="ctr">
+                      <a:solidFill>
+                        <a:schemeClr val="tx1"/>
+                      </a:solidFill>
+                      <a:prstDash val="solid"/>
+                      <a:round/>
+                      <a:headEnd type="none" w="med" len="med"/>
+                      <a:tailEnd type="none" w="med" len="med"/>
+                    </a:lnB>
+                  </a:tcPr>
+                </a:tc>
+                <a:tc>
+                  <a:txBody>
+                    <a:bodyPr/>
+                    <a:lstStyle/>
+                    <a:p>
+                      <a:endParaRPr lang="en-US" dirty="0">
+                        <a:solidFill>
+                          <a:schemeClr val="tx1"/>
+                        </a:solidFill>
+                      </a:endParaRPr>
+                    </a:p>
+                  </a:txBody>
+                  <a:tcPr/>
+                </a:tc>
+                <a:tc>
+                  <a:txBody>
+                    <a:bodyPr/>
+                    <a:lstStyle/>
+                    <a:p>
+                      <a:endParaRPr lang="en-US" sz="2000" b="1" dirty="0">
+                        <a:solidFill>
+                          <a:schemeClr val="tx1"/>
+                        </a:solidFill>
+                      </a:endParaRPr>
+                    </a:p>
+                  </a:txBody>
+                  <a:tcPr/>
+                </a:tc>
+                <a:tc>
+                  <a:txBody>
+                    <a:bodyPr/>
+                    <a:lstStyle/>
+                    <a:p>
+                      <a:r>
+                        <a:rPr lang="en-CA" b="1" dirty="0" smtClean="0"/>
+                        <a:t>+ 0011</a:t>
+                      </a:r>
+                      <a:endParaRPr lang="en-US" b="1" dirty="0">
+                        <a:solidFill>
+                          <a:schemeClr val="tx1"/>
+                        </a:solidFill>
+                      </a:endParaRPr>
+                    </a:p>
+                  </a:txBody>
+                  <a:tcPr>
+                    <a:lnB w="12700" cap="flat" cmpd="sng" algn="ctr">
+                      <a:solidFill>
+                        <a:schemeClr val="tx1"/>
+                      </a:solidFill>
+                      <a:prstDash val="solid"/>
+                      <a:round/>
+                      <a:headEnd type="none" w="med" len="med"/>
+                      <a:tailEnd type="none" w="med" len="med"/>
+                    </a:lnB>
+                  </a:tcPr>
+                </a:tc>
+                <a:tc>
+                  <a:txBody>
+                    <a:bodyPr/>
+                    <a:lstStyle/>
+                    <a:p>
+                      <a:r>
+                        <a:rPr lang="en-CA" b="1" dirty="0" smtClean="0"/>
+                        <a:t>(decimal 3)</a:t>
+                      </a:r>
+                      <a:endParaRPr lang="en-US" b="1" dirty="0">
+                        <a:solidFill>
+                          <a:schemeClr val="tx1"/>
+                        </a:solidFill>
+                      </a:endParaRPr>
+                    </a:p>
+                  </a:txBody>
+                  <a:tcPr>
+                    <a:lnB w="12700" cap="flat" cmpd="sng" algn="ctr">
+                      <a:solidFill>
+                        <a:schemeClr val="tx1"/>
+                      </a:solidFill>
+                      <a:prstDash val="solid"/>
+                      <a:round/>
+                      <a:headEnd type="none" w="med" len="med"/>
+                      <a:tailEnd type="none" w="med" len="med"/>
+                    </a:lnB>
+                  </a:tcPr>
+                </a:tc>
+              </a:tr>
+              <a:tr h="370840">
+                <a:tc>
+                  <a:txBody>
+                    <a:bodyPr/>
+                    <a:lstStyle/>
+                    <a:p>
+                      <a:endParaRPr lang="en-US"/>
+                    </a:p>
+                  </a:txBody>
+                  <a:tcPr/>
+                </a:tc>
+                <a:tc>
+                  <a:txBody>
+                    <a:bodyPr/>
+                    <a:lstStyle/>
+                    <a:p>
+                      <a:r>
+                        <a:rPr lang="en-CA" b="1" dirty="0" smtClean="0">
+                          <a:solidFill>
+                            <a:schemeClr val="tx1"/>
+                          </a:solidFill>
+                        </a:rPr>
+                        <a:t>   </a:t>
+                      </a:r>
+                      <a:r>
+                        <a:rPr lang="en-CA" b="1" dirty="0" smtClean="0">
+                          <a:solidFill>
+                            <a:srgbClr val="FF0000"/>
+                          </a:solidFill>
+                        </a:rPr>
+                        <a:t>0101</a:t>
+                      </a:r>
+                      <a:endParaRPr lang="en-US" b="1" dirty="0">
+                        <a:solidFill>
+                          <a:srgbClr val="FF0000"/>
+                        </a:solidFill>
+                      </a:endParaRPr>
+                    </a:p>
+                  </a:txBody>
+                  <a:tcPr>
+                    <a:lnT w="12700" cap="flat" cmpd="sng" algn="ctr">
+                      <a:solidFill>
+                        <a:schemeClr val="tx1"/>
+                      </a:solidFill>
+                      <a:prstDash val="solid"/>
+                      <a:round/>
+                      <a:headEnd type="none" w="med" len="med"/>
+                      <a:tailEnd type="none" w="med" len="med"/>
+                    </a:lnT>
+                  </a:tcPr>
+                </a:tc>
+                <a:tc>
+                  <a:txBody>
+                    <a:bodyPr/>
+                    <a:lstStyle/>
+                    <a:p>
+                      <a:endParaRPr lang="en-US" b="1">
+                        <a:solidFill>
+                          <a:schemeClr val="tx1"/>
+                        </a:solidFill>
+                      </a:endParaRPr>
+                    </a:p>
+                  </a:txBody>
+                  <a:tcPr>
+                    <a:lnT w="12700" cap="flat" cmpd="sng" algn="ctr">
+                      <a:solidFill>
+                        <a:schemeClr val="tx1"/>
+                      </a:solidFill>
+                      <a:prstDash val="solid"/>
+                      <a:round/>
+                      <a:headEnd type="none" w="med" len="med"/>
+                      <a:tailEnd type="none" w="med" len="med"/>
+                    </a:lnT>
+                  </a:tcPr>
+                </a:tc>
+                <a:tc>
+                  <a:txBody>
+                    <a:bodyPr/>
+                    <a:lstStyle/>
+                    <a:p>
+                      <a:endParaRPr lang="en-US" dirty="0">
+                        <a:solidFill>
+                          <a:schemeClr val="tx1"/>
+                        </a:solidFill>
+                      </a:endParaRPr>
+                    </a:p>
+                  </a:txBody>
+                  <a:tcPr/>
+                </a:tc>
+                <a:tc>
+                  <a:txBody>
+                    <a:bodyPr/>
+                    <a:lstStyle/>
+                    <a:p>
+                      <a:endParaRPr lang="en-US">
+                        <a:solidFill>
+                          <a:schemeClr val="tx1"/>
+                        </a:solidFill>
+                      </a:endParaRPr>
+                    </a:p>
+                  </a:txBody>
+                  <a:tcPr/>
+                </a:tc>
+                <a:tc>
+                  <a:txBody>
+                    <a:bodyPr/>
+                    <a:lstStyle/>
+                    <a:p>
+                      <a:r>
+                        <a:rPr lang="en-CA" b="1" dirty="0" smtClean="0">
+                          <a:solidFill>
+                            <a:schemeClr val="tx1"/>
+                          </a:solidFill>
+                        </a:rPr>
+                        <a:t>   </a:t>
+                      </a:r>
+                      <a:r>
+                        <a:rPr lang="en-CA" b="1" dirty="0" smtClean="0">
+                          <a:solidFill>
+                            <a:srgbClr val="FF0000"/>
+                          </a:solidFill>
+                        </a:rPr>
+                        <a:t>1001</a:t>
+                      </a:r>
+                      <a:endParaRPr lang="en-US" b="1" dirty="0">
+                        <a:solidFill>
+                          <a:srgbClr val="FF0000"/>
+                        </a:solidFill>
+                      </a:endParaRPr>
+                    </a:p>
+                  </a:txBody>
+                  <a:tcPr>
+                    <a:lnT w="12700" cap="flat" cmpd="sng" algn="ctr">
+                      <a:solidFill>
+                        <a:schemeClr val="tx1"/>
+                      </a:solidFill>
+                      <a:prstDash val="solid"/>
+                      <a:round/>
+                      <a:headEnd type="none" w="med" len="med"/>
+                      <a:tailEnd type="none" w="med" len="med"/>
+                    </a:lnT>
+                  </a:tcPr>
+                </a:tc>
+                <a:tc>
+                  <a:txBody>
+                    <a:bodyPr/>
+                    <a:lstStyle/>
+                    <a:p>
+                      <a:endParaRPr lang="en-US" b="1" dirty="0">
+                        <a:solidFill>
+                          <a:schemeClr val="tx1"/>
+                        </a:solidFill>
+                      </a:endParaRPr>
+                    </a:p>
+                  </a:txBody>
+                  <a:tcPr>
+                    <a:lnT w="12700" cap="flat" cmpd="sng" algn="ctr">
+                      <a:solidFill>
+                        <a:schemeClr val="tx1"/>
+                      </a:solidFill>
+                      <a:prstDash val="solid"/>
+                      <a:round/>
+                      <a:headEnd type="none" w="med" len="med"/>
+                      <a:tailEnd type="none" w="med" len="med"/>
+                    </a:lnT>
+                  </a:tcPr>
+                </a:tc>
+              </a:tr>
+            </a:tbl>
+          </a:graphicData>
+        </a:graphic>
+      </p:graphicFrame>
     </p:spTree>
     <p:extLst>
       <p:ext uri="{BB962C8B-B14F-4D97-AF65-F5344CB8AC3E}">
-        <p14:creationId xmlns:p14="http://schemas.microsoft.com/office/powerpoint/2010/main" val="1124859761"/>
+        <p14:creationId xmlns:p14="http://schemas.microsoft.com/office/powerpoint/2010/main" val="3406115085"/>
       </p:ext>
     </p:extLst>
   </p:cSld>
@@ -3191,11 +4193,7 @@
           <a:bodyPr/>
           <a:lstStyle/>
           <a:p>
-            <a:r>
-              <a:rPr lang="en-CA" dirty="0" smtClean="0"/>
-              <a:t>Computer Memory Structures</a:t>
-            </a:r>
-            <a:endParaRPr lang="en-US" dirty="0"/>
+            <a:endParaRPr lang="en-US"/>
           </a:p>
         </p:txBody>
       </p:sp>
@@ -3211,107 +4209,58 @@
         </p:nvSpPr>
         <p:spPr/>
         <p:txBody>
-          <a:bodyPr>
-            <a:normAutofit lnSpcReduction="10000"/>
-          </a:bodyPr>
+          <a:bodyPr/>
           <a:lstStyle/>
           <a:p>
-            <a:r>
-              <a:rPr lang="en-CA" dirty="0" smtClean="0"/>
-              <a:t>Bit</a:t>
-            </a:r>
-          </a:p>
-          <a:p>
-            <a:pPr lvl="1"/>
-            <a:r>
-              <a:rPr lang="en-CA" dirty="0" smtClean="0"/>
-              <a:t>1 binary digit</a:t>
-            </a:r>
-          </a:p>
-          <a:p>
-            <a:pPr lvl="1"/>
-            <a:r>
-              <a:rPr lang="en-CA" dirty="0" smtClean="0"/>
-              <a:t>Used for Boolean data type</a:t>
-            </a:r>
-          </a:p>
-          <a:p>
-            <a:pPr lvl="1"/>
-            <a:r>
-              <a:rPr lang="en-CA" dirty="0" smtClean="0"/>
-              <a:t>Building Block for All computer data and memory</a:t>
-            </a:r>
-            <a:br>
-              <a:rPr lang="en-CA" dirty="0" smtClean="0"/>
-            </a:br>
-            <a:endParaRPr lang="en-CA" dirty="0" smtClean="0"/>
-          </a:p>
-          <a:p>
-            <a:r>
-              <a:rPr lang="en-CA" dirty="0" smtClean="0"/>
-              <a:t>Byte </a:t>
-            </a:r>
-          </a:p>
-          <a:p>
-            <a:pPr lvl="1"/>
-            <a:r>
-              <a:rPr lang="en-CA" dirty="0" smtClean="0"/>
-              <a:t>8 binary digits</a:t>
-            </a:r>
-          </a:p>
-          <a:p>
-            <a:pPr lvl="1"/>
-            <a:r>
-              <a:rPr lang="en-CA" dirty="0" smtClean="0"/>
-              <a:t>Largest value: 1111 1111  (2</a:t>
-            </a:r>
-            <a:r>
-              <a:rPr lang="en-CA" baseline="30000" dirty="0" smtClean="0"/>
-              <a:t>8</a:t>
-            </a:r>
-            <a:r>
-              <a:rPr lang="en-CA" dirty="0" smtClean="0"/>
-              <a:t> – 1 =  255 Decimal)</a:t>
-            </a:r>
-          </a:p>
-          <a:p>
-            <a:pPr lvl="1"/>
-            <a:r>
-              <a:rPr lang="en-CA" dirty="0" smtClean="0"/>
-              <a:t>Used for Char (character) data type</a:t>
-            </a:r>
-          </a:p>
-          <a:p>
-            <a:pPr lvl="2"/>
-            <a:r>
-              <a:rPr lang="en-CA" dirty="0" smtClean="0"/>
-              <a:t>36 lower case letters  + 36 uppercase letters</a:t>
-            </a:r>
-            <a:br>
-              <a:rPr lang="en-CA" dirty="0" smtClean="0"/>
-            </a:br>
-            <a:r>
-              <a:rPr lang="en-CA" dirty="0" smtClean="0"/>
-              <a:t>+ 10 number symbols + punctuation marks</a:t>
-            </a:r>
-            <a:r>
-              <a:rPr lang="en-CA" dirty="0"/>
-              <a:t/>
-            </a:r>
-            <a:br>
-              <a:rPr lang="en-CA" dirty="0"/>
-            </a:br>
-            <a:r>
-              <a:rPr lang="en-CA" dirty="0" smtClean="0"/>
-              <a:t>equal about 250 distinct characters</a:t>
-            </a:r>
-          </a:p>
-        </p:txBody>
-      </p:sp>
+            <a:endParaRPr lang="en-US"/>
+          </a:p>
+        </p:txBody>
+      </p:sp>
+      <p:pic>
+        <p:nvPicPr>
+          <p:cNvPr id="1026" name="Picture 2" descr="Image result for assembly code dump"/>
+          <p:cNvPicPr>
+            <a:picLocks noChangeAspect="1" noChangeArrowheads="1"/>
+          </p:cNvPicPr>
+          <p:nvPr/>
+        </p:nvPicPr>
+        <p:blipFill>
+          <a:blip r:embed="rId2">
+            <a:extLst>
+              <a:ext uri="{28A0092B-C50C-407E-A947-70E740481C1C}">
+                <a14:useLocalDpi xmlns:a14="http://schemas.microsoft.com/office/drawing/2010/main" val="0"/>
+              </a:ext>
+            </a:extLst>
+          </a:blip>
+          <a:srcRect/>
+          <a:stretch>
+            <a:fillRect/>
+          </a:stretch>
+        </p:blipFill>
+        <p:spPr bwMode="auto">
+          <a:xfrm>
+            <a:off x="146769" y="365126"/>
+            <a:ext cx="8593229" cy="6161405"/>
+          </a:xfrm>
+          <a:prstGeom prst="rect">
+            <a:avLst/>
+          </a:prstGeom>
+          <a:noFill/>
+          <a:extLst>
+            <a:ext uri="{909E8E84-426E-40DD-AFC4-6F175D3DCCD1}">
+              <a14:hiddenFill xmlns:a14="http://schemas.microsoft.com/office/drawing/2010/main">
+                <a:solidFill>
+                  <a:srgbClr val="FFFFFF"/>
+                </a:solidFill>
+              </a14:hiddenFill>
+            </a:ext>
+          </a:extLst>
+        </p:spPr>
+      </p:pic>
     </p:spTree>
     <p:extLst>
       <p:ext uri="{BB962C8B-B14F-4D97-AF65-F5344CB8AC3E}">
-        <p14:creationId xmlns:p14="http://schemas.microsoft.com/office/powerpoint/2010/main" val="4186434481"/>
+        <p14:creationId xmlns:p14="http://schemas.microsoft.com/office/powerpoint/2010/main" val="3208333937"/>
       </p:ext>
     </p:extLst>
   </p:cSld>
@@ -3374,71 +4323,34 @@
         <p:spPr/>
         <p:txBody>
           <a:bodyPr>
-            <a:normAutofit/>
+            <a:normAutofit lnSpcReduction="10000"/>
           </a:bodyPr>
           <a:lstStyle/>
           <a:p>
             <a:r>
               <a:rPr lang="en-CA" dirty="0" smtClean="0"/>
-              <a:t>Word</a:t>
+              <a:t>Bit</a:t>
             </a:r>
           </a:p>
           <a:p>
             <a:pPr lvl="1"/>
             <a:r>
               <a:rPr lang="en-CA" dirty="0" smtClean="0"/>
-              <a:t>16 </a:t>
-            </a:r>
-            <a:r>
-              <a:rPr lang="en-CA" dirty="0"/>
-              <a:t>binary </a:t>
-            </a:r>
-            <a:r>
-              <a:rPr lang="en-CA" dirty="0" smtClean="0"/>
-              <a:t>digits  (2 bytes)</a:t>
-            </a:r>
-            <a:endParaRPr lang="en-CA" dirty="0"/>
+              <a:t>1 binary digit</a:t>
+            </a:r>
           </a:p>
           <a:p>
             <a:pPr lvl="1"/>
             <a:r>
-              <a:rPr lang="en-CA" dirty="0"/>
-              <a:t>Largest value: </a:t>
-            </a:r>
-            <a:r>
-              <a:rPr lang="en-CA" dirty="0" smtClean="0"/>
-              <a:t>1111 1111 1111 </a:t>
-            </a:r>
-            <a:r>
-              <a:rPr lang="en-CA" dirty="0"/>
-              <a:t>1111  </a:t>
-            </a:r>
-            <a:r>
-              <a:rPr lang="en-CA" dirty="0" smtClean="0"/>
-              <a:t/>
-            </a:r>
-            <a:br>
-              <a:rPr lang="en-CA" dirty="0" smtClean="0"/>
-            </a:br>
-            <a:r>
-              <a:rPr lang="en-CA" dirty="0" smtClean="0"/>
-              <a:t>(2</a:t>
-            </a:r>
-            <a:r>
-              <a:rPr lang="en-CA" baseline="30000" dirty="0" smtClean="0"/>
-              <a:t>16</a:t>
-            </a:r>
-            <a:r>
-              <a:rPr lang="en-CA" dirty="0" smtClean="0"/>
-              <a:t> </a:t>
-            </a:r>
-            <a:r>
-              <a:rPr lang="en-CA" dirty="0"/>
-              <a:t>– 1 =  </a:t>
-            </a:r>
-            <a:r>
-              <a:rPr lang="en-CA" dirty="0" smtClean="0"/>
-              <a:t>65,535 Decimal)</a:t>
+              <a:rPr lang="en-CA" dirty="0" smtClean="0"/>
+              <a:t>Used for Boolean data type</a:t>
+            </a:r>
+          </a:p>
+          <a:p>
+            <a:pPr lvl="1"/>
+            <a:r>
+              <a:rPr lang="en-CA" dirty="0" smtClean="0"/>
+              <a:t>Building Block for All computer data and memory</a:t>
             </a:r>
             <a:br>
               <a:rPr lang="en-CA" dirty="0" smtClean="0"/>
@@ -3448,35 +4360,61 @@
           <a:p>
             <a:r>
               <a:rPr lang="en-CA" dirty="0" smtClean="0"/>
-              <a:t>Integer data type</a:t>
+              <a:t>Byte </a:t>
             </a:r>
           </a:p>
           <a:p>
             <a:pPr lvl="1"/>
             <a:r>
               <a:rPr lang="en-CA" dirty="0" smtClean="0"/>
-              <a:t>Is 1 Word (16 bits)</a:t>
+              <a:t>8 binary digits</a:t>
             </a:r>
           </a:p>
           <a:p>
             <a:pPr lvl="1"/>
             <a:r>
               <a:rPr lang="en-CA" dirty="0" smtClean="0"/>
-              <a:t>But must represent both Positive (+) and Negative (-)</a:t>
+              <a:t>Largest value: 1111 1111  (2</a:t>
+            </a:r>
+            <a:r>
+              <a:rPr lang="en-CA" baseline="30000" dirty="0" smtClean="0"/>
+              <a:t>8</a:t>
+            </a:r>
+            <a:r>
+              <a:rPr lang="en-CA" dirty="0" smtClean="0"/>
+              <a:t> – 1 =  255 Decimal)</a:t>
             </a:r>
           </a:p>
           <a:p>
             <a:pPr lvl="1"/>
             <a:r>
               <a:rPr lang="en-CA" dirty="0" smtClean="0"/>
-              <a:t>Range: +32767 to -32768</a:t>
-            </a:r>
-          </a:p>
-          <a:p>
-            <a:pPr lvl="1"/>
-            <a:r>
-              <a:rPr lang="en-CA" dirty="0" smtClean="0"/>
-              <a:t>Larger or smaller numbers require a different data type</a:t>
+              <a:t>Used for Char (character) data type</a:t>
+            </a:r>
+          </a:p>
+          <a:p>
+            <a:pPr lvl="2"/>
+            <a:r>
+              <a:rPr lang="en-CA" dirty="0" smtClean="0"/>
+              <a:t>26 lower case letters  + 26 uppercase letters</a:t>
+            </a:r>
+            <a:br>
+              <a:rPr lang="en-CA" dirty="0" smtClean="0"/>
+            </a:br>
+            <a:r>
+              <a:rPr lang="en-CA" dirty="0" smtClean="0"/>
+              <a:t>+ 10 number symbols + punctuation marks+ Other Stuff</a:t>
+            </a:r>
+            <a:r>
+              <a:rPr lang="en-CA" dirty="0"/>
+              <a:t/>
+            </a:r>
+            <a:br>
+              <a:rPr lang="en-CA" dirty="0"/>
+            </a:br>
+            <a:r>
+              <a:rPr lang="en-CA" dirty="0" smtClean="0"/>
+              <a:t>equal about 130 distinct characters</a:t>
             </a:r>
           </a:p>
         </p:txBody>
@@ -3484,7 +4422,7 @@
     </p:spTree>
     <p:extLst>
       <p:ext uri="{BB962C8B-B14F-4D97-AF65-F5344CB8AC3E}">
-        <p14:creationId xmlns:p14="http://schemas.microsoft.com/office/powerpoint/2010/main" val="1349387667"/>
+        <p14:creationId xmlns:p14="http://schemas.microsoft.com/office/powerpoint/2010/main" val="4186434481"/>
       </p:ext>
     </p:extLst>
   </p:cSld>
@@ -3513,6 +4451,100 @@
       </p:grpSpPr>
       <p:sp>
         <p:nvSpPr>
+          <p:cNvPr id="4" name="Title 3"/>
+          <p:cNvSpPr>
+            <a:spLocks noGrp="1"/>
+          </p:cNvSpPr>
+          <p:nvPr>
+            <p:ph type="title"/>
+          </p:nvPr>
+        </p:nvSpPr>
+        <p:spPr/>
+        <p:txBody>
+          <a:bodyPr/>
+          <a:lstStyle/>
+          <a:p>
+            <a:r>
+              <a:rPr lang="en-CA" dirty="0" smtClean="0"/>
+              <a:t>ASCII Character Codes</a:t>
+            </a:r>
+            <a:endParaRPr lang="en-US" dirty="0"/>
+          </a:p>
+        </p:txBody>
+      </p:sp>
+      <p:pic>
+        <p:nvPicPr>
+          <p:cNvPr id="4098" name="Picture 2" descr="Image result for ascii table"/>
+          <p:cNvPicPr>
+            <a:picLocks noChangeAspect="1" noChangeArrowheads="1"/>
+          </p:cNvPicPr>
+          <p:nvPr/>
+        </p:nvPicPr>
+        <p:blipFill>
+          <a:blip r:embed="rId2">
+            <a:extLst>
+              <a:ext uri="{28A0092B-C50C-407E-A947-70E740481C1C}">
+                <a14:useLocalDpi xmlns:a14="http://schemas.microsoft.com/office/drawing/2010/main" val="0"/>
+              </a:ext>
+            </a:extLst>
+          </a:blip>
+          <a:srcRect/>
+          <a:stretch>
+            <a:fillRect/>
+          </a:stretch>
+        </p:blipFill>
+        <p:spPr bwMode="auto">
+          <a:xfrm>
+            <a:off x="958007" y="1690689"/>
+            <a:ext cx="5857979" cy="4887393"/>
+          </a:xfrm>
+          <a:prstGeom prst="rect">
+            <a:avLst/>
+          </a:prstGeom>
+          <a:noFill/>
+          <a:extLst>
+            <a:ext uri="{909E8E84-426E-40DD-AFC4-6F175D3DCCD1}">
+              <a14:hiddenFill xmlns:a14="http://schemas.microsoft.com/office/drawing/2010/main">
+                <a:solidFill>
+                  <a:srgbClr val="FFFFFF"/>
+                </a:solidFill>
+              </a14:hiddenFill>
+            </a:ext>
+          </a:extLst>
+        </p:spPr>
+      </p:pic>
+    </p:spTree>
+    <p:extLst>
+      <p:ext uri="{BB962C8B-B14F-4D97-AF65-F5344CB8AC3E}">
+        <p14:creationId xmlns:p14="http://schemas.microsoft.com/office/powerpoint/2010/main" val="1037228589"/>
+      </p:ext>
+    </p:extLst>
+  </p:cSld>
+  <p:clrMapOvr>
+    <a:masterClrMapping/>
+  </p:clrMapOvr>
+</p:sld>
+</file>
+
+<file path=ppt/slides/slide14.xml><?xml version="1.0" encoding="utf-8"?>
+<p:sld xmlns:a="http://schemas.openxmlformats.org/drawingml/2006/main" xmlns:r="http://schemas.openxmlformats.org/officeDocument/2006/relationships" xmlns:p="http://schemas.openxmlformats.org/presentationml/2006/main">
+  <p:cSld>
+    <p:spTree>
+      <p:nvGrpSpPr>
+        <p:cNvPr id="1" name=""/>
+        <p:cNvGrpSpPr/>
+        <p:nvPr/>
+      </p:nvGrpSpPr>
+      <p:grpSpPr>
+        <a:xfrm>
+          <a:off x="0" y="0"/>
+          <a:ext cx="0" cy="0"/>
+          <a:chOff x="0" y="0"/>
+          <a:chExt cx="0" cy="0"/>
+        </a:xfrm>
+      </p:grpSpPr>
+      <p:sp>
+        <p:nvSpPr>
           <p:cNvPr id="2" name="Title 1"/>
           <p:cNvSpPr>
             <a:spLocks noGrp="1"/>
@@ -3553,14 +4585,14 @@
           <a:p>
             <a:r>
               <a:rPr lang="en-CA" dirty="0" smtClean="0"/>
-              <a:t>Double Word</a:t>
+              <a:t>Word</a:t>
             </a:r>
           </a:p>
           <a:p>
             <a:pPr lvl="1"/>
             <a:r>
               <a:rPr lang="en-CA" dirty="0" smtClean="0"/>
-              <a:t>32 </a:t>
+              <a:t>16 </a:t>
             </a:r>
             <a:r>
               <a:rPr lang="en-CA" dirty="0"/>
@@ -3568,7 +4600,7 @@
             </a:r>
             <a:r>
               <a:rPr lang="en-CA" dirty="0" smtClean="0"/>
-              <a:t>digits  (4 bytes or 2 words)</a:t>
+              <a:t>digits  (2 bytes)</a:t>
             </a:r>
             <a:endParaRPr lang="en-CA" dirty="0"/>
           </a:p>
@@ -3580,6 +4612,291 @@
             </a:r>
             <a:r>
               <a:rPr lang="en-CA" dirty="0" smtClean="0"/>
+              <a:t>1111 1111 1111 </a:t>
+            </a:r>
+            <a:r>
+              <a:rPr lang="en-CA" dirty="0"/>
+              <a:t>1111  </a:t>
+            </a:r>
+            <a:r>
+              <a:rPr lang="en-CA" dirty="0" smtClean="0"/>
+              <a:t/>
+            </a:r>
+            <a:br>
+              <a:rPr lang="en-CA" dirty="0" smtClean="0"/>
+            </a:br>
+            <a:r>
+              <a:rPr lang="en-CA" dirty="0" smtClean="0"/>
+              <a:t>(2</a:t>
+            </a:r>
+            <a:r>
+              <a:rPr lang="en-CA" baseline="30000" dirty="0" smtClean="0"/>
+              <a:t>16</a:t>
+            </a:r>
+            <a:r>
+              <a:rPr lang="en-CA" dirty="0" smtClean="0"/>
+              <a:t> </a:t>
+            </a:r>
+            <a:r>
+              <a:rPr lang="en-CA" dirty="0"/>
+              <a:t>– 1 =  </a:t>
+            </a:r>
+            <a:r>
+              <a:rPr lang="en-CA" dirty="0" smtClean="0"/>
+              <a:t>65,535 Decimal)</a:t>
+            </a:r>
+            <a:br>
+              <a:rPr lang="en-CA" dirty="0" smtClean="0"/>
+            </a:br>
+            <a:endParaRPr lang="en-CA" dirty="0" smtClean="0"/>
+          </a:p>
+          <a:p>
+            <a:r>
+              <a:rPr lang="en-CA" dirty="0" smtClean="0"/>
+              <a:t>Integer data type (Short)</a:t>
+            </a:r>
+          </a:p>
+          <a:p>
+            <a:pPr lvl="1"/>
+            <a:r>
+              <a:rPr lang="en-CA" dirty="0" smtClean="0"/>
+              <a:t>Is 1 Word (16 bits)</a:t>
+            </a:r>
+          </a:p>
+          <a:p>
+            <a:pPr lvl="1"/>
+            <a:r>
+              <a:rPr lang="en-CA" dirty="0" smtClean="0"/>
+              <a:t>But must represent both Positive (+) and Negative (-)</a:t>
+            </a:r>
+          </a:p>
+          <a:p>
+            <a:pPr lvl="1"/>
+            <a:r>
+              <a:rPr lang="en-CA" dirty="0" smtClean="0"/>
+              <a:t>Range: +32767 to -32768</a:t>
+            </a:r>
+          </a:p>
+          <a:p>
+            <a:pPr lvl="1"/>
+            <a:r>
+              <a:rPr lang="en-CA" dirty="0" smtClean="0"/>
+              <a:t>Larger or smaller numbers require a different data type</a:t>
+            </a:r>
+          </a:p>
+        </p:txBody>
+      </p:sp>
+    </p:spTree>
+    <p:extLst>
+      <p:ext uri="{BB962C8B-B14F-4D97-AF65-F5344CB8AC3E}">
+        <p14:creationId xmlns:p14="http://schemas.microsoft.com/office/powerpoint/2010/main" val="1349387667"/>
+      </p:ext>
+    </p:extLst>
+  </p:cSld>
+  <p:clrMapOvr>
+    <a:masterClrMapping/>
+  </p:clrMapOvr>
+</p:sld>
+</file>
+
+<file path=ppt/slides/slide15.xml><?xml version="1.0" encoding="utf-8"?>
+<p:sld xmlns:a="http://schemas.openxmlformats.org/drawingml/2006/main" xmlns:r="http://schemas.openxmlformats.org/officeDocument/2006/relationships" xmlns:p="http://schemas.openxmlformats.org/presentationml/2006/main">
+  <p:cSld>
+    <p:spTree>
+      <p:nvGrpSpPr>
+        <p:cNvPr id="1" name=""/>
+        <p:cNvGrpSpPr/>
+        <p:nvPr/>
+      </p:nvGrpSpPr>
+      <p:grpSpPr>
+        <a:xfrm>
+          <a:off x="0" y="0"/>
+          <a:ext cx="0" cy="0"/>
+          <a:chOff x="0" y="0"/>
+          <a:chExt cx="0" cy="0"/>
+        </a:xfrm>
+      </p:grpSpPr>
+      <p:pic>
+        <p:nvPicPr>
+          <p:cNvPr id="3074" name="Picture 2" descr="Image result for integer data type"/>
+          <p:cNvPicPr>
+            <a:picLocks noChangeAspect="1" noChangeArrowheads="1"/>
+          </p:cNvPicPr>
+          <p:nvPr/>
+        </p:nvPicPr>
+        <p:blipFill>
+          <a:blip r:embed="rId2">
+            <a:extLst>
+              <a:ext uri="{28A0092B-C50C-407E-A947-70E740481C1C}">
+                <a14:useLocalDpi xmlns:a14="http://schemas.microsoft.com/office/drawing/2010/main" val="0"/>
+              </a:ext>
+            </a:extLst>
+          </a:blip>
+          <a:srcRect/>
+          <a:stretch>
+            <a:fillRect/>
+          </a:stretch>
+        </p:blipFill>
+        <p:spPr bwMode="auto">
+          <a:xfrm>
+            <a:off x="1363241" y="822941"/>
+            <a:ext cx="6243083" cy="2190846"/>
+          </a:xfrm>
+          <a:prstGeom prst="rect">
+            <a:avLst/>
+          </a:prstGeom>
+          <a:noFill/>
+          <a:extLst>
+            <a:ext uri="{909E8E84-426E-40DD-AFC4-6F175D3DCCD1}">
+              <a14:hiddenFill xmlns:a14="http://schemas.microsoft.com/office/drawing/2010/main">
+                <a:solidFill>
+                  <a:srgbClr val="FFFFFF"/>
+                </a:solidFill>
+              </a14:hiddenFill>
+            </a:ext>
+          </a:extLst>
+        </p:spPr>
+      </p:pic>
+      <p:pic>
+        <p:nvPicPr>
+          <p:cNvPr id="3078" name="Picture 6" descr="Image result for integer data memory"/>
+          <p:cNvPicPr>
+            <a:picLocks noChangeAspect="1" noChangeArrowheads="1"/>
+          </p:cNvPicPr>
+          <p:nvPr/>
+        </p:nvPicPr>
+        <p:blipFill>
+          <a:blip r:embed="rId3">
+            <a:extLst>
+              <a:ext uri="{28A0092B-C50C-407E-A947-70E740481C1C}">
+                <a14:useLocalDpi xmlns:a14="http://schemas.microsoft.com/office/drawing/2010/main" val="0"/>
+              </a:ext>
+            </a:extLst>
+          </a:blip>
+          <a:srcRect/>
+          <a:stretch>
+            <a:fillRect/>
+          </a:stretch>
+        </p:blipFill>
+        <p:spPr bwMode="auto">
+          <a:xfrm>
+            <a:off x="1744824" y="3278220"/>
+            <a:ext cx="5747657" cy="2659161"/>
+          </a:xfrm>
+          <a:prstGeom prst="rect">
+            <a:avLst/>
+          </a:prstGeom>
+          <a:noFill/>
+          <a:extLst>
+            <a:ext uri="{909E8E84-426E-40DD-AFC4-6F175D3DCCD1}">
+              <a14:hiddenFill xmlns:a14="http://schemas.microsoft.com/office/drawing/2010/main">
+                <a:solidFill>
+                  <a:srgbClr val="FFFFFF"/>
+                </a:solidFill>
+              </a14:hiddenFill>
+            </a:ext>
+          </a:extLst>
+        </p:spPr>
+      </p:pic>
+    </p:spTree>
+    <p:extLst>
+      <p:ext uri="{BB962C8B-B14F-4D97-AF65-F5344CB8AC3E}">
+        <p14:creationId xmlns:p14="http://schemas.microsoft.com/office/powerpoint/2010/main" val="2048217199"/>
+      </p:ext>
+    </p:extLst>
+  </p:cSld>
+  <p:clrMapOvr>
+    <a:masterClrMapping/>
+  </p:clrMapOvr>
+</p:sld>
+</file>
+
+<file path=ppt/slides/slide16.xml><?xml version="1.0" encoding="utf-8"?>
+<p:sld xmlns:a="http://schemas.openxmlformats.org/drawingml/2006/main" xmlns:r="http://schemas.openxmlformats.org/officeDocument/2006/relationships" xmlns:p="http://schemas.openxmlformats.org/presentationml/2006/main">
+  <p:cSld>
+    <p:spTree>
+      <p:nvGrpSpPr>
+        <p:cNvPr id="1" name=""/>
+        <p:cNvGrpSpPr/>
+        <p:nvPr/>
+      </p:nvGrpSpPr>
+      <p:grpSpPr>
+        <a:xfrm>
+          <a:off x="0" y="0"/>
+          <a:ext cx="0" cy="0"/>
+          <a:chOff x="0" y="0"/>
+          <a:chExt cx="0" cy="0"/>
+        </a:xfrm>
+      </p:grpSpPr>
+      <p:sp>
+        <p:nvSpPr>
+          <p:cNvPr id="2" name="Title 1"/>
+          <p:cNvSpPr>
+            <a:spLocks noGrp="1"/>
+          </p:cNvSpPr>
+          <p:nvPr>
+            <p:ph type="title"/>
+          </p:nvPr>
+        </p:nvSpPr>
+        <p:spPr/>
+        <p:txBody>
+          <a:bodyPr/>
+          <a:lstStyle/>
+          <a:p>
+            <a:r>
+              <a:rPr lang="en-CA" dirty="0" smtClean="0"/>
+              <a:t>Computer Memory Structures</a:t>
+            </a:r>
+            <a:endParaRPr lang="en-US" dirty="0"/>
+          </a:p>
+        </p:txBody>
+      </p:sp>
+      <p:sp>
+        <p:nvSpPr>
+          <p:cNvPr id="3" name="Content Placeholder 2"/>
+          <p:cNvSpPr>
+            <a:spLocks noGrp="1"/>
+          </p:cNvSpPr>
+          <p:nvPr>
+            <p:ph idx="1"/>
+          </p:nvPr>
+        </p:nvSpPr>
+        <p:spPr/>
+        <p:txBody>
+          <a:bodyPr>
+            <a:normAutofit/>
+          </a:bodyPr>
+          <a:lstStyle/>
+          <a:p>
+            <a:r>
+              <a:rPr lang="en-CA" dirty="0" smtClean="0"/>
+              <a:t>Double Word</a:t>
+            </a:r>
+          </a:p>
+          <a:p>
+            <a:pPr lvl="1"/>
+            <a:r>
+              <a:rPr lang="en-CA" dirty="0" smtClean="0"/>
+              <a:t>32 </a:t>
+            </a:r>
+            <a:r>
+              <a:rPr lang="en-CA" dirty="0"/>
+              <a:t>binary </a:t>
+            </a:r>
+            <a:r>
+              <a:rPr lang="en-CA" dirty="0" smtClean="0"/>
+              <a:t>digits  (4 bytes or 2 words)</a:t>
+            </a:r>
+            <a:endParaRPr lang="en-CA" dirty="0"/>
+          </a:p>
+          <a:p>
+            <a:pPr lvl="1"/>
+            <a:r>
+              <a:rPr lang="en-CA" dirty="0"/>
+              <a:t>Largest value: </a:t>
+            </a:r>
+            <a:r>
+              <a:rPr lang="en-CA" dirty="0" smtClean="0"/>
               <a:t>2</a:t>
             </a:r>
             <a:r>
@@ -3614,7 +4931,7 @@
           <a:p>
             <a:r>
               <a:rPr lang="en-CA" dirty="0" smtClean="0"/>
-              <a:t>Double data type</a:t>
+              <a:t>Integer data type (Long)</a:t>
             </a:r>
           </a:p>
           <a:p>
@@ -3663,7 +4980,7 @@
 </p:sld>
 </file>
 
-<file path=ppt/slides/slide14.xml><?xml version="1.0" encoding="utf-8"?>
+<file path=ppt/slides/slide17.xml><?xml version="1.0" encoding="utf-8"?>
 <p:sld xmlns:a="http://schemas.openxmlformats.org/drawingml/2006/main" xmlns:r="http://schemas.openxmlformats.org/officeDocument/2006/relationships" xmlns:p="http://schemas.openxmlformats.org/presentationml/2006/main">
   <p:cSld>
     <p:spTree>
@@ -3817,43 +5134,26 @@
       </p:sp>
       <p:pic>
         <p:nvPicPr>
-          <p:cNvPr id="2050" name="Picture 2" descr="Related image"/>
+          <p:cNvPr id="4" name="Picture 3"/>
           <p:cNvPicPr>
-            <a:picLocks noChangeAspect="1" noChangeArrowheads="1"/>
+            <a:picLocks noChangeAspect="1"/>
           </p:cNvPicPr>
           <p:nvPr/>
         </p:nvPicPr>
         <p:blipFill>
-          <a:blip r:embed="rId2">
-            <a:extLst>
-              <a:ext uri="{28A0092B-C50C-407E-A947-70E740481C1C}">
-                <a14:useLocalDpi xmlns:a14="http://schemas.microsoft.com/office/drawing/2010/main" val="0"/>
-              </a:ext>
-            </a:extLst>
-          </a:blip>
-          <a:srcRect/>
+          <a:blip r:embed="rId2"/>
           <a:stretch>
             <a:fillRect/>
           </a:stretch>
         </p:blipFill>
-        <p:spPr bwMode="auto">
+        <p:spPr>
           <a:xfrm>
-            <a:off x="468629" y="771208"/>
-            <a:ext cx="8375715" cy="5405755"/>
+            <a:off x="174470" y="699247"/>
+            <a:ext cx="9077106" cy="5311587"/>
           </a:xfrm>
           <a:prstGeom prst="rect">
             <a:avLst/>
           </a:prstGeom>
-          <a:noFill/>
-          <a:extLst>
-            <a:ext uri="{909E8E84-426E-40DD-AFC4-6F175D3DCCD1}">
-              <a14:hiddenFill xmlns:a14="http://schemas.microsoft.com/office/drawing/2010/main">
-                <a:solidFill>
-                  <a:srgbClr val="FFFFFF"/>
-                </a:solidFill>
-              </a14:hiddenFill>
-            </a:ext>
-          </a:extLst>
         </p:spPr>
       </p:pic>
     </p:spTree>
@@ -3980,11 +5280,7 @@
             </a:r>
             <a:r>
               <a:rPr lang="en-CA" dirty="0" smtClean="0"/>
-              <a:t>  (On or Off</a:t>
-            </a:r>
-            <a:r>
-              <a:rPr lang="en-CA" dirty="0" smtClean="0"/>
-              <a:t>)</a:t>
+              <a:t>  (On or Off)</a:t>
             </a:r>
           </a:p>
           <a:p>
@@ -4001,7 +5297,6 @@
               <a:rPr lang="en-CA" dirty="0" smtClean="0"/>
               <a:t>2</a:t>
             </a:r>
-            <a:endParaRPr lang="en-CA" dirty="0" smtClean="0"/>
           </a:p>
           <a:p>
             <a:pPr lvl="1"/>
@@ -4064,13 +5359,8 @@
             </a:r>
             <a:r>
               <a:rPr lang="en-CA" dirty="0" smtClean="0"/>
-              <a:t>0,1,2,3,4,5,6,7,8,9, A, B, C, D, E, F 	(</a:t>
-            </a:r>
-            <a:r>
-              <a:rPr lang="en-CA" dirty="0" smtClean="0"/>
-              <a:t>Uses extra letters) </a:t>
-            </a:r>
-            <a:endParaRPr lang="en-CA" dirty="0" smtClean="0"/>
+              <a:t>0,1,2,3,4,5,6,7,8,9, A, B, C, D, E, F 	(Uses extra letters) </a:t>
+            </a:r>
           </a:p>
           <a:p>
             <a:pPr lvl="1"/>
@@ -4249,7 +5539,7 @@
             <a:pPr lvl="1"/>
             <a:r>
               <a:rPr lang="en-CA" sz="1400" dirty="0" smtClean="0"/>
-              <a:t>9 + 1 = 10</a:t>
+              <a:t>99 + 1 = 100</a:t>
             </a:r>
           </a:p>
           <a:p>
@@ -4819,7 +6109,7 @@
           <a:p>
             <a:r>
               <a:rPr lang="en-CA" dirty="0" smtClean="0"/>
-              <a:t>Binary Conversions</a:t>
+              <a:t>Base 10</a:t>
             </a:r>
             <a:endParaRPr lang="en-US" dirty="0"/>
           </a:p>
@@ -4835,7 +6125,12 @@
             <p:ph idx="1"/>
           </p:nvPr>
         </p:nvSpPr>
-        <p:spPr/>
+        <p:spPr>
+          <a:xfrm>
+            <a:off x="4767942" y="1825625"/>
+            <a:ext cx="3747407" cy="4351338"/>
+          </a:xfrm>
+        </p:spPr>
         <p:txBody>
           <a:bodyPr/>
           <a:lstStyle/>
@@ -4845,99 +6140,529 @@
             </a:pPr>
             <a:r>
               <a:rPr lang="en-CA" dirty="0" smtClean="0"/>
-              <a:t>Convert the following binary numbers to decimal:</a:t>
-            </a:r>
-          </a:p>
-          <a:p>
-            <a:pPr marL="514350" indent="-514350">
-              <a:buFont typeface="+mj-lt"/>
-              <a:buAutoNum type="alphaLcParenR"/>
-            </a:pPr>
-            <a:r>
-              <a:rPr lang="en-CA" dirty="0" smtClean="0"/>
-              <a:t>11 binary = </a:t>
-            </a:r>
-          </a:p>
-          <a:p>
-            <a:pPr marL="514350" indent="-514350">
-              <a:buFont typeface="+mj-lt"/>
-              <a:buAutoNum type="alphaLcParenR"/>
-            </a:pPr>
-            <a:r>
-              <a:rPr lang="en-CA" dirty="0" smtClean="0"/>
-              <a:t>101 binary = </a:t>
-            </a:r>
-          </a:p>
-          <a:p>
-            <a:pPr marL="514350" indent="-514350">
-              <a:buFont typeface="+mj-lt"/>
-              <a:buAutoNum type="alphaLcParenR"/>
-            </a:pPr>
-            <a:r>
-              <a:rPr lang="en-CA" dirty="0" smtClean="0"/>
-              <a:t>1010 binary = </a:t>
-            </a:r>
-          </a:p>
-          <a:p>
-            <a:pPr marL="514350" indent="-514350">
-              <a:buFont typeface="+mj-lt"/>
-              <a:buAutoNum type="alphaLcParenR"/>
-            </a:pPr>
-            <a:endParaRPr lang="en-CA" dirty="0"/>
+              <a:t>Evaluate 111</a:t>
+            </a:r>
+          </a:p>
+          <a:p>
+            <a:endParaRPr lang="en-CA" sz="2000" dirty="0"/>
+          </a:p>
+          <a:p>
+            <a:r>
+              <a:rPr lang="en-CA" sz="2000" dirty="0" smtClean="0"/>
+              <a:t>In Decimal</a:t>
+            </a:r>
           </a:p>
           <a:p>
             <a:pPr marL="0" indent="0">
               <a:buNone/>
             </a:pPr>
-            <a:r>
-              <a:rPr lang="en-CA" dirty="0"/>
-              <a:t>Convert the following </a:t>
-            </a:r>
-            <a:r>
-              <a:rPr lang="en-CA" dirty="0" smtClean="0"/>
-              <a:t>decimal numbers </a:t>
-            </a:r>
-            <a:r>
-              <a:rPr lang="en-CA" dirty="0"/>
-              <a:t>to </a:t>
-            </a:r>
-            <a:r>
-              <a:rPr lang="en-CA" dirty="0" smtClean="0"/>
-              <a:t>binary:</a:t>
-            </a:r>
             <a:endParaRPr lang="en-CA" dirty="0"/>
           </a:p>
           <a:p>
-            <a:pPr marL="514350" indent="-514350">
-              <a:buFont typeface="+mj-lt"/>
-              <a:buAutoNum type="alphaLcParenR"/>
+            <a:pPr marL="0" indent="0">
+              <a:buNone/>
             </a:pPr>
             <a:r>
               <a:rPr lang="en-CA" dirty="0" smtClean="0"/>
-              <a:t>6 decimal </a:t>
-            </a:r>
-            <a:r>
-              <a:rPr lang="en-CA" dirty="0"/>
-              <a:t>= </a:t>
-            </a:r>
-          </a:p>
-          <a:p>
-            <a:pPr marL="514350" indent="-514350">
-              <a:buFont typeface="+mj-lt"/>
-              <a:buAutoNum type="alphaLcParenR"/>
-            </a:pPr>
-            <a:r>
-              <a:rPr lang="en-CA" dirty="0" smtClean="0"/>
-              <a:t>13 decimal =</a:t>
-            </a:r>
+              <a:t>		      </a:t>
+            </a:r>
+          </a:p>
+          <a:p>
             <a:endParaRPr lang="en-US" dirty="0"/>
           </a:p>
         </p:txBody>
       </p:sp>
+      <p:pic>
+        <p:nvPicPr>
+          <p:cNvPr id="1026" name="Picture 2" descr="Image result for powers of 10"/>
+          <p:cNvPicPr>
+            <a:picLocks noChangeAspect="1" noChangeArrowheads="1"/>
+          </p:cNvPicPr>
+          <p:nvPr/>
+        </p:nvPicPr>
+        <p:blipFill>
+          <a:blip r:embed="rId2">
+            <a:extLst>
+              <a:ext uri="{28A0092B-C50C-407E-A947-70E740481C1C}">
+                <a14:useLocalDpi xmlns:a14="http://schemas.microsoft.com/office/drawing/2010/main" val="0"/>
+              </a:ext>
+            </a:extLst>
+          </a:blip>
+          <a:srcRect/>
+          <a:stretch>
+            <a:fillRect/>
+          </a:stretch>
+        </p:blipFill>
+        <p:spPr bwMode="auto">
+          <a:xfrm>
+            <a:off x="556791" y="1690689"/>
+            <a:ext cx="3357820" cy="4352730"/>
+          </a:xfrm>
+          <a:prstGeom prst="rect">
+            <a:avLst/>
+          </a:prstGeom>
+          <a:noFill/>
+          <a:extLst>
+            <a:ext uri="{909E8E84-426E-40DD-AFC4-6F175D3DCCD1}">
+              <a14:hiddenFill xmlns:a14="http://schemas.microsoft.com/office/drawing/2010/main">
+                <a:solidFill>
+                  <a:srgbClr val="FFFFFF"/>
+                </a:solidFill>
+              </a14:hiddenFill>
+            </a:ext>
+          </a:extLst>
+        </p:spPr>
+      </p:pic>
+      <p:graphicFrame>
+        <p:nvGraphicFramePr>
+          <p:cNvPr id="6" name="Table 5"/>
+          <p:cNvGraphicFramePr>
+            <a:graphicFrameLocks noGrp="1"/>
+          </p:cNvGraphicFramePr>
+          <p:nvPr>
+            <p:extLst>
+              <p:ext uri="{D42A27DB-BD31-4B8C-83A1-F6EECF244321}">
+                <p14:modId xmlns:p14="http://schemas.microsoft.com/office/powerpoint/2010/main" val="1623927213"/>
+              </p:ext>
+            </p:extLst>
+          </p:nvPr>
+        </p:nvGraphicFramePr>
+        <p:xfrm>
+          <a:off x="5533050" y="3276590"/>
+          <a:ext cx="2771194" cy="1584960"/>
+        </p:xfrm>
+        <a:graphic>
+          <a:graphicData uri="http://schemas.openxmlformats.org/drawingml/2006/table">
+            <a:tbl>
+              <a:tblPr firstRow="1" bandRow="1">
+                <a:tableStyleId>{2D5ABB26-0587-4C30-8999-92F81FD0307C}</a:tableStyleId>
+              </a:tblPr>
+              <a:tblGrid>
+                <a:gridCol w="443239"/>
+                <a:gridCol w="775985"/>
+                <a:gridCol w="775985"/>
+                <a:gridCol w="775985"/>
+              </a:tblGrid>
+              <a:tr h="370840">
+                <a:tc>
+                  <a:txBody>
+                    <a:bodyPr/>
+                    <a:lstStyle/>
+                    <a:p>
+                      <a:pPr algn="r"/>
+                      <a:endParaRPr lang="en-US" sz="2000" dirty="0"/>
+                    </a:p>
+                  </a:txBody>
+                  <a:tcPr/>
+                </a:tc>
+                <a:tc>
+                  <a:txBody>
+                    <a:bodyPr/>
+                    <a:lstStyle/>
+                    <a:p>
+                      <a:pPr algn="r"/>
+                      <a:r>
+                        <a:rPr lang="en-CA" sz="2000" dirty="0" smtClean="0"/>
+                        <a:t>100</a:t>
+                      </a:r>
+                      <a:endParaRPr lang="en-US" sz="2000" dirty="0"/>
+                    </a:p>
+                  </a:txBody>
+                  <a:tcPr/>
+                </a:tc>
+                <a:tc>
+                  <a:txBody>
+                    <a:bodyPr/>
+                    <a:lstStyle/>
+                    <a:p>
+                      <a:pPr algn="r"/>
+                      <a:r>
+                        <a:rPr lang="en-CA" sz="2000" dirty="0" smtClean="0">
+                          <a:solidFill>
+                            <a:srgbClr val="0070C0"/>
+                          </a:solidFill>
+                        </a:rPr>
+                        <a:t>10</a:t>
+                      </a:r>
+                      <a:r>
+                        <a:rPr lang="en-CA" sz="2000" baseline="30000" dirty="0" smtClean="0">
+                          <a:solidFill>
+                            <a:srgbClr val="0070C0"/>
+                          </a:solidFill>
+                        </a:rPr>
+                        <a:t>2</a:t>
+                      </a:r>
+                      <a:endParaRPr lang="en-US" sz="2000" baseline="30000" dirty="0">
+                        <a:solidFill>
+                          <a:srgbClr val="0070C0"/>
+                        </a:solidFill>
+                      </a:endParaRPr>
+                    </a:p>
+                  </a:txBody>
+                  <a:tcPr/>
+                </a:tc>
+                <a:tc>
+                  <a:txBody>
+                    <a:bodyPr/>
+                    <a:lstStyle/>
+                    <a:p>
+                      <a:pPr algn="r"/>
+                      <a:r>
+                        <a:rPr lang="en-CA" sz="2000" dirty="0" smtClean="0">
+                          <a:solidFill>
+                            <a:srgbClr val="FF0000"/>
+                          </a:solidFill>
+                        </a:rPr>
+                        <a:t>100</a:t>
+                      </a:r>
+                      <a:endParaRPr lang="en-US" sz="2000" dirty="0">
+                        <a:solidFill>
+                          <a:srgbClr val="FF0000"/>
+                        </a:solidFill>
+                      </a:endParaRPr>
+                    </a:p>
+                  </a:txBody>
+                  <a:tcPr/>
+                </a:tc>
+              </a:tr>
+              <a:tr h="370840">
+                <a:tc>
+                  <a:txBody>
+                    <a:bodyPr/>
+                    <a:lstStyle/>
+                    <a:p>
+                      <a:pPr algn="r"/>
+                      <a:r>
+                        <a:rPr lang="en-CA" sz="2000" dirty="0" smtClean="0"/>
+                        <a:t>+</a:t>
+                      </a:r>
+                      <a:endParaRPr lang="en-US" sz="2000" dirty="0"/>
+                    </a:p>
+                  </a:txBody>
+                  <a:tcPr/>
+                </a:tc>
+                <a:tc>
+                  <a:txBody>
+                    <a:bodyPr/>
+                    <a:lstStyle/>
+                    <a:p>
+                      <a:pPr algn="r"/>
+                      <a:r>
+                        <a:rPr lang="en-CA" sz="2000" dirty="0" smtClean="0"/>
+                        <a:t>10</a:t>
+                      </a:r>
+                      <a:endParaRPr lang="en-US" sz="2000" dirty="0"/>
+                    </a:p>
+                  </a:txBody>
+                  <a:tcPr/>
+                </a:tc>
+                <a:tc>
+                  <a:txBody>
+                    <a:bodyPr/>
+                    <a:lstStyle/>
+                    <a:p>
+                      <a:pPr marL="0" marR="0" indent="0" algn="r" defTabSz="914400" rtl="0" eaLnBrk="1" fontAlgn="auto" latinLnBrk="0" hangingPunct="1">
+                        <a:lnSpc>
+                          <a:spcPct val="100000"/>
+                        </a:lnSpc>
+                        <a:spcBef>
+                          <a:spcPts val="0"/>
+                        </a:spcBef>
+                        <a:spcAft>
+                          <a:spcPts val="0"/>
+                        </a:spcAft>
+                        <a:buClrTx/>
+                        <a:buSzTx/>
+                        <a:buFontTx/>
+                        <a:buNone/>
+                        <a:tabLst/>
+                        <a:defRPr/>
+                      </a:pPr>
+                      <a:r>
+                        <a:rPr lang="en-CA" sz="2000" dirty="0" smtClean="0">
+                          <a:solidFill>
+                            <a:srgbClr val="0070C0"/>
+                          </a:solidFill>
+                        </a:rPr>
+                        <a:t>10</a:t>
+                      </a:r>
+                      <a:r>
+                        <a:rPr lang="en-CA" sz="2000" baseline="30000" dirty="0" smtClean="0">
+                          <a:solidFill>
+                            <a:srgbClr val="0070C0"/>
+                          </a:solidFill>
+                        </a:rPr>
+                        <a:t>1</a:t>
+                      </a:r>
+                      <a:endParaRPr lang="en-US" sz="2000" baseline="30000" dirty="0" smtClean="0">
+                        <a:solidFill>
+                          <a:srgbClr val="0070C0"/>
+                        </a:solidFill>
+                      </a:endParaRPr>
+                    </a:p>
+                  </a:txBody>
+                  <a:tcPr/>
+                </a:tc>
+                <a:tc>
+                  <a:txBody>
+                    <a:bodyPr/>
+                    <a:lstStyle/>
+                    <a:p>
+                      <a:pPr algn="r"/>
+                      <a:r>
+                        <a:rPr lang="en-CA" sz="2000" dirty="0" smtClean="0">
+                          <a:solidFill>
+                            <a:srgbClr val="FF0000"/>
+                          </a:solidFill>
+                        </a:rPr>
+                        <a:t>+ 10</a:t>
+                      </a:r>
+                      <a:endParaRPr lang="en-US" sz="2000" dirty="0">
+                        <a:solidFill>
+                          <a:srgbClr val="FF0000"/>
+                        </a:solidFill>
+                      </a:endParaRPr>
+                    </a:p>
+                  </a:txBody>
+                  <a:tcPr/>
+                </a:tc>
+              </a:tr>
+              <a:tr h="370840">
+                <a:tc>
+                  <a:txBody>
+                    <a:bodyPr/>
+                    <a:lstStyle/>
+                    <a:p>
+                      <a:pPr algn="r"/>
+                      <a:r>
+                        <a:rPr lang="en-CA" sz="2000" dirty="0" smtClean="0"/>
+                        <a:t>+</a:t>
+                      </a:r>
+                      <a:endParaRPr lang="en-US" sz="2000" dirty="0"/>
+                    </a:p>
+                  </a:txBody>
+                  <a:tcPr/>
+                </a:tc>
+                <a:tc>
+                  <a:txBody>
+                    <a:bodyPr/>
+                    <a:lstStyle/>
+                    <a:p>
+                      <a:pPr algn="r"/>
+                      <a:r>
+                        <a:rPr lang="en-CA" sz="2000" dirty="0" smtClean="0"/>
+                        <a:t>1</a:t>
+                      </a:r>
+                      <a:endParaRPr lang="en-US" sz="2000" dirty="0"/>
+                    </a:p>
+                  </a:txBody>
+                  <a:tcPr>
+                    <a:lnB w="12700" cap="flat" cmpd="sng" algn="ctr">
+                      <a:solidFill>
+                        <a:schemeClr val="tx1"/>
+                      </a:solidFill>
+                      <a:prstDash val="solid"/>
+                      <a:round/>
+                      <a:headEnd type="none" w="med" len="med"/>
+                      <a:tailEnd type="none" w="med" len="med"/>
+                    </a:lnB>
+                  </a:tcPr>
+                </a:tc>
+                <a:tc>
+                  <a:txBody>
+                    <a:bodyPr/>
+                    <a:lstStyle/>
+                    <a:p>
+                      <a:pPr marL="0" marR="0" indent="0" algn="r" defTabSz="914400" rtl="0" eaLnBrk="1" fontAlgn="auto" latinLnBrk="0" hangingPunct="1">
+                        <a:lnSpc>
+                          <a:spcPct val="100000"/>
+                        </a:lnSpc>
+                        <a:spcBef>
+                          <a:spcPts val="0"/>
+                        </a:spcBef>
+                        <a:spcAft>
+                          <a:spcPts val="0"/>
+                        </a:spcAft>
+                        <a:buClrTx/>
+                        <a:buSzTx/>
+                        <a:buFontTx/>
+                        <a:buNone/>
+                        <a:tabLst/>
+                        <a:defRPr/>
+                      </a:pPr>
+                      <a:r>
+                        <a:rPr lang="en-CA" sz="2000" dirty="0" smtClean="0">
+                          <a:solidFill>
+                            <a:srgbClr val="0070C0"/>
+                          </a:solidFill>
+                        </a:rPr>
+                        <a:t>10</a:t>
+                      </a:r>
+                      <a:r>
+                        <a:rPr lang="en-CA" sz="2000" baseline="30000" dirty="0" smtClean="0">
+                          <a:solidFill>
+                            <a:srgbClr val="0070C0"/>
+                          </a:solidFill>
+                        </a:rPr>
+                        <a:t>0</a:t>
+                      </a:r>
+                      <a:endParaRPr lang="en-US" sz="2000" baseline="30000" dirty="0" smtClean="0">
+                        <a:solidFill>
+                          <a:srgbClr val="0070C0"/>
+                        </a:solidFill>
+                      </a:endParaRPr>
+                    </a:p>
+                  </a:txBody>
+                  <a:tcPr>
+                    <a:lnB w="12700" cap="flat" cmpd="sng" algn="ctr">
+                      <a:solidFill>
+                        <a:schemeClr val="tx1"/>
+                      </a:solidFill>
+                      <a:prstDash val="solid"/>
+                      <a:round/>
+                      <a:headEnd type="none" w="med" len="med"/>
+                      <a:tailEnd type="none" w="med" len="med"/>
+                    </a:lnB>
+                  </a:tcPr>
+                </a:tc>
+                <a:tc>
+                  <a:txBody>
+                    <a:bodyPr/>
+                    <a:lstStyle/>
+                    <a:p>
+                      <a:pPr algn="r"/>
+                      <a:r>
+                        <a:rPr lang="en-CA" sz="2000" dirty="0" smtClean="0">
+                          <a:solidFill>
+                            <a:srgbClr val="FF0000"/>
+                          </a:solidFill>
+                        </a:rPr>
+                        <a:t>+   1</a:t>
+                      </a:r>
+                      <a:endParaRPr lang="en-US" sz="2000" dirty="0">
+                        <a:solidFill>
+                          <a:srgbClr val="FF0000"/>
+                        </a:solidFill>
+                      </a:endParaRPr>
+                    </a:p>
+                  </a:txBody>
+                  <a:tcPr>
+                    <a:lnB w="12700" cap="flat" cmpd="sng" algn="ctr">
+                      <a:solidFill>
+                        <a:schemeClr val="tx1"/>
+                      </a:solidFill>
+                      <a:prstDash val="solid"/>
+                      <a:round/>
+                      <a:headEnd type="none" w="med" len="med"/>
+                      <a:tailEnd type="none" w="med" len="med"/>
+                    </a:lnB>
+                  </a:tcPr>
+                </a:tc>
+              </a:tr>
+              <a:tr h="370840">
+                <a:tc>
+                  <a:txBody>
+                    <a:bodyPr/>
+                    <a:lstStyle/>
+                    <a:p>
+                      <a:pPr algn="r"/>
+                      <a:r>
+                        <a:rPr lang="en-CA" sz="2000" dirty="0" smtClean="0"/>
+                        <a:t>=</a:t>
+                      </a:r>
+                      <a:endParaRPr lang="en-US" sz="2000" dirty="0"/>
+                    </a:p>
+                  </a:txBody>
+                  <a:tcPr/>
+                </a:tc>
+                <a:tc>
+                  <a:txBody>
+                    <a:bodyPr/>
+                    <a:lstStyle/>
+                    <a:p>
+                      <a:pPr algn="r"/>
+                      <a:r>
+                        <a:rPr lang="en-CA" sz="2000" dirty="0" smtClean="0"/>
+                        <a:t>111</a:t>
+                      </a:r>
+                      <a:endParaRPr lang="en-US" sz="2000" dirty="0"/>
+                    </a:p>
+                  </a:txBody>
+                  <a:tcPr>
+                    <a:lnT w="12700" cap="flat" cmpd="sng" algn="ctr">
+                      <a:solidFill>
+                        <a:schemeClr val="tx1"/>
+                      </a:solidFill>
+                      <a:prstDash val="solid"/>
+                      <a:round/>
+                      <a:headEnd type="none" w="med" len="med"/>
+                      <a:tailEnd type="none" w="med" len="med"/>
+                    </a:lnT>
+                  </a:tcPr>
+                </a:tc>
+                <a:tc>
+                  <a:txBody>
+                    <a:bodyPr/>
+                    <a:lstStyle/>
+                    <a:p>
+                      <a:pPr algn="r"/>
+                      <a:endParaRPr lang="en-US" sz="2000" dirty="0"/>
+                    </a:p>
+                  </a:txBody>
+                  <a:tcPr>
+                    <a:lnT w="12700" cap="flat" cmpd="sng" algn="ctr">
+                      <a:solidFill>
+                        <a:schemeClr val="tx1"/>
+                      </a:solidFill>
+                      <a:prstDash val="solid"/>
+                      <a:round/>
+                      <a:headEnd type="none" w="med" len="med"/>
+                      <a:tailEnd type="none" w="med" len="med"/>
+                    </a:lnT>
+                  </a:tcPr>
+                </a:tc>
+                <a:tc>
+                  <a:txBody>
+                    <a:bodyPr/>
+                    <a:lstStyle/>
+                    <a:p>
+                      <a:pPr algn="r"/>
+                      <a:r>
+                        <a:rPr lang="en-CA" sz="2000" dirty="0" smtClean="0">
+                          <a:solidFill>
+                            <a:srgbClr val="FF0000"/>
+                          </a:solidFill>
+                        </a:rPr>
+                        <a:t>= 111</a:t>
+                      </a:r>
+                      <a:endParaRPr lang="en-US" sz="2000" dirty="0">
+                        <a:solidFill>
+                          <a:srgbClr val="FF0000"/>
+                        </a:solidFill>
+                      </a:endParaRPr>
+                    </a:p>
+                  </a:txBody>
+                  <a:tcPr>
+                    <a:lnT w="12700" cap="flat" cmpd="sng" algn="ctr">
+                      <a:solidFill>
+                        <a:schemeClr val="tx1"/>
+                      </a:solidFill>
+                      <a:prstDash val="solid"/>
+                      <a:round/>
+                      <a:headEnd type="none" w="med" len="med"/>
+                      <a:tailEnd type="none" w="med" len="med"/>
+                    </a:lnT>
+                  </a:tcPr>
+                </a:tc>
+              </a:tr>
+            </a:tbl>
+          </a:graphicData>
+        </a:graphic>
+      </p:graphicFrame>
     </p:spTree>
     <p:extLst>
       <p:ext uri="{BB962C8B-B14F-4D97-AF65-F5344CB8AC3E}">
-        <p14:creationId xmlns:p14="http://schemas.microsoft.com/office/powerpoint/2010/main" val="3791561675"/>
+        <p14:creationId xmlns:p14="http://schemas.microsoft.com/office/powerpoint/2010/main" val="219290755"/>
       </p:ext>
     </p:extLst>
   </p:cSld>
@@ -4981,7 +6706,7 @@
           <a:p>
             <a:r>
               <a:rPr lang="en-CA" dirty="0" smtClean="0"/>
-              <a:t>Binary Conversions</a:t>
+              <a:t>Base 2</a:t>
             </a:r>
             <a:endParaRPr lang="en-US" dirty="0"/>
           </a:p>
@@ -4997,7 +6722,12 @@
             <p:ph idx="1"/>
           </p:nvPr>
         </p:nvSpPr>
-        <p:spPr/>
+        <p:spPr>
+          <a:xfrm>
+            <a:off x="4767942" y="1825625"/>
+            <a:ext cx="3747407" cy="4351338"/>
+          </a:xfrm>
+        </p:spPr>
         <p:txBody>
           <a:bodyPr/>
           <a:lstStyle/>
@@ -5007,174 +6737,529 @@
             </a:pPr>
             <a:r>
               <a:rPr lang="en-CA" dirty="0" smtClean="0"/>
-              <a:t>Convert the following binary numbers to decimal:</a:t>
-            </a:r>
-          </a:p>
-          <a:p>
-            <a:pPr marL="514350" indent="-514350">
-              <a:buFont typeface="+mj-lt"/>
-              <a:buAutoNum type="alphaLcParenR"/>
-            </a:pPr>
-            <a:r>
-              <a:rPr lang="en-CA" dirty="0" smtClean="0"/>
-              <a:t>11 binary = </a:t>
-            </a:r>
-            <a:r>
-              <a:rPr lang="en-CA" dirty="0" smtClean="0">
-                <a:solidFill>
-                  <a:srgbClr val="FF0000"/>
-                </a:solidFill>
-              </a:rPr>
-              <a:t>3 decimal</a:t>
-            </a:r>
-          </a:p>
-          <a:p>
-            <a:pPr marL="514350" indent="-514350">
-              <a:buFont typeface="+mj-lt"/>
-              <a:buAutoNum type="alphaLcParenR"/>
-            </a:pPr>
-            <a:r>
-              <a:rPr lang="en-CA" dirty="0" smtClean="0"/>
-              <a:t>101 binary = </a:t>
-            </a:r>
-            <a:r>
-              <a:rPr lang="en-CA" dirty="0" smtClean="0">
-                <a:solidFill>
-                  <a:srgbClr val="FF0000"/>
-                </a:solidFill>
-              </a:rPr>
-              <a:t>5 </a:t>
-            </a:r>
-            <a:r>
-              <a:rPr lang="en-CA" dirty="0">
-                <a:solidFill>
-                  <a:srgbClr val="FF0000"/>
-                </a:solidFill>
-              </a:rPr>
-              <a:t>decimal</a:t>
-            </a:r>
-            <a:endParaRPr lang="en-CA" dirty="0" smtClean="0"/>
-          </a:p>
-          <a:p>
-            <a:pPr marL="514350" indent="-514350">
-              <a:buFont typeface="+mj-lt"/>
-              <a:buAutoNum type="alphaLcParenR"/>
-            </a:pPr>
-            <a:r>
-              <a:rPr lang="en-CA" dirty="0" smtClean="0"/>
-              <a:t>1010 binary = </a:t>
-            </a:r>
-            <a:r>
-              <a:rPr lang="en-CA" dirty="0" smtClean="0">
-                <a:solidFill>
-                  <a:srgbClr val="FF0000"/>
-                </a:solidFill>
-              </a:rPr>
-              <a:t>10 </a:t>
-            </a:r>
-            <a:r>
-              <a:rPr lang="en-CA" dirty="0">
-                <a:solidFill>
-                  <a:srgbClr val="FF0000"/>
-                </a:solidFill>
-              </a:rPr>
-              <a:t>decimal</a:t>
-            </a:r>
-            <a:endParaRPr lang="en-CA" dirty="0" smtClean="0"/>
-          </a:p>
-          <a:p>
-            <a:pPr marL="514350" indent="-514350">
-              <a:buFont typeface="+mj-lt"/>
-              <a:buAutoNum type="alphaLcParenR"/>
-            </a:pPr>
-            <a:endParaRPr lang="en-CA" dirty="0"/>
+              <a:t>Evaluate 111</a:t>
+            </a:r>
+          </a:p>
+          <a:p>
+            <a:endParaRPr lang="en-CA" sz="2000" dirty="0"/>
+          </a:p>
+          <a:p>
+            <a:r>
+              <a:rPr lang="en-CA" sz="2000" dirty="0" smtClean="0"/>
+              <a:t>In Binary</a:t>
+            </a:r>
           </a:p>
           <a:p>
             <a:pPr marL="0" indent="0">
               <a:buNone/>
             </a:pPr>
-            <a:r>
-              <a:rPr lang="en-CA" dirty="0"/>
-              <a:t>Convert the following </a:t>
-            </a:r>
-            <a:r>
-              <a:rPr lang="en-CA" dirty="0" smtClean="0"/>
-              <a:t>decimal numbers </a:t>
-            </a:r>
-            <a:r>
-              <a:rPr lang="en-CA" dirty="0"/>
-              <a:t>to </a:t>
-            </a:r>
-            <a:r>
-              <a:rPr lang="en-CA" dirty="0" smtClean="0"/>
-              <a:t>binary:</a:t>
-            </a:r>
             <a:endParaRPr lang="en-CA" dirty="0"/>
           </a:p>
           <a:p>
-            <a:pPr marL="514350" indent="-514350">
-              <a:buFont typeface="+mj-lt"/>
-              <a:buAutoNum type="alphaLcParenR"/>
+            <a:pPr marL="0" indent="0">
+              <a:buNone/>
             </a:pPr>
             <a:r>
               <a:rPr lang="en-CA" dirty="0" smtClean="0"/>
-              <a:t>6 decimal </a:t>
-            </a:r>
-            <a:r>
-              <a:rPr lang="en-CA" dirty="0"/>
-              <a:t>= </a:t>
-            </a:r>
-            <a:r>
-              <a:rPr lang="en-CA" dirty="0" smtClean="0">
+              <a:t>		      </a:t>
+            </a:r>
+          </a:p>
+          <a:p>
+            <a:endParaRPr lang="en-US" dirty="0"/>
+          </a:p>
+        </p:txBody>
+      </p:sp>
+      <p:graphicFrame>
+        <p:nvGraphicFramePr>
+          <p:cNvPr id="4" name="Table 3"/>
+          <p:cNvGraphicFramePr>
+            <a:graphicFrameLocks noGrp="1"/>
+          </p:cNvGraphicFramePr>
+          <p:nvPr>
+            <p:extLst>
+              <p:ext uri="{D42A27DB-BD31-4B8C-83A1-F6EECF244321}">
+                <p14:modId xmlns:p14="http://schemas.microsoft.com/office/powerpoint/2010/main" val="1217839743"/>
+              </p:ext>
+            </p:extLst>
+          </p:nvPr>
+        </p:nvGraphicFramePr>
+        <p:xfrm>
+          <a:off x="5533052" y="3276590"/>
+          <a:ext cx="2621904" cy="1584960"/>
+        </p:xfrm>
+        <a:graphic>
+          <a:graphicData uri="http://schemas.openxmlformats.org/drawingml/2006/table">
+            <a:tbl>
+              <a:tblPr firstRow="1" bandRow="1">
+                <a:tableStyleId>{2D5ABB26-0587-4C30-8999-92F81FD0307C}</a:tableStyleId>
+              </a:tblPr>
+              <a:tblGrid>
+                <a:gridCol w="419361"/>
+                <a:gridCol w="734181"/>
+                <a:gridCol w="734181"/>
+                <a:gridCol w="734181"/>
+              </a:tblGrid>
+              <a:tr h="370840">
+                <a:tc>
+                  <a:txBody>
+                    <a:bodyPr/>
+                    <a:lstStyle/>
+                    <a:p>
+                      <a:pPr algn="r"/>
+                      <a:endParaRPr lang="en-US" sz="2000" dirty="0"/>
+                    </a:p>
+                  </a:txBody>
+                  <a:tcPr/>
+                </a:tc>
+                <a:tc>
+                  <a:txBody>
+                    <a:bodyPr/>
+                    <a:lstStyle/>
+                    <a:p>
+                      <a:pPr algn="r"/>
+                      <a:r>
+                        <a:rPr lang="en-CA" sz="2000" dirty="0" smtClean="0"/>
+                        <a:t>100</a:t>
+                      </a:r>
+                      <a:endParaRPr lang="en-US" sz="2000" dirty="0"/>
+                    </a:p>
+                  </a:txBody>
+                  <a:tcPr/>
+                </a:tc>
+                <a:tc>
+                  <a:txBody>
+                    <a:bodyPr/>
+                    <a:lstStyle/>
+                    <a:p>
+                      <a:pPr algn="r"/>
+                      <a:r>
+                        <a:rPr lang="en-CA" sz="2000" dirty="0" smtClean="0">
+                          <a:solidFill>
+                            <a:srgbClr val="0070C0"/>
+                          </a:solidFill>
+                        </a:rPr>
+                        <a:t>2</a:t>
+                      </a:r>
+                      <a:r>
+                        <a:rPr lang="en-CA" sz="2000" baseline="30000" dirty="0" smtClean="0">
+                          <a:solidFill>
+                            <a:srgbClr val="0070C0"/>
+                          </a:solidFill>
+                        </a:rPr>
+                        <a:t>2</a:t>
+                      </a:r>
+                      <a:endParaRPr lang="en-US" sz="2000" baseline="30000" dirty="0">
+                        <a:solidFill>
+                          <a:srgbClr val="0070C0"/>
+                        </a:solidFill>
+                      </a:endParaRPr>
+                    </a:p>
+                  </a:txBody>
+                  <a:tcPr/>
+                </a:tc>
+                <a:tc>
+                  <a:txBody>
+                    <a:bodyPr/>
+                    <a:lstStyle/>
+                    <a:p>
+                      <a:pPr algn="r"/>
+                      <a:r>
+                        <a:rPr lang="en-CA" sz="2000" dirty="0" smtClean="0">
+                          <a:solidFill>
+                            <a:srgbClr val="FF0000"/>
+                          </a:solidFill>
+                        </a:rPr>
+                        <a:t>4</a:t>
+                      </a:r>
+                      <a:endParaRPr lang="en-US" sz="2000" dirty="0">
+                        <a:solidFill>
+                          <a:srgbClr val="FF0000"/>
+                        </a:solidFill>
+                      </a:endParaRPr>
+                    </a:p>
+                  </a:txBody>
+                  <a:tcPr/>
+                </a:tc>
+              </a:tr>
+              <a:tr h="370840">
+                <a:tc>
+                  <a:txBody>
+                    <a:bodyPr/>
+                    <a:lstStyle/>
+                    <a:p>
+                      <a:pPr algn="r"/>
+                      <a:r>
+                        <a:rPr lang="en-CA" sz="2000" dirty="0" smtClean="0"/>
+                        <a:t>+</a:t>
+                      </a:r>
+                      <a:endParaRPr lang="en-US" sz="2000" dirty="0"/>
+                    </a:p>
+                  </a:txBody>
+                  <a:tcPr/>
+                </a:tc>
+                <a:tc>
+                  <a:txBody>
+                    <a:bodyPr/>
+                    <a:lstStyle/>
+                    <a:p>
+                      <a:pPr algn="r"/>
+                      <a:r>
+                        <a:rPr lang="en-CA" sz="2000" dirty="0" smtClean="0"/>
+                        <a:t>10</a:t>
+                      </a:r>
+                      <a:endParaRPr lang="en-US" sz="2000" dirty="0"/>
+                    </a:p>
+                  </a:txBody>
+                  <a:tcPr/>
+                </a:tc>
+                <a:tc>
+                  <a:txBody>
+                    <a:bodyPr/>
+                    <a:lstStyle/>
+                    <a:p>
+                      <a:pPr marL="0" marR="0" indent="0" algn="r" defTabSz="914400" rtl="0" eaLnBrk="1" fontAlgn="auto" latinLnBrk="0" hangingPunct="1">
+                        <a:lnSpc>
+                          <a:spcPct val="100000"/>
+                        </a:lnSpc>
+                        <a:spcBef>
+                          <a:spcPts val="0"/>
+                        </a:spcBef>
+                        <a:spcAft>
+                          <a:spcPts val="0"/>
+                        </a:spcAft>
+                        <a:buClrTx/>
+                        <a:buSzTx/>
+                        <a:buFontTx/>
+                        <a:buNone/>
+                        <a:tabLst/>
+                        <a:defRPr/>
+                      </a:pPr>
+                      <a:r>
+                        <a:rPr lang="en-CA" sz="2000" dirty="0" smtClean="0">
+                          <a:solidFill>
+                            <a:srgbClr val="0070C0"/>
+                          </a:solidFill>
+                        </a:rPr>
+                        <a:t>2</a:t>
+                      </a:r>
+                      <a:r>
+                        <a:rPr lang="en-CA" sz="2000" baseline="30000" dirty="0" smtClean="0">
+                          <a:solidFill>
+                            <a:srgbClr val="0070C0"/>
+                          </a:solidFill>
+                        </a:rPr>
+                        <a:t>1</a:t>
+                      </a:r>
+                      <a:endParaRPr lang="en-US" sz="2000" baseline="30000" dirty="0" smtClean="0">
+                        <a:solidFill>
+                          <a:srgbClr val="0070C0"/>
+                        </a:solidFill>
+                      </a:endParaRPr>
+                    </a:p>
+                  </a:txBody>
+                  <a:tcPr/>
+                </a:tc>
+                <a:tc>
+                  <a:txBody>
+                    <a:bodyPr/>
+                    <a:lstStyle/>
+                    <a:p>
+                      <a:pPr algn="r"/>
+                      <a:r>
+                        <a:rPr lang="en-CA" sz="2000" dirty="0" smtClean="0">
+                          <a:solidFill>
+                            <a:srgbClr val="FF0000"/>
+                          </a:solidFill>
+                        </a:rPr>
+                        <a:t>+ 2</a:t>
+                      </a:r>
+                      <a:endParaRPr lang="en-US" sz="2000" dirty="0">
+                        <a:solidFill>
+                          <a:srgbClr val="FF0000"/>
+                        </a:solidFill>
+                      </a:endParaRPr>
+                    </a:p>
+                  </a:txBody>
+                  <a:tcPr/>
+                </a:tc>
+              </a:tr>
+              <a:tr h="370840">
+                <a:tc>
+                  <a:txBody>
+                    <a:bodyPr/>
+                    <a:lstStyle/>
+                    <a:p>
+                      <a:pPr algn="r"/>
+                      <a:r>
+                        <a:rPr lang="en-CA" sz="2000" dirty="0" smtClean="0"/>
+                        <a:t>+</a:t>
+                      </a:r>
+                      <a:endParaRPr lang="en-US" sz="2000" dirty="0"/>
+                    </a:p>
+                  </a:txBody>
+                  <a:tcPr/>
+                </a:tc>
+                <a:tc>
+                  <a:txBody>
+                    <a:bodyPr/>
+                    <a:lstStyle/>
+                    <a:p>
+                      <a:pPr algn="r"/>
+                      <a:r>
+                        <a:rPr lang="en-CA" sz="2000" dirty="0" smtClean="0"/>
+                        <a:t>1</a:t>
+                      </a:r>
+                      <a:endParaRPr lang="en-US" sz="2000" dirty="0"/>
+                    </a:p>
+                  </a:txBody>
+                  <a:tcPr>
+                    <a:lnB w="12700" cap="flat" cmpd="sng" algn="ctr">
+                      <a:solidFill>
+                        <a:schemeClr val="tx1"/>
+                      </a:solidFill>
+                      <a:prstDash val="solid"/>
+                      <a:round/>
+                      <a:headEnd type="none" w="med" len="med"/>
+                      <a:tailEnd type="none" w="med" len="med"/>
+                    </a:lnB>
+                  </a:tcPr>
+                </a:tc>
+                <a:tc>
+                  <a:txBody>
+                    <a:bodyPr/>
+                    <a:lstStyle/>
+                    <a:p>
+                      <a:pPr marL="0" marR="0" indent="0" algn="r" defTabSz="914400" rtl="0" eaLnBrk="1" fontAlgn="auto" latinLnBrk="0" hangingPunct="1">
+                        <a:lnSpc>
+                          <a:spcPct val="100000"/>
+                        </a:lnSpc>
+                        <a:spcBef>
+                          <a:spcPts val="0"/>
+                        </a:spcBef>
+                        <a:spcAft>
+                          <a:spcPts val="0"/>
+                        </a:spcAft>
+                        <a:buClrTx/>
+                        <a:buSzTx/>
+                        <a:buFontTx/>
+                        <a:buNone/>
+                        <a:tabLst/>
+                        <a:defRPr/>
+                      </a:pPr>
+                      <a:r>
+                        <a:rPr lang="en-CA" sz="2000" dirty="0" smtClean="0">
+                          <a:solidFill>
+                            <a:srgbClr val="0070C0"/>
+                          </a:solidFill>
+                        </a:rPr>
+                        <a:t>2</a:t>
+                      </a:r>
+                      <a:r>
+                        <a:rPr lang="en-CA" sz="2000" baseline="30000" dirty="0" smtClean="0">
+                          <a:solidFill>
+                            <a:srgbClr val="0070C0"/>
+                          </a:solidFill>
+                        </a:rPr>
+                        <a:t>0</a:t>
+                      </a:r>
+                      <a:endParaRPr lang="en-US" sz="2000" baseline="30000" dirty="0" smtClean="0">
+                        <a:solidFill>
+                          <a:srgbClr val="0070C0"/>
+                        </a:solidFill>
+                      </a:endParaRPr>
+                    </a:p>
+                  </a:txBody>
+                  <a:tcPr>
+                    <a:lnB w="12700" cap="flat" cmpd="sng" algn="ctr">
+                      <a:solidFill>
+                        <a:schemeClr val="tx1"/>
+                      </a:solidFill>
+                      <a:prstDash val="solid"/>
+                      <a:round/>
+                      <a:headEnd type="none" w="med" len="med"/>
+                      <a:tailEnd type="none" w="med" len="med"/>
+                    </a:lnB>
+                  </a:tcPr>
+                </a:tc>
+                <a:tc>
+                  <a:txBody>
+                    <a:bodyPr/>
+                    <a:lstStyle/>
+                    <a:p>
+                      <a:pPr algn="r"/>
+                      <a:r>
+                        <a:rPr lang="en-CA" sz="2000" dirty="0" smtClean="0">
+                          <a:solidFill>
+                            <a:srgbClr val="FF0000"/>
+                          </a:solidFill>
+                        </a:rPr>
+                        <a:t>+ 1</a:t>
+                      </a:r>
+                      <a:endParaRPr lang="en-US" sz="2000" dirty="0">
+                        <a:solidFill>
+                          <a:srgbClr val="FF0000"/>
+                        </a:solidFill>
+                      </a:endParaRPr>
+                    </a:p>
+                  </a:txBody>
+                  <a:tcPr>
+                    <a:lnB w="12700" cap="flat" cmpd="sng" algn="ctr">
+                      <a:solidFill>
+                        <a:schemeClr val="tx1"/>
+                      </a:solidFill>
+                      <a:prstDash val="solid"/>
+                      <a:round/>
+                      <a:headEnd type="none" w="med" len="med"/>
+                      <a:tailEnd type="none" w="med" len="med"/>
+                    </a:lnB>
+                  </a:tcPr>
+                </a:tc>
+              </a:tr>
+              <a:tr h="370840">
+                <a:tc>
+                  <a:txBody>
+                    <a:bodyPr/>
+                    <a:lstStyle/>
+                    <a:p>
+                      <a:pPr algn="r"/>
+                      <a:r>
+                        <a:rPr lang="en-CA" sz="2000" dirty="0" smtClean="0"/>
+                        <a:t>=</a:t>
+                      </a:r>
+                      <a:endParaRPr lang="en-US" sz="2000" dirty="0"/>
+                    </a:p>
+                  </a:txBody>
+                  <a:tcPr/>
+                </a:tc>
+                <a:tc>
+                  <a:txBody>
+                    <a:bodyPr/>
+                    <a:lstStyle/>
+                    <a:p>
+                      <a:pPr algn="r"/>
+                      <a:r>
+                        <a:rPr lang="en-CA" sz="2000" dirty="0" smtClean="0"/>
+                        <a:t>111</a:t>
+                      </a:r>
+                      <a:endParaRPr lang="en-US" sz="2000" dirty="0"/>
+                    </a:p>
+                  </a:txBody>
+                  <a:tcPr>
+                    <a:lnT w="12700" cap="flat" cmpd="sng" algn="ctr">
+                      <a:solidFill>
+                        <a:schemeClr val="tx1"/>
+                      </a:solidFill>
+                      <a:prstDash val="solid"/>
+                      <a:round/>
+                      <a:headEnd type="none" w="med" len="med"/>
+                      <a:tailEnd type="none" w="med" len="med"/>
+                    </a:lnT>
+                  </a:tcPr>
+                </a:tc>
+                <a:tc>
+                  <a:txBody>
+                    <a:bodyPr/>
+                    <a:lstStyle/>
+                    <a:p>
+                      <a:pPr algn="r"/>
+                      <a:endParaRPr lang="en-US" sz="2000" dirty="0"/>
+                    </a:p>
+                  </a:txBody>
+                  <a:tcPr>
+                    <a:lnT w="12700" cap="flat" cmpd="sng" algn="ctr">
+                      <a:solidFill>
+                        <a:schemeClr val="tx1"/>
+                      </a:solidFill>
+                      <a:prstDash val="solid"/>
+                      <a:round/>
+                      <a:headEnd type="none" w="med" len="med"/>
+                      <a:tailEnd type="none" w="med" len="med"/>
+                    </a:lnT>
+                  </a:tcPr>
+                </a:tc>
+                <a:tc>
+                  <a:txBody>
+                    <a:bodyPr/>
+                    <a:lstStyle/>
+                    <a:p>
+                      <a:pPr algn="r"/>
+                      <a:r>
+                        <a:rPr lang="en-CA" sz="2000" dirty="0" smtClean="0">
+                          <a:solidFill>
+                            <a:srgbClr val="FF0000"/>
+                          </a:solidFill>
+                        </a:rPr>
+                        <a:t>= 7</a:t>
+                      </a:r>
+                      <a:endParaRPr lang="en-US" sz="2000" dirty="0">
+                        <a:solidFill>
+                          <a:srgbClr val="FF0000"/>
+                        </a:solidFill>
+                      </a:endParaRPr>
+                    </a:p>
+                  </a:txBody>
+                  <a:tcPr>
+                    <a:lnT w="12700" cap="flat" cmpd="sng" algn="ctr">
+                      <a:solidFill>
+                        <a:schemeClr val="tx1"/>
+                      </a:solidFill>
+                      <a:prstDash val="solid"/>
+                      <a:round/>
+                      <a:headEnd type="none" w="med" len="med"/>
+                      <a:tailEnd type="none" w="med" len="med"/>
+                    </a:lnT>
+                  </a:tcPr>
+                </a:tc>
+              </a:tr>
+            </a:tbl>
+          </a:graphicData>
+        </a:graphic>
+      </p:graphicFrame>
+      <p:pic>
+        <p:nvPicPr>
+          <p:cNvPr id="2050" name="Picture 2" descr="Image result for powers of 2"/>
+          <p:cNvPicPr>
+            <a:picLocks noChangeAspect="1" noChangeArrowheads="1"/>
+          </p:cNvPicPr>
+          <p:nvPr/>
+        </p:nvPicPr>
+        <p:blipFill>
+          <a:blip r:embed="rId2">
+            <a:extLst>
+              <a:ext uri="{28A0092B-C50C-407E-A947-70E740481C1C}">
+                <a14:useLocalDpi xmlns:a14="http://schemas.microsoft.com/office/drawing/2010/main" val="0"/>
+              </a:ext>
+            </a:extLst>
+          </a:blip>
+          <a:srcRect/>
+          <a:stretch>
+            <a:fillRect/>
+          </a:stretch>
+        </p:blipFill>
+        <p:spPr bwMode="auto">
+          <a:xfrm>
+            <a:off x="447869" y="1841111"/>
+            <a:ext cx="3974842" cy="3620277"/>
+          </a:xfrm>
+          <a:prstGeom prst="rect">
+            <a:avLst/>
+          </a:prstGeom>
+          <a:noFill/>
+          <a:extLst>
+            <a:ext uri="{909E8E84-426E-40DD-AFC4-6F175D3DCCD1}">
+              <a14:hiddenFill xmlns:a14="http://schemas.microsoft.com/office/drawing/2010/main">
                 <a:solidFill>
-                  <a:srgbClr val="FF0000"/>
+                  <a:srgbClr val="FFFFFF"/>
                 </a:solidFill>
-              </a:rPr>
-              <a:t>110 binary</a:t>
-            </a:r>
-            <a:endParaRPr lang="en-CA" dirty="0"/>
-          </a:p>
-          <a:p>
-            <a:pPr marL="514350" indent="-514350">
-              <a:buFont typeface="+mj-lt"/>
-              <a:buAutoNum type="alphaLcParenR"/>
-            </a:pPr>
-            <a:r>
-              <a:rPr lang="en-CA" dirty="0" smtClean="0"/>
-              <a:t>13 decimal =</a:t>
-            </a:r>
-            <a:r>
-              <a:rPr lang="en-CA" dirty="0">
-                <a:solidFill>
-                  <a:srgbClr val="FF0000"/>
-                </a:solidFill>
-              </a:rPr>
-              <a:t> </a:t>
-            </a:r>
-            <a:r>
-              <a:rPr lang="en-CA" dirty="0" smtClean="0">
-                <a:solidFill>
-                  <a:srgbClr val="FF0000"/>
-                </a:solidFill>
-              </a:rPr>
-              <a:t>1101 </a:t>
-            </a:r>
-            <a:r>
-              <a:rPr lang="en-CA" dirty="0">
-                <a:solidFill>
-                  <a:srgbClr val="FF0000"/>
-                </a:solidFill>
-              </a:rPr>
-              <a:t>binary</a:t>
-            </a:r>
-            <a:endParaRPr lang="en-US" dirty="0"/>
-          </a:p>
-        </p:txBody>
-      </p:sp>
+              </a14:hiddenFill>
+            </a:ext>
+          </a:extLst>
+        </p:spPr>
+      </p:pic>
     </p:spTree>
     <p:extLst>
       <p:ext uri="{BB962C8B-B14F-4D97-AF65-F5344CB8AC3E}">
-        <p14:creationId xmlns:p14="http://schemas.microsoft.com/office/powerpoint/2010/main" val="3686036962"/>
+        <p14:creationId xmlns:p14="http://schemas.microsoft.com/office/powerpoint/2010/main" val="1944840271"/>
       </p:ext>
     </p:extLst>
   </p:cSld>
@@ -5218,7 +7303,7 @@
           <a:p>
             <a:r>
               <a:rPr lang="en-CA" dirty="0" smtClean="0"/>
-              <a:t>Binary Addition</a:t>
+              <a:t>Binary Conversions</a:t>
             </a:r>
             <a:endParaRPr lang="en-US" dirty="0"/>
           </a:p>
@@ -5236,9 +7321,7 @@
         </p:nvSpPr>
         <p:spPr/>
         <p:txBody>
-          <a:bodyPr>
-            <a:normAutofit/>
-          </a:bodyPr>
+          <a:bodyPr/>
           <a:lstStyle/>
           <a:p>
             <a:pPr marL="0" indent="0">
@@ -5246,979 +7329,99 @@
             </a:pPr>
             <a:r>
               <a:rPr lang="en-CA" dirty="0" smtClean="0"/>
-              <a:t>Add the following binary numbers </a:t>
-            </a:r>
-            <a:br>
-              <a:rPr lang="en-CA" dirty="0" smtClean="0"/>
-            </a:br>
-            <a:r>
-              <a:rPr lang="en-CA" dirty="0" smtClean="0"/>
-              <a:t>(verify your answers using decimal)</a:t>
-            </a:r>
-          </a:p>
-        </p:txBody>
-      </p:sp>
-      <p:graphicFrame>
-        <p:nvGraphicFramePr>
-          <p:cNvPr id="4" name="Table 3"/>
-          <p:cNvGraphicFramePr>
-            <a:graphicFrameLocks noGrp="1"/>
-          </p:cNvGraphicFramePr>
-          <p:nvPr>
-            <p:extLst>
-              <p:ext uri="{D42A27DB-BD31-4B8C-83A1-F6EECF244321}">
-                <p14:modId xmlns:p14="http://schemas.microsoft.com/office/powerpoint/2010/main" val="1614846773"/>
-              </p:ext>
-            </p:extLst>
-          </p:nvPr>
-        </p:nvGraphicFramePr>
-        <p:xfrm>
-          <a:off x="744068" y="3131671"/>
-          <a:ext cx="7216590" cy="2646680"/>
-        </p:xfrm>
-        <a:graphic>
-          <a:graphicData uri="http://schemas.openxmlformats.org/drawingml/2006/table">
-            <a:tbl>
-              <a:tblPr firstRow="1" bandRow="1">
-                <a:tableStyleId>{2D5ABB26-0587-4C30-8999-92F81FD0307C}</a:tableStyleId>
-              </a:tblPr>
-              <a:tblGrid>
-                <a:gridCol w="398932"/>
-                <a:gridCol w="1187645"/>
-                <a:gridCol w="1506248"/>
-                <a:gridCol w="506507"/>
-                <a:gridCol w="468630"/>
-                <a:gridCol w="1086897"/>
-                <a:gridCol w="2061731"/>
-              </a:tblGrid>
-              <a:tr h="370840">
-                <a:tc>
-                  <a:txBody>
-                    <a:bodyPr/>
-                    <a:lstStyle/>
-                    <a:p>
-                      <a:r>
-                        <a:rPr lang="en-CA" dirty="0" smtClean="0"/>
-                        <a:t>a)</a:t>
-                      </a:r>
-                      <a:endParaRPr lang="en-US" dirty="0"/>
-                    </a:p>
-                  </a:txBody>
-                  <a:tcPr/>
-                </a:tc>
-                <a:tc>
-                  <a:txBody>
-                    <a:bodyPr/>
-                    <a:lstStyle/>
-                    <a:p>
-                      <a:r>
-                        <a:rPr lang="en-CA" b="1" dirty="0" smtClean="0"/>
-                        <a:t>   0101</a:t>
-                      </a:r>
-                      <a:endParaRPr lang="en-US" b="1" dirty="0">
-                        <a:solidFill>
-                          <a:schemeClr val="tx1"/>
-                        </a:solidFill>
-                      </a:endParaRPr>
-                    </a:p>
-                  </a:txBody>
-                  <a:tcPr/>
-                </a:tc>
-                <a:tc>
-                  <a:txBody>
-                    <a:bodyPr/>
-                    <a:lstStyle/>
-                    <a:p>
-                      <a:r>
-                        <a:rPr lang="en-CA" b="1" dirty="0" smtClean="0"/>
-                        <a:t>(decimal 5)</a:t>
-                      </a:r>
-                      <a:endParaRPr lang="en-US" b="1" dirty="0">
-                        <a:solidFill>
-                          <a:schemeClr val="tx1"/>
-                        </a:solidFill>
-                      </a:endParaRPr>
-                    </a:p>
-                  </a:txBody>
-                  <a:tcPr/>
-                </a:tc>
-                <a:tc>
-                  <a:txBody>
-                    <a:bodyPr/>
-                    <a:lstStyle/>
-                    <a:p>
-                      <a:endParaRPr lang="en-US">
-                        <a:solidFill>
-                          <a:schemeClr val="tx1"/>
-                        </a:solidFill>
-                      </a:endParaRPr>
-                    </a:p>
-                  </a:txBody>
-                  <a:tcPr/>
-                </a:tc>
-                <a:tc>
-                  <a:txBody>
-                    <a:bodyPr/>
-                    <a:lstStyle/>
-                    <a:p>
-                      <a:r>
-                        <a:rPr lang="en-CA" dirty="0" smtClean="0">
-                          <a:solidFill>
-                            <a:schemeClr val="tx1"/>
-                          </a:solidFill>
-                        </a:rPr>
-                        <a:t>b)</a:t>
-                      </a:r>
-                      <a:endParaRPr lang="en-US" dirty="0">
-                        <a:solidFill>
-                          <a:schemeClr val="tx1"/>
-                        </a:solidFill>
-                      </a:endParaRPr>
-                    </a:p>
-                  </a:txBody>
-                  <a:tcPr/>
-                </a:tc>
-                <a:tc>
-                  <a:txBody>
-                    <a:bodyPr/>
-                    <a:lstStyle/>
-                    <a:p>
-                      <a:r>
-                        <a:rPr lang="en-CA" b="1" dirty="0" smtClean="0"/>
-                        <a:t>   0101</a:t>
-                      </a:r>
-                      <a:endParaRPr lang="en-US" b="1" dirty="0">
-                        <a:solidFill>
-                          <a:schemeClr val="tx1"/>
-                        </a:solidFill>
-                      </a:endParaRPr>
-                    </a:p>
-                  </a:txBody>
-                  <a:tcPr/>
-                </a:tc>
-                <a:tc>
-                  <a:txBody>
-                    <a:bodyPr/>
-                    <a:lstStyle/>
-                    <a:p>
-                      <a:r>
-                        <a:rPr lang="en-CA" b="1" dirty="0" smtClean="0"/>
-                        <a:t>(decimal 5)</a:t>
-                      </a:r>
-                      <a:endParaRPr lang="en-US" b="1" dirty="0">
-                        <a:solidFill>
-                          <a:schemeClr val="tx1"/>
-                        </a:solidFill>
-                      </a:endParaRPr>
-                    </a:p>
-                  </a:txBody>
-                  <a:tcPr/>
-                </a:tc>
-              </a:tr>
-              <a:tr h="370840">
-                <a:tc>
-                  <a:txBody>
-                    <a:bodyPr/>
-                    <a:lstStyle/>
-                    <a:p>
-                      <a:endParaRPr lang="en-US" sz="2000" b="1" dirty="0"/>
-                    </a:p>
-                  </a:txBody>
-                  <a:tcPr/>
-                </a:tc>
-                <a:tc>
-                  <a:txBody>
-                    <a:bodyPr/>
-                    <a:lstStyle/>
-                    <a:p>
-                      <a:r>
-                        <a:rPr lang="en-CA" b="1" dirty="0" smtClean="0"/>
-                        <a:t>+ 0010</a:t>
-                      </a:r>
-                      <a:endParaRPr lang="en-US" b="1" dirty="0">
-                        <a:solidFill>
-                          <a:schemeClr val="tx1"/>
-                        </a:solidFill>
-                      </a:endParaRPr>
-                    </a:p>
-                  </a:txBody>
-                  <a:tcPr>
-                    <a:lnB w="12700" cap="flat" cmpd="sng" algn="ctr">
-                      <a:solidFill>
-                        <a:schemeClr val="tx1"/>
-                      </a:solidFill>
-                      <a:prstDash val="solid"/>
-                      <a:round/>
-                      <a:headEnd type="none" w="med" len="med"/>
-                      <a:tailEnd type="none" w="med" len="med"/>
-                    </a:lnB>
-                  </a:tcPr>
-                </a:tc>
-                <a:tc>
-                  <a:txBody>
-                    <a:bodyPr/>
-                    <a:lstStyle/>
-                    <a:p>
-                      <a:r>
-                        <a:rPr lang="en-CA" b="1" dirty="0" smtClean="0"/>
-                        <a:t>(decimal 2)</a:t>
-                      </a:r>
-                      <a:endParaRPr lang="en-US" b="1" dirty="0">
-                        <a:solidFill>
-                          <a:schemeClr val="tx1"/>
-                        </a:solidFill>
-                      </a:endParaRPr>
-                    </a:p>
-                  </a:txBody>
-                  <a:tcPr>
-                    <a:lnB w="12700" cap="flat" cmpd="sng" algn="ctr">
-                      <a:solidFill>
-                        <a:schemeClr val="tx1"/>
-                      </a:solidFill>
-                      <a:prstDash val="solid"/>
-                      <a:round/>
-                      <a:headEnd type="none" w="med" len="med"/>
-                      <a:tailEnd type="none" w="med" len="med"/>
-                    </a:lnB>
-                  </a:tcPr>
-                </a:tc>
-                <a:tc>
-                  <a:txBody>
-                    <a:bodyPr/>
-                    <a:lstStyle/>
-                    <a:p>
-                      <a:endParaRPr lang="en-US" dirty="0">
-                        <a:solidFill>
-                          <a:schemeClr val="tx1"/>
-                        </a:solidFill>
-                      </a:endParaRPr>
-                    </a:p>
-                  </a:txBody>
-                  <a:tcPr/>
-                </a:tc>
-                <a:tc>
-                  <a:txBody>
-                    <a:bodyPr/>
-                    <a:lstStyle/>
-                    <a:p>
-                      <a:endParaRPr lang="en-US" sz="2000" b="1" dirty="0">
-                        <a:solidFill>
-                          <a:schemeClr val="tx1"/>
-                        </a:solidFill>
-                      </a:endParaRPr>
-                    </a:p>
-                  </a:txBody>
-                  <a:tcPr/>
-                </a:tc>
-                <a:tc>
-                  <a:txBody>
-                    <a:bodyPr/>
-                    <a:lstStyle/>
-                    <a:p>
-                      <a:r>
-                        <a:rPr lang="en-CA" b="1" dirty="0" smtClean="0"/>
-                        <a:t>+ 1010</a:t>
-                      </a:r>
-                      <a:endParaRPr lang="en-US" b="1" dirty="0">
-                        <a:solidFill>
-                          <a:schemeClr val="tx1"/>
-                        </a:solidFill>
-                      </a:endParaRPr>
-                    </a:p>
-                  </a:txBody>
-                  <a:tcPr>
-                    <a:lnB w="12700" cap="flat" cmpd="sng" algn="ctr">
-                      <a:solidFill>
-                        <a:schemeClr val="tx1"/>
-                      </a:solidFill>
-                      <a:prstDash val="solid"/>
-                      <a:round/>
-                      <a:headEnd type="none" w="med" len="med"/>
-                      <a:tailEnd type="none" w="med" len="med"/>
-                    </a:lnB>
-                  </a:tcPr>
-                </a:tc>
-                <a:tc>
-                  <a:txBody>
-                    <a:bodyPr/>
-                    <a:lstStyle/>
-                    <a:p>
-                      <a:r>
-                        <a:rPr lang="en-CA" b="1" dirty="0" smtClean="0"/>
-                        <a:t>(decimal 10)</a:t>
-                      </a:r>
-                      <a:endParaRPr lang="en-US" b="1" dirty="0">
-                        <a:solidFill>
-                          <a:schemeClr val="tx1"/>
-                        </a:solidFill>
-                      </a:endParaRPr>
-                    </a:p>
-                  </a:txBody>
-                  <a:tcPr>
-                    <a:lnB w="12700" cap="flat" cmpd="sng" algn="ctr">
-                      <a:solidFill>
-                        <a:schemeClr val="tx1"/>
-                      </a:solidFill>
-                      <a:prstDash val="solid"/>
-                      <a:round/>
-                      <a:headEnd type="none" w="med" len="med"/>
-                      <a:tailEnd type="none" w="med" len="med"/>
-                    </a:lnB>
-                  </a:tcPr>
-                </a:tc>
-              </a:tr>
-              <a:tr h="370840">
-                <a:tc>
-                  <a:txBody>
-                    <a:bodyPr/>
-                    <a:lstStyle/>
-                    <a:p>
-                      <a:endParaRPr lang="en-US" dirty="0"/>
-                    </a:p>
-                  </a:txBody>
-                  <a:tcPr/>
-                </a:tc>
-                <a:tc>
-                  <a:txBody>
-                    <a:bodyPr/>
-                    <a:lstStyle/>
-                    <a:p>
-                      <a:endParaRPr lang="en-US" b="1" dirty="0">
-                        <a:solidFill>
-                          <a:schemeClr val="tx1"/>
-                        </a:solidFill>
-                      </a:endParaRPr>
-                    </a:p>
-                  </a:txBody>
-                  <a:tcPr>
-                    <a:lnT w="12700" cap="flat" cmpd="sng" algn="ctr">
-                      <a:solidFill>
-                        <a:schemeClr val="tx1"/>
-                      </a:solidFill>
-                      <a:prstDash val="solid"/>
-                      <a:round/>
-                      <a:headEnd type="none" w="med" len="med"/>
-                      <a:tailEnd type="none" w="med" len="med"/>
-                    </a:lnT>
-                  </a:tcPr>
-                </a:tc>
-                <a:tc>
-                  <a:txBody>
-                    <a:bodyPr/>
-                    <a:lstStyle/>
-                    <a:p>
-                      <a:endParaRPr lang="en-US" b="1" dirty="0">
-                        <a:solidFill>
-                          <a:schemeClr val="tx1"/>
-                        </a:solidFill>
-                      </a:endParaRPr>
-                    </a:p>
-                  </a:txBody>
-                  <a:tcPr>
-                    <a:lnT w="12700" cap="flat" cmpd="sng" algn="ctr">
-                      <a:solidFill>
-                        <a:schemeClr val="tx1"/>
-                      </a:solidFill>
-                      <a:prstDash val="solid"/>
-                      <a:round/>
-                      <a:headEnd type="none" w="med" len="med"/>
-                      <a:tailEnd type="none" w="med" len="med"/>
-                    </a:lnT>
-                  </a:tcPr>
-                </a:tc>
-                <a:tc>
-                  <a:txBody>
-                    <a:bodyPr/>
-                    <a:lstStyle/>
-                    <a:p>
-                      <a:endParaRPr lang="en-US">
-                        <a:solidFill>
-                          <a:schemeClr val="tx1"/>
-                        </a:solidFill>
-                      </a:endParaRPr>
-                    </a:p>
-                  </a:txBody>
-                  <a:tcPr/>
-                </a:tc>
-                <a:tc>
-                  <a:txBody>
-                    <a:bodyPr/>
-                    <a:lstStyle/>
-                    <a:p>
-                      <a:endParaRPr lang="en-US">
-                        <a:solidFill>
-                          <a:schemeClr val="tx1"/>
-                        </a:solidFill>
-                      </a:endParaRPr>
-                    </a:p>
-                  </a:txBody>
-                  <a:tcPr/>
-                </a:tc>
-                <a:tc>
-                  <a:txBody>
-                    <a:bodyPr/>
-                    <a:lstStyle/>
-                    <a:p>
-                      <a:endParaRPr lang="en-US" b="1" dirty="0">
-                        <a:solidFill>
-                          <a:schemeClr val="tx1"/>
-                        </a:solidFill>
-                      </a:endParaRPr>
-                    </a:p>
-                  </a:txBody>
-                  <a:tcPr>
-                    <a:lnT w="12700" cap="flat" cmpd="sng" algn="ctr">
-                      <a:solidFill>
-                        <a:schemeClr val="tx1"/>
-                      </a:solidFill>
-                      <a:prstDash val="solid"/>
-                      <a:round/>
-                      <a:headEnd type="none" w="med" len="med"/>
-                      <a:tailEnd type="none" w="med" len="med"/>
-                    </a:lnT>
-                  </a:tcPr>
-                </a:tc>
-                <a:tc>
-                  <a:txBody>
-                    <a:bodyPr/>
-                    <a:lstStyle/>
-                    <a:p>
-                      <a:endParaRPr lang="en-US" b="1" dirty="0">
-                        <a:solidFill>
-                          <a:schemeClr val="tx1"/>
-                        </a:solidFill>
-                      </a:endParaRPr>
-                    </a:p>
-                  </a:txBody>
-                  <a:tcPr>
-                    <a:lnT w="12700" cap="flat" cmpd="sng" algn="ctr">
-                      <a:solidFill>
-                        <a:schemeClr val="tx1"/>
-                      </a:solidFill>
-                      <a:prstDash val="solid"/>
-                      <a:round/>
-                      <a:headEnd type="none" w="med" len="med"/>
-                      <a:tailEnd type="none" w="med" len="med"/>
-                    </a:lnT>
-                  </a:tcPr>
-                </a:tc>
-              </a:tr>
-              <a:tr h="370840">
-                <a:tc>
-                  <a:txBody>
-                    <a:bodyPr/>
-                    <a:lstStyle/>
-                    <a:p>
-                      <a:endParaRPr lang="en-US"/>
-                    </a:p>
-                  </a:txBody>
-                  <a:tcPr/>
-                </a:tc>
-                <a:tc>
-                  <a:txBody>
-                    <a:bodyPr/>
-                    <a:lstStyle/>
-                    <a:p>
-                      <a:endParaRPr lang="en-US" b="1">
-                        <a:solidFill>
-                          <a:schemeClr val="tx1"/>
-                        </a:solidFill>
-                      </a:endParaRPr>
-                    </a:p>
-                  </a:txBody>
-                  <a:tcPr/>
-                </a:tc>
-                <a:tc>
-                  <a:txBody>
-                    <a:bodyPr/>
-                    <a:lstStyle/>
-                    <a:p>
-                      <a:endParaRPr lang="en-US" b="1" dirty="0">
-                        <a:solidFill>
-                          <a:schemeClr val="tx1"/>
-                        </a:solidFill>
-                      </a:endParaRPr>
-                    </a:p>
-                  </a:txBody>
-                  <a:tcPr/>
-                </a:tc>
-                <a:tc>
-                  <a:txBody>
-                    <a:bodyPr/>
-                    <a:lstStyle/>
-                    <a:p>
-                      <a:endParaRPr lang="en-US">
-                        <a:solidFill>
-                          <a:schemeClr val="tx1"/>
-                        </a:solidFill>
-                      </a:endParaRPr>
-                    </a:p>
-                  </a:txBody>
-                  <a:tcPr/>
-                </a:tc>
-                <a:tc>
-                  <a:txBody>
-                    <a:bodyPr/>
-                    <a:lstStyle/>
-                    <a:p>
-                      <a:endParaRPr lang="en-US">
-                        <a:solidFill>
-                          <a:schemeClr val="tx1"/>
-                        </a:solidFill>
-                      </a:endParaRPr>
-                    </a:p>
-                  </a:txBody>
-                  <a:tcPr/>
-                </a:tc>
-                <a:tc>
-                  <a:txBody>
-                    <a:bodyPr/>
-                    <a:lstStyle/>
-                    <a:p>
-                      <a:endParaRPr lang="en-US" b="1" dirty="0">
-                        <a:solidFill>
-                          <a:schemeClr val="tx1"/>
-                        </a:solidFill>
-                      </a:endParaRPr>
-                    </a:p>
-                  </a:txBody>
-                  <a:tcPr/>
-                </a:tc>
-                <a:tc>
-                  <a:txBody>
-                    <a:bodyPr/>
-                    <a:lstStyle/>
-                    <a:p>
-                      <a:endParaRPr lang="en-US" b="1" dirty="0">
-                        <a:solidFill>
-                          <a:schemeClr val="tx1"/>
-                        </a:solidFill>
-                      </a:endParaRPr>
-                    </a:p>
-                  </a:txBody>
-                  <a:tcPr/>
-                </a:tc>
-              </a:tr>
-              <a:tr h="370840">
-                <a:tc>
-                  <a:txBody>
-                    <a:bodyPr/>
-                    <a:lstStyle/>
-                    <a:p>
-                      <a:r>
-                        <a:rPr lang="en-CA" dirty="0" smtClean="0"/>
-                        <a:t>c)</a:t>
-                      </a:r>
-                      <a:endParaRPr lang="en-US" dirty="0"/>
-                    </a:p>
-                  </a:txBody>
-                  <a:tcPr/>
-                </a:tc>
-                <a:tc>
-                  <a:txBody>
-                    <a:bodyPr/>
-                    <a:lstStyle/>
-                    <a:p>
-                      <a:r>
-                        <a:rPr lang="en-CA" b="1" dirty="0" smtClean="0"/>
-                        <a:t>   0011</a:t>
-                      </a:r>
-                      <a:endParaRPr lang="en-US" b="1" dirty="0">
-                        <a:solidFill>
-                          <a:schemeClr val="tx1"/>
-                        </a:solidFill>
-                      </a:endParaRPr>
-                    </a:p>
-                  </a:txBody>
-                  <a:tcPr/>
-                </a:tc>
-                <a:tc>
-                  <a:txBody>
-                    <a:bodyPr/>
-                    <a:lstStyle/>
-                    <a:p>
-                      <a:r>
-                        <a:rPr lang="en-CA" b="1" dirty="0" smtClean="0"/>
-                        <a:t>(decimal 3)</a:t>
-                      </a:r>
-                      <a:endParaRPr lang="en-US" b="1" dirty="0">
-                        <a:solidFill>
-                          <a:schemeClr val="tx1"/>
-                        </a:solidFill>
-                      </a:endParaRPr>
-                    </a:p>
-                  </a:txBody>
-                  <a:tcPr/>
-                </a:tc>
-                <a:tc>
-                  <a:txBody>
-                    <a:bodyPr/>
-                    <a:lstStyle/>
-                    <a:p>
-                      <a:endParaRPr lang="en-US">
-                        <a:solidFill>
-                          <a:schemeClr val="tx1"/>
-                        </a:solidFill>
-                      </a:endParaRPr>
-                    </a:p>
-                  </a:txBody>
-                  <a:tcPr/>
-                </a:tc>
-                <a:tc>
-                  <a:txBody>
-                    <a:bodyPr/>
-                    <a:lstStyle/>
-                    <a:p>
-                      <a:r>
-                        <a:rPr lang="en-CA" dirty="0" smtClean="0">
-                          <a:solidFill>
-                            <a:schemeClr val="tx1"/>
-                          </a:solidFill>
-                        </a:rPr>
-                        <a:t>d)</a:t>
-                      </a:r>
-                      <a:endParaRPr lang="en-US" dirty="0">
-                        <a:solidFill>
-                          <a:schemeClr val="tx1"/>
-                        </a:solidFill>
-                      </a:endParaRPr>
-                    </a:p>
-                  </a:txBody>
-                  <a:tcPr/>
-                </a:tc>
-                <a:tc>
-                  <a:txBody>
-                    <a:bodyPr/>
-                    <a:lstStyle/>
-                    <a:p>
-                      <a:r>
-                        <a:rPr lang="en-CA" b="1" dirty="0" smtClean="0"/>
-                        <a:t>   0110</a:t>
-                      </a:r>
-                      <a:endParaRPr lang="en-US" b="1" dirty="0">
-                        <a:solidFill>
-                          <a:schemeClr val="tx1"/>
-                        </a:solidFill>
-                      </a:endParaRPr>
-                    </a:p>
-                  </a:txBody>
-                  <a:tcPr/>
-                </a:tc>
-                <a:tc>
-                  <a:txBody>
-                    <a:bodyPr/>
-                    <a:lstStyle/>
-                    <a:p>
-                      <a:r>
-                        <a:rPr lang="en-CA" b="1" dirty="0" smtClean="0"/>
-                        <a:t>(decimal 6)</a:t>
-                      </a:r>
-                      <a:endParaRPr lang="en-US" b="1" dirty="0">
-                        <a:solidFill>
-                          <a:schemeClr val="tx1"/>
-                        </a:solidFill>
-                      </a:endParaRPr>
-                    </a:p>
-                  </a:txBody>
-                  <a:tcPr/>
-                </a:tc>
-              </a:tr>
-              <a:tr h="370840">
-                <a:tc>
-                  <a:txBody>
-                    <a:bodyPr/>
-                    <a:lstStyle/>
-                    <a:p>
-                      <a:endParaRPr lang="en-US" sz="2000" b="1" dirty="0"/>
-                    </a:p>
-                  </a:txBody>
-                  <a:tcPr/>
-                </a:tc>
-                <a:tc>
-                  <a:txBody>
-                    <a:bodyPr/>
-                    <a:lstStyle/>
-                    <a:p>
-                      <a:r>
-                        <a:rPr lang="en-CA" b="1" dirty="0" smtClean="0"/>
-                        <a:t>+ 0010</a:t>
-                      </a:r>
-                      <a:endParaRPr lang="en-US" b="1" dirty="0">
-                        <a:solidFill>
-                          <a:schemeClr val="tx1"/>
-                        </a:solidFill>
-                      </a:endParaRPr>
-                    </a:p>
-                  </a:txBody>
-                  <a:tcPr>
-                    <a:lnB w="12700" cap="flat" cmpd="sng" algn="ctr">
-                      <a:solidFill>
-                        <a:schemeClr val="tx1"/>
-                      </a:solidFill>
-                      <a:prstDash val="solid"/>
-                      <a:round/>
-                      <a:headEnd type="none" w="med" len="med"/>
-                      <a:tailEnd type="none" w="med" len="med"/>
-                    </a:lnB>
-                  </a:tcPr>
-                </a:tc>
-                <a:tc>
-                  <a:txBody>
-                    <a:bodyPr/>
-                    <a:lstStyle/>
-                    <a:p>
-                      <a:r>
-                        <a:rPr lang="en-CA" b="1" dirty="0" smtClean="0"/>
-                        <a:t>(decimal 2)</a:t>
-                      </a:r>
-                      <a:endParaRPr lang="en-US" b="1" dirty="0">
-                        <a:solidFill>
-                          <a:schemeClr val="tx1"/>
-                        </a:solidFill>
-                      </a:endParaRPr>
-                    </a:p>
-                  </a:txBody>
-                  <a:tcPr>
-                    <a:lnB w="12700" cap="flat" cmpd="sng" algn="ctr">
-                      <a:solidFill>
-                        <a:schemeClr val="tx1"/>
-                      </a:solidFill>
-                      <a:prstDash val="solid"/>
-                      <a:round/>
-                      <a:headEnd type="none" w="med" len="med"/>
-                      <a:tailEnd type="none" w="med" len="med"/>
-                    </a:lnB>
-                  </a:tcPr>
-                </a:tc>
-                <a:tc>
-                  <a:txBody>
-                    <a:bodyPr/>
-                    <a:lstStyle/>
-                    <a:p>
-                      <a:endParaRPr lang="en-US" dirty="0">
-                        <a:solidFill>
-                          <a:schemeClr val="tx1"/>
-                        </a:solidFill>
-                      </a:endParaRPr>
-                    </a:p>
-                  </a:txBody>
-                  <a:tcPr/>
-                </a:tc>
-                <a:tc>
-                  <a:txBody>
-                    <a:bodyPr/>
-                    <a:lstStyle/>
-                    <a:p>
-                      <a:endParaRPr lang="en-US" sz="2000" b="1" dirty="0">
-                        <a:solidFill>
-                          <a:schemeClr val="tx1"/>
-                        </a:solidFill>
-                      </a:endParaRPr>
-                    </a:p>
-                  </a:txBody>
-                  <a:tcPr/>
-                </a:tc>
-                <a:tc>
-                  <a:txBody>
-                    <a:bodyPr/>
-                    <a:lstStyle/>
-                    <a:p>
-                      <a:r>
-                        <a:rPr lang="en-CA" b="1" dirty="0" smtClean="0"/>
-                        <a:t>+ 0011</a:t>
-                      </a:r>
-                      <a:endParaRPr lang="en-US" b="1" dirty="0">
-                        <a:solidFill>
-                          <a:schemeClr val="tx1"/>
-                        </a:solidFill>
-                      </a:endParaRPr>
-                    </a:p>
-                  </a:txBody>
-                  <a:tcPr>
-                    <a:lnB w="12700" cap="flat" cmpd="sng" algn="ctr">
-                      <a:solidFill>
-                        <a:schemeClr val="tx1"/>
-                      </a:solidFill>
-                      <a:prstDash val="solid"/>
-                      <a:round/>
-                      <a:headEnd type="none" w="med" len="med"/>
-                      <a:tailEnd type="none" w="med" len="med"/>
-                    </a:lnB>
-                  </a:tcPr>
-                </a:tc>
-                <a:tc>
-                  <a:txBody>
-                    <a:bodyPr/>
-                    <a:lstStyle/>
-                    <a:p>
-                      <a:r>
-                        <a:rPr lang="en-CA" b="1" dirty="0" smtClean="0"/>
-                        <a:t>(decimal 3)</a:t>
-                      </a:r>
-                      <a:endParaRPr lang="en-US" b="1" dirty="0">
-                        <a:solidFill>
-                          <a:schemeClr val="tx1"/>
-                        </a:solidFill>
-                      </a:endParaRPr>
-                    </a:p>
-                  </a:txBody>
-                  <a:tcPr>
-                    <a:lnB w="12700" cap="flat" cmpd="sng" algn="ctr">
-                      <a:solidFill>
-                        <a:schemeClr val="tx1"/>
-                      </a:solidFill>
-                      <a:prstDash val="solid"/>
-                      <a:round/>
-                      <a:headEnd type="none" w="med" len="med"/>
-                      <a:tailEnd type="none" w="med" len="med"/>
-                    </a:lnB>
-                  </a:tcPr>
-                </a:tc>
-              </a:tr>
-              <a:tr h="370840">
-                <a:tc>
-                  <a:txBody>
-                    <a:bodyPr/>
-                    <a:lstStyle/>
-                    <a:p>
-                      <a:endParaRPr lang="en-US"/>
-                    </a:p>
-                  </a:txBody>
-                  <a:tcPr/>
-                </a:tc>
-                <a:tc>
-                  <a:txBody>
-                    <a:bodyPr/>
-                    <a:lstStyle/>
-                    <a:p>
-                      <a:endParaRPr lang="en-US" b="1">
-                        <a:solidFill>
-                          <a:schemeClr val="tx1"/>
-                        </a:solidFill>
-                      </a:endParaRPr>
-                    </a:p>
-                  </a:txBody>
-                  <a:tcPr>
-                    <a:lnT w="12700" cap="flat" cmpd="sng" algn="ctr">
-                      <a:solidFill>
-                        <a:schemeClr val="tx1"/>
-                      </a:solidFill>
-                      <a:prstDash val="solid"/>
-                      <a:round/>
-                      <a:headEnd type="none" w="med" len="med"/>
-                      <a:tailEnd type="none" w="med" len="med"/>
-                    </a:lnT>
-                  </a:tcPr>
-                </a:tc>
-                <a:tc>
-                  <a:txBody>
-                    <a:bodyPr/>
-                    <a:lstStyle/>
-                    <a:p>
-                      <a:endParaRPr lang="en-US" b="1">
-                        <a:solidFill>
-                          <a:schemeClr val="tx1"/>
-                        </a:solidFill>
-                      </a:endParaRPr>
-                    </a:p>
-                  </a:txBody>
-                  <a:tcPr>
-                    <a:lnT w="12700" cap="flat" cmpd="sng" algn="ctr">
-                      <a:solidFill>
-                        <a:schemeClr val="tx1"/>
-                      </a:solidFill>
-                      <a:prstDash val="solid"/>
-                      <a:round/>
-                      <a:headEnd type="none" w="med" len="med"/>
-                      <a:tailEnd type="none" w="med" len="med"/>
-                    </a:lnT>
-                  </a:tcPr>
-                </a:tc>
-                <a:tc>
-                  <a:txBody>
-                    <a:bodyPr/>
-                    <a:lstStyle/>
-                    <a:p>
-                      <a:endParaRPr lang="en-US" dirty="0">
-                        <a:solidFill>
-                          <a:schemeClr val="tx1"/>
-                        </a:solidFill>
-                      </a:endParaRPr>
-                    </a:p>
-                  </a:txBody>
-                  <a:tcPr/>
-                </a:tc>
-                <a:tc>
-                  <a:txBody>
-                    <a:bodyPr/>
-                    <a:lstStyle/>
-                    <a:p>
-                      <a:endParaRPr lang="en-US">
-                        <a:solidFill>
-                          <a:schemeClr val="tx1"/>
-                        </a:solidFill>
-                      </a:endParaRPr>
-                    </a:p>
-                  </a:txBody>
-                  <a:tcPr/>
-                </a:tc>
-                <a:tc>
-                  <a:txBody>
-                    <a:bodyPr/>
-                    <a:lstStyle/>
-                    <a:p>
-                      <a:endParaRPr lang="en-US" b="1" dirty="0">
-                        <a:solidFill>
-                          <a:schemeClr val="tx1"/>
-                        </a:solidFill>
-                      </a:endParaRPr>
-                    </a:p>
-                  </a:txBody>
-                  <a:tcPr>
-                    <a:lnT w="12700" cap="flat" cmpd="sng" algn="ctr">
-                      <a:solidFill>
-                        <a:schemeClr val="tx1"/>
-                      </a:solidFill>
-                      <a:prstDash val="solid"/>
-                      <a:round/>
-                      <a:headEnd type="none" w="med" len="med"/>
-                      <a:tailEnd type="none" w="med" len="med"/>
-                    </a:lnT>
-                  </a:tcPr>
-                </a:tc>
-                <a:tc>
-                  <a:txBody>
-                    <a:bodyPr/>
-                    <a:lstStyle/>
-                    <a:p>
-                      <a:endParaRPr lang="en-US" b="1" dirty="0">
-                        <a:solidFill>
-                          <a:schemeClr val="tx1"/>
-                        </a:solidFill>
-                      </a:endParaRPr>
-                    </a:p>
-                  </a:txBody>
-                  <a:tcPr>
-                    <a:lnT w="12700" cap="flat" cmpd="sng" algn="ctr">
-                      <a:solidFill>
-                        <a:schemeClr val="tx1"/>
-                      </a:solidFill>
-                      <a:prstDash val="solid"/>
-                      <a:round/>
-                      <a:headEnd type="none" w="med" len="med"/>
-                      <a:tailEnd type="none" w="med" len="med"/>
-                    </a:lnT>
-                  </a:tcPr>
-                </a:tc>
-              </a:tr>
-            </a:tbl>
-          </a:graphicData>
-        </a:graphic>
-      </p:graphicFrame>
+              <a:t>Convert the following binary numbers to decimal:</a:t>
+            </a:r>
+          </a:p>
+          <a:p>
+            <a:pPr marL="514350" indent="-514350">
+              <a:buFont typeface="+mj-lt"/>
+              <a:buAutoNum type="alphaLcParenR"/>
+            </a:pPr>
+            <a:r>
+              <a:rPr lang="en-CA" dirty="0" smtClean="0"/>
+              <a:t>11 binary = </a:t>
+            </a:r>
+          </a:p>
+          <a:p>
+            <a:pPr marL="514350" indent="-514350">
+              <a:buFont typeface="+mj-lt"/>
+              <a:buAutoNum type="alphaLcParenR"/>
+            </a:pPr>
+            <a:r>
+              <a:rPr lang="en-CA" dirty="0" smtClean="0"/>
+              <a:t>101 binary = </a:t>
+            </a:r>
+          </a:p>
+          <a:p>
+            <a:pPr marL="514350" indent="-514350">
+              <a:buFont typeface="+mj-lt"/>
+              <a:buAutoNum type="alphaLcParenR"/>
+            </a:pPr>
+            <a:r>
+              <a:rPr lang="en-CA" dirty="0" smtClean="0"/>
+              <a:t>1010 binary = </a:t>
+            </a:r>
+          </a:p>
+          <a:p>
+            <a:pPr marL="514350" indent="-514350">
+              <a:buFont typeface="+mj-lt"/>
+              <a:buAutoNum type="alphaLcParenR"/>
+            </a:pPr>
+            <a:endParaRPr lang="en-CA" dirty="0"/>
+          </a:p>
+          <a:p>
+            <a:pPr marL="0" indent="0">
+              <a:buNone/>
+            </a:pPr>
+            <a:r>
+              <a:rPr lang="en-CA" dirty="0"/>
+              <a:t>Convert the following </a:t>
+            </a:r>
+            <a:r>
+              <a:rPr lang="en-CA" dirty="0" smtClean="0"/>
+              <a:t>decimal numbers </a:t>
+            </a:r>
+            <a:r>
+              <a:rPr lang="en-CA" dirty="0"/>
+              <a:t>to </a:t>
+            </a:r>
+            <a:r>
+              <a:rPr lang="en-CA" dirty="0" smtClean="0"/>
+              <a:t>binary:</a:t>
+            </a:r>
+            <a:endParaRPr lang="en-CA" dirty="0"/>
+          </a:p>
+          <a:p>
+            <a:pPr marL="514350" indent="-514350">
+              <a:buFont typeface="+mj-lt"/>
+              <a:buAutoNum type="alphaLcParenR"/>
+            </a:pPr>
+            <a:r>
+              <a:rPr lang="en-CA" dirty="0" smtClean="0"/>
+              <a:t>6 decimal </a:t>
+            </a:r>
+            <a:r>
+              <a:rPr lang="en-CA" dirty="0"/>
+              <a:t>= </a:t>
+            </a:r>
+          </a:p>
+          <a:p>
+            <a:pPr marL="514350" indent="-514350">
+              <a:buFont typeface="+mj-lt"/>
+              <a:buAutoNum type="alphaLcParenR"/>
+            </a:pPr>
+            <a:r>
+              <a:rPr lang="en-CA" dirty="0" smtClean="0"/>
+              <a:t>13 decimal =</a:t>
+            </a:r>
+            <a:endParaRPr lang="en-US" dirty="0"/>
+          </a:p>
+        </p:txBody>
+      </p:sp>
     </p:spTree>
     <p:extLst>
       <p:ext uri="{BB962C8B-B14F-4D97-AF65-F5344CB8AC3E}">
-        <p14:creationId xmlns:p14="http://schemas.microsoft.com/office/powerpoint/2010/main" val="4029038595"/>
+        <p14:creationId xmlns:p14="http://schemas.microsoft.com/office/powerpoint/2010/main" val="3791561675"/>
       </p:ext>
     </p:extLst>
   </p:cSld>
@@ -6262,7 +7465,7 @@
           <a:p>
             <a:r>
               <a:rPr lang="en-CA" dirty="0" smtClean="0"/>
-              <a:t>Binary Addition</a:t>
+              <a:t>Binary Conversions</a:t>
             </a:r>
             <a:endParaRPr lang="en-US" dirty="0"/>
           </a:p>
@@ -6280,9 +7483,7 @@
         </p:nvSpPr>
         <p:spPr/>
         <p:txBody>
-          <a:bodyPr>
-            <a:normAutofit/>
-          </a:bodyPr>
+          <a:bodyPr/>
           <a:lstStyle/>
           <a:p>
             <a:pPr marL="0" indent="0">
@@ -6290,1043 +7491,174 @@
             </a:pPr>
             <a:r>
               <a:rPr lang="en-CA" dirty="0" smtClean="0"/>
-              <a:t>Add the following binary numbers </a:t>
-            </a:r>
-            <a:br>
-              <a:rPr lang="en-CA" dirty="0" smtClean="0"/>
-            </a:br>
-            <a:r>
-              <a:rPr lang="en-CA" dirty="0" smtClean="0"/>
-              <a:t>(verify your answers using decimal)</a:t>
-            </a:r>
-          </a:p>
-        </p:txBody>
-      </p:sp>
-      <p:graphicFrame>
-        <p:nvGraphicFramePr>
-          <p:cNvPr id="4" name="Table 3"/>
-          <p:cNvGraphicFramePr>
-            <a:graphicFrameLocks noGrp="1"/>
-          </p:cNvGraphicFramePr>
-          <p:nvPr>
-            <p:extLst>
-              <p:ext uri="{D42A27DB-BD31-4B8C-83A1-F6EECF244321}">
-                <p14:modId xmlns:p14="http://schemas.microsoft.com/office/powerpoint/2010/main" val="3406677176"/>
-              </p:ext>
-            </p:extLst>
-          </p:nvPr>
-        </p:nvGraphicFramePr>
-        <p:xfrm>
-          <a:off x="744068" y="3131671"/>
-          <a:ext cx="7216590" cy="2646680"/>
-        </p:xfrm>
-        <a:graphic>
-          <a:graphicData uri="http://schemas.openxmlformats.org/drawingml/2006/table">
-            <a:tbl>
-              <a:tblPr firstRow="1" bandRow="1">
-                <a:tableStyleId>{2D5ABB26-0587-4C30-8999-92F81FD0307C}</a:tableStyleId>
-              </a:tblPr>
-              <a:tblGrid>
-                <a:gridCol w="398932"/>
-                <a:gridCol w="1187645"/>
-                <a:gridCol w="1506248"/>
-                <a:gridCol w="506507"/>
-                <a:gridCol w="468630"/>
-                <a:gridCol w="1086897"/>
-                <a:gridCol w="2061731"/>
-              </a:tblGrid>
-              <a:tr h="370840">
-                <a:tc>
-                  <a:txBody>
-                    <a:bodyPr/>
-                    <a:lstStyle/>
-                    <a:p>
-                      <a:r>
-                        <a:rPr lang="en-CA" dirty="0" smtClean="0"/>
-                        <a:t>a)</a:t>
-                      </a:r>
-                      <a:endParaRPr lang="en-US" dirty="0"/>
-                    </a:p>
-                  </a:txBody>
-                  <a:tcPr/>
-                </a:tc>
-                <a:tc>
-                  <a:txBody>
-                    <a:bodyPr/>
-                    <a:lstStyle/>
-                    <a:p>
-                      <a:r>
-                        <a:rPr lang="en-CA" b="1" dirty="0" smtClean="0"/>
-                        <a:t>   0101</a:t>
-                      </a:r>
-                      <a:endParaRPr lang="en-US" b="1" dirty="0">
-                        <a:solidFill>
-                          <a:schemeClr val="tx1"/>
-                        </a:solidFill>
-                      </a:endParaRPr>
-                    </a:p>
-                  </a:txBody>
-                  <a:tcPr/>
-                </a:tc>
-                <a:tc>
-                  <a:txBody>
-                    <a:bodyPr/>
-                    <a:lstStyle/>
-                    <a:p>
-                      <a:r>
-                        <a:rPr lang="en-CA" b="1" dirty="0" smtClean="0"/>
-                        <a:t>(decimal 5)</a:t>
-                      </a:r>
-                      <a:endParaRPr lang="en-US" b="1" dirty="0">
-                        <a:solidFill>
-                          <a:schemeClr val="tx1"/>
-                        </a:solidFill>
-                      </a:endParaRPr>
-                    </a:p>
-                  </a:txBody>
-                  <a:tcPr/>
-                </a:tc>
-                <a:tc>
-                  <a:txBody>
-                    <a:bodyPr/>
-                    <a:lstStyle/>
-                    <a:p>
-                      <a:endParaRPr lang="en-US">
-                        <a:solidFill>
-                          <a:schemeClr val="tx1"/>
-                        </a:solidFill>
-                      </a:endParaRPr>
-                    </a:p>
-                  </a:txBody>
-                  <a:tcPr/>
-                </a:tc>
-                <a:tc>
-                  <a:txBody>
-                    <a:bodyPr/>
-                    <a:lstStyle/>
-                    <a:p>
-                      <a:r>
-                        <a:rPr lang="en-CA" dirty="0" smtClean="0">
-                          <a:solidFill>
-                            <a:schemeClr val="tx1"/>
-                          </a:solidFill>
-                        </a:rPr>
-                        <a:t>b)</a:t>
-                      </a:r>
-                      <a:endParaRPr lang="en-US" dirty="0">
-                        <a:solidFill>
-                          <a:schemeClr val="tx1"/>
-                        </a:solidFill>
-                      </a:endParaRPr>
-                    </a:p>
-                  </a:txBody>
-                  <a:tcPr/>
-                </a:tc>
-                <a:tc>
-                  <a:txBody>
-                    <a:bodyPr/>
-                    <a:lstStyle/>
-                    <a:p>
-                      <a:r>
-                        <a:rPr lang="en-CA" b="1" dirty="0" smtClean="0"/>
-                        <a:t>   0101</a:t>
-                      </a:r>
-                      <a:endParaRPr lang="en-US" b="1" dirty="0">
-                        <a:solidFill>
-                          <a:schemeClr val="tx1"/>
-                        </a:solidFill>
-                      </a:endParaRPr>
-                    </a:p>
-                  </a:txBody>
-                  <a:tcPr/>
-                </a:tc>
-                <a:tc>
-                  <a:txBody>
-                    <a:bodyPr/>
-                    <a:lstStyle/>
-                    <a:p>
-                      <a:r>
-                        <a:rPr lang="en-CA" b="1" dirty="0" smtClean="0"/>
-                        <a:t>(decimal 5)</a:t>
-                      </a:r>
-                      <a:endParaRPr lang="en-US" b="1" dirty="0">
-                        <a:solidFill>
-                          <a:schemeClr val="tx1"/>
-                        </a:solidFill>
-                      </a:endParaRPr>
-                    </a:p>
-                  </a:txBody>
-                  <a:tcPr/>
-                </a:tc>
-              </a:tr>
-              <a:tr h="370840">
-                <a:tc>
-                  <a:txBody>
-                    <a:bodyPr/>
-                    <a:lstStyle/>
-                    <a:p>
-                      <a:endParaRPr lang="en-US" sz="2000" b="1" dirty="0"/>
-                    </a:p>
-                  </a:txBody>
-                  <a:tcPr/>
-                </a:tc>
-                <a:tc>
-                  <a:txBody>
-                    <a:bodyPr/>
-                    <a:lstStyle/>
-                    <a:p>
-                      <a:r>
-                        <a:rPr lang="en-CA" b="1" dirty="0" smtClean="0"/>
-                        <a:t>+ 0010</a:t>
-                      </a:r>
-                      <a:endParaRPr lang="en-US" b="1" dirty="0">
-                        <a:solidFill>
-                          <a:schemeClr val="tx1"/>
-                        </a:solidFill>
-                      </a:endParaRPr>
-                    </a:p>
-                  </a:txBody>
-                  <a:tcPr>
-                    <a:lnB w="12700" cap="flat" cmpd="sng" algn="ctr">
-                      <a:solidFill>
-                        <a:schemeClr val="tx1"/>
-                      </a:solidFill>
-                      <a:prstDash val="solid"/>
-                      <a:round/>
-                      <a:headEnd type="none" w="med" len="med"/>
-                      <a:tailEnd type="none" w="med" len="med"/>
-                    </a:lnB>
-                  </a:tcPr>
-                </a:tc>
-                <a:tc>
-                  <a:txBody>
-                    <a:bodyPr/>
-                    <a:lstStyle/>
-                    <a:p>
-                      <a:r>
-                        <a:rPr lang="en-CA" b="1" dirty="0" smtClean="0"/>
-                        <a:t>(decimal 2)</a:t>
-                      </a:r>
-                      <a:endParaRPr lang="en-US" b="1" dirty="0">
-                        <a:solidFill>
-                          <a:schemeClr val="tx1"/>
-                        </a:solidFill>
-                      </a:endParaRPr>
-                    </a:p>
-                  </a:txBody>
-                  <a:tcPr>
-                    <a:lnB w="12700" cap="flat" cmpd="sng" algn="ctr">
-                      <a:solidFill>
-                        <a:schemeClr val="tx1"/>
-                      </a:solidFill>
-                      <a:prstDash val="solid"/>
-                      <a:round/>
-                      <a:headEnd type="none" w="med" len="med"/>
-                      <a:tailEnd type="none" w="med" len="med"/>
-                    </a:lnB>
-                  </a:tcPr>
-                </a:tc>
-                <a:tc>
-                  <a:txBody>
-                    <a:bodyPr/>
-                    <a:lstStyle/>
-                    <a:p>
-                      <a:endParaRPr lang="en-US" dirty="0">
-                        <a:solidFill>
-                          <a:schemeClr val="tx1"/>
-                        </a:solidFill>
-                      </a:endParaRPr>
-                    </a:p>
-                  </a:txBody>
-                  <a:tcPr/>
-                </a:tc>
-                <a:tc>
-                  <a:txBody>
-                    <a:bodyPr/>
-                    <a:lstStyle/>
-                    <a:p>
-                      <a:endParaRPr lang="en-US" sz="2000" b="1" dirty="0">
-                        <a:solidFill>
-                          <a:schemeClr val="tx1"/>
-                        </a:solidFill>
-                      </a:endParaRPr>
-                    </a:p>
-                  </a:txBody>
-                  <a:tcPr/>
-                </a:tc>
-                <a:tc>
-                  <a:txBody>
-                    <a:bodyPr/>
-                    <a:lstStyle/>
-                    <a:p>
-                      <a:r>
-                        <a:rPr lang="en-CA" b="1" dirty="0" smtClean="0"/>
-                        <a:t>+ 1010</a:t>
-                      </a:r>
-                      <a:endParaRPr lang="en-US" b="1" dirty="0">
-                        <a:solidFill>
-                          <a:schemeClr val="tx1"/>
-                        </a:solidFill>
-                      </a:endParaRPr>
-                    </a:p>
-                  </a:txBody>
-                  <a:tcPr>
-                    <a:lnB w="12700" cap="flat" cmpd="sng" algn="ctr">
-                      <a:solidFill>
-                        <a:schemeClr val="tx1"/>
-                      </a:solidFill>
-                      <a:prstDash val="solid"/>
-                      <a:round/>
-                      <a:headEnd type="none" w="med" len="med"/>
-                      <a:tailEnd type="none" w="med" len="med"/>
-                    </a:lnB>
-                  </a:tcPr>
-                </a:tc>
-                <a:tc>
-                  <a:txBody>
-                    <a:bodyPr/>
-                    <a:lstStyle/>
-                    <a:p>
-                      <a:r>
-                        <a:rPr lang="en-CA" b="1" dirty="0" smtClean="0"/>
-                        <a:t>(decimal 10)</a:t>
-                      </a:r>
-                      <a:endParaRPr lang="en-US" b="1" dirty="0">
-                        <a:solidFill>
-                          <a:schemeClr val="tx1"/>
-                        </a:solidFill>
-                      </a:endParaRPr>
-                    </a:p>
-                  </a:txBody>
-                  <a:tcPr>
-                    <a:lnB w="12700" cap="flat" cmpd="sng" algn="ctr">
-                      <a:solidFill>
-                        <a:schemeClr val="tx1"/>
-                      </a:solidFill>
-                      <a:prstDash val="solid"/>
-                      <a:round/>
-                      <a:headEnd type="none" w="med" len="med"/>
-                      <a:tailEnd type="none" w="med" len="med"/>
-                    </a:lnB>
-                  </a:tcPr>
-                </a:tc>
-              </a:tr>
-              <a:tr h="370840">
-                <a:tc>
-                  <a:txBody>
-                    <a:bodyPr/>
-                    <a:lstStyle/>
-                    <a:p>
-                      <a:endParaRPr lang="en-US" dirty="0"/>
-                    </a:p>
-                  </a:txBody>
-                  <a:tcPr/>
-                </a:tc>
-                <a:tc>
-                  <a:txBody>
-                    <a:bodyPr/>
-                    <a:lstStyle/>
-                    <a:p>
-                      <a:r>
-                        <a:rPr lang="en-CA" b="1" dirty="0" smtClean="0">
-                          <a:solidFill>
-                            <a:schemeClr val="tx1"/>
-                          </a:solidFill>
-                        </a:rPr>
-                        <a:t>   </a:t>
-                      </a:r>
-                      <a:r>
-                        <a:rPr lang="en-CA" b="1" dirty="0" smtClean="0">
-                          <a:solidFill>
-                            <a:srgbClr val="FF0000"/>
-                          </a:solidFill>
-                        </a:rPr>
-                        <a:t>0111</a:t>
-                      </a:r>
-                      <a:endParaRPr lang="en-US" b="1" dirty="0">
-                        <a:solidFill>
-                          <a:srgbClr val="FF0000"/>
-                        </a:solidFill>
-                      </a:endParaRPr>
-                    </a:p>
-                  </a:txBody>
-                  <a:tcPr>
-                    <a:lnT w="12700" cap="flat" cmpd="sng" algn="ctr">
-                      <a:solidFill>
-                        <a:schemeClr val="tx1"/>
-                      </a:solidFill>
-                      <a:prstDash val="solid"/>
-                      <a:round/>
-                      <a:headEnd type="none" w="med" len="med"/>
-                      <a:tailEnd type="none" w="med" len="med"/>
-                    </a:lnT>
-                  </a:tcPr>
-                </a:tc>
-                <a:tc>
-                  <a:txBody>
-                    <a:bodyPr/>
-                    <a:lstStyle/>
-                    <a:p>
-                      <a:endParaRPr lang="en-US" b="1" dirty="0">
-                        <a:solidFill>
-                          <a:schemeClr val="tx1"/>
-                        </a:solidFill>
-                      </a:endParaRPr>
-                    </a:p>
-                  </a:txBody>
-                  <a:tcPr>
-                    <a:lnT w="12700" cap="flat" cmpd="sng" algn="ctr">
-                      <a:solidFill>
-                        <a:schemeClr val="tx1"/>
-                      </a:solidFill>
-                      <a:prstDash val="solid"/>
-                      <a:round/>
-                      <a:headEnd type="none" w="med" len="med"/>
-                      <a:tailEnd type="none" w="med" len="med"/>
-                    </a:lnT>
-                  </a:tcPr>
-                </a:tc>
-                <a:tc>
-                  <a:txBody>
-                    <a:bodyPr/>
-                    <a:lstStyle/>
-                    <a:p>
-                      <a:endParaRPr lang="en-US">
-                        <a:solidFill>
-                          <a:schemeClr val="tx1"/>
-                        </a:solidFill>
-                      </a:endParaRPr>
-                    </a:p>
-                  </a:txBody>
-                  <a:tcPr/>
-                </a:tc>
-                <a:tc>
-                  <a:txBody>
-                    <a:bodyPr/>
-                    <a:lstStyle/>
-                    <a:p>
-                      <a:endParaRPr lang="en-US">
-                        <a:solidFill>
-                          <a:schemeClr val="tx1"/>
-                        </a:solidFill>
-                      </a:endParaRPr>
-                    </a:p>
-                  </a:txBody>
-                  <a:tcPr/>
-                </a:tc>
-                <a:tc>
-                  <a:txBody>
-                    <a:bodyPr/>
-                    <a:lstStyle/>
-                    <a:p>
-                      <a:r>
-                        <a:rPr lang="en-CA" b="1" dirty="0" smtClean="0">
-                          <a:solidFill>
-                            <a:schemeClr val="tx1"/>
-                          </a:solidFill>
-                        </a:rPr>
-                        <a:t>   </a:t>
-                      </a:r>
-                      <a:r>
-                        <a:rPr lang="en-CA" b="1" dirty="0" smtClean="0">
-                          <a:solidFill>
-                            <a:srgbClr val="FF0000"/>
-                          </a:solidFill>
-                        </a:rPr>
-                        <a:t>1111</a:t>
-                      </a:r>
-                      <a:endParaRPr lang="en-US" b="1" dirty="0">
-                        <a:solidFill>
-                          <a:srgbClr val="FF0000"/>
-                        </a:solidFill>
-                      </a:endParaRPr>
-                    </a:p>
-                  </a:txBody>
-                  <a:tcPr>
-                    <a:lnT w="12700" cap="flat" cmpd="sng" algn="ctr">
-                      <a:solidFill>
-                        <a:schemeClr val="tx1"/>
-                      </a:solidFill>
-                      <a:prstDash val="solid"/>
-                      <a:round/>
-                      <a:headEnd type="none" w="med" len="med"/>
-                      <a:tailEnd type="none" w="med" len="med"/>
-                    </a:lnT>
-                  </a:tcPr>
-                </a:tc>
-                <a:tc>
-                  <a:txBody>
-                    <a:bodyPr/>
-                    <a:lstStyle/>
-                    <a:p>
-                      <a:endParaRPr lang="en-US" b="1" dirty="0">
-                        <a:solidFill>
-                          <a:schemeClr val="tx1"/>
-                        </a:solidFill>
-                      </a:endParaRPr>
-                    </a:p>
-                  </a:txBody>
-                  <a:tcPr>
-                    <a:lnT w="12700" cap="flat" cmpd="sng" algn="ctr">
-                      <a:solidFill>
-                        <a:schemeClr val="tx1"/>
-                      </a:solidFill>
-                      <a:prstDash val="solid"/>
-                      <a:round/>
-                      <a:headEnd type="none" w="med" len="med"/>
-                      <a:tailEnd type="none" w="med" len="med"/>
-                    </a:lnT>
-                  </a:tcPr>
-                </a:tc>
-              </a:tr>
-              <a:tr h="370840">
-                <a:tc>
-                  <a:txBody>
-                    <a:bodyPr/>
-                    <a:lstStyle/>
-                    <a:p>
-                      <a:endParaRPr lang="en-US"/>
-                    </a:p>
-                  </a:txBody>
-                  <a:tcPr/>
-                </a:tc>
-                <a:tc>
-                  <a:txBody>
-                    <a:bodyPr/>
-                    <a:lstStyle/>
-                    <a:p>
-                      <a:endParaRPr lang="en-US" b="1">
-                        <a:solidFill>
-                          <a:schemeClr val="tx1"/>
-                        </a:solidFill>
-                      </a:endParaRPr>
-                    </a:p>
-                  </a:txBody>
-                  <a:tcPr/>
-                </a:tc>
-                <a:tc>
-                  <a:txBody>
-                    <a:bodyPr/>
-                    <a:lstStyle/>
-                    <a:p>
-                      <a:endParaRPr lang="en-US" b="1" dirty="0">
-                        <a:solidFill>
-                          <a:schemeClr val="tx1"/>
-                        </a:solidFill>
-                      </a:endParaRPr>
-                    </a:p>
-                  </a:txBody>
-                  <a:tcPr/>
-                </a:tc>
-                <a:tc>
-                  <a:txBody>
-                    <a:bodyPr/>
-                    <a:lstStyle/>
-                    <a:p>
-                      <a:endParaRPr lang="en-US">
-                        <a:solidFill>
-                          <a:schemeClr val="tx1"/>
-                        </a:solidFill>
-                      </a:endParaRPr>
-                    </a:p>
-                  </a:txBody>
-                  <a:tcPr/>
-                </a:tc>
-                <a:tc>
-                  <a:txBody>
-                    <a:bodyPr/>
-                    <a:lstStyle/>
-                    <a:p>
-                      <a:endParaRPr lang="en-US">
-                        <a:solidFill>
-                          <a:schemeClr val="tx1"/>
-                        </a:solidFill>
-                      </a:endParaRPr>
-                    </a:p>
-                  </a:txBody>
-                  <a:tcPr/>
-                </a:tc>
-                <a:tc>
-                  <a:txBody>
-                    <a:bodyPr/>
-                    <a:lstStyle/>
-                    <a:p>
-                      <a:endParaRPr lang="en-US" b="1" dirty="0">
-                        <a:solidFill>
-                          <a:schemeClr val="tx1"/>
-                        </a:solidFill>
-                      </a:endParaRPr>
-                    </a:p>
-                  </a:txBody>
-                  <a:tcPr/>
-                </a:tc>
-                <a:tc>
-                  <a:txBody>
-                    <a:bodyPr/>
-                    <a:lstStyle/>
-                    <a:p>
-                      <a:endParaRPr lang="en-US" b="1" dirty="0">
-                        <a:solidFill>
-                          <a:schemeClr val="tx1"/>
-                        </a:solidFill>
-                      </a:endParaRPr>
-                    </a:p>
-                  </a:txBody>
-                  <a:tcPr/>
-                </a:tc>
-              </a:tr>
-              <a:tr h="370840">
-                <a:tc>
-                  <a:txBody>
-                    <a:bodyPr/>
-                    <a:lstStyle/>
-                    <a:p>
-                      <a:r>
-                        <a:rPr lang="en-CA" dirty="0" smtClean="0"/>
-                        <a:t>c)</a:t>
-                      </a:r>
-                      <a:endParaRPr lang="en-US" dirty="0"/>
-                    </a:p>
-                  </a:txBody>
-                  <a:tcPr/>
-                </a:tc>
-                <a:tc>
-                  <a:txBody>
-                    <a:bodyPr/>
-                    <a:lstStyle/>
-                    <a:p>
-                      <a:r>
-                        <a:rPr lang="en-CA" b="1" dirty="0" smtClean="0"/>
-                        <a:t>   0011</a:t>
-                      </a:r>
-                      <a:endParaRPr lang="en-US" b="1" dirty="0">
-                        <a:solidFill>
-                          <a:schemeClr val="tx1"/>
-                        </a:solidFill>
-                      </a:endParaRPr>
-                    </a:p>
-                  </a:txBody>
-                  <a:tcPr/>
-                </a:tc>
-                <a:tc>
-                  <a:txBody>
-                    <a:bodyPr/>
-                    <a:lstStyle/>
-                    <a:p>
-                      <a:r>
-                        <a:rPr lang="en-CA" b="1" dirty="0" smtClean="0"/>
-                        <a:t>(decimal 3)</a:t>
-                      </a:r>
-                      <a:endParaRPr lang="en-US" b="1" dirty="0">
-                        <a:solidFill>
-                          <a:schemeClr val="tx1"/>
-                        </a:solidFill>
-                      </a:endParaRPr>
-                    </a:p>
-                  </a:txBody>
-                  <a:tcPr/>
-                </a:tc>
-                <a:tc>
-                  <a:txBody>
-                    <a:bodyPr/>
-                    <a:lstStyle/>
-                    <a:p>
-                      <a:endParaRPr lang="en-US">
-                        <a:solidFill>
-                          <a:schemeClr val="tx1"/>
-                        </a:solidFill>
-                      </a:endParaRPr>
-                    </a:p>
-                  </a:txBody>
-                  <a:tcPr/>
-                </a:tc>
-                <a:tc>
-                  <a:txBody>
-                    <a:bodyPr/>
-                    <a:lstStyle/>
-                    <a:p>
-                      <a:r>
-                        <a:rPr lang="en-CA" dirty="0" smtClean="0">
-                          <a:solidFill>
-                            <a:schemeClr val="tx1"/>
-                          </a:solidFill>
-                        </a:rPr>
-                        <a:t>d)</a:t>
-                      </a:r>
-                      <a:endParaRPr lang="en-US" dirty="0">
-                        <a:solidFill>
-                          <a:schemeClr val="tx1"/>
-                        </a:solidFill>
-                      </a:endParaRPr>
-                    </a:p>
-                  </a:txBody>
-                  <a:tcPr/>
-                </a:tc>
-                <a:tc>
-                  <a:txBody>
-                    <a:bodyPr/>
-                    <a:lstStyle/>
-                    <a:p>
-                      <a:r>
-                        <a:rPr lang="en-CA" b="1" dirty="0" smtClean="0"/>
-                        <a:t>   0110</a:t>
-                      </a:r>
-                      <a:endParaRPr lang="en-US" b="1" dirty="0">
-                        <a:solidFill>
-                          <a:schemeClr val="tx1"/>
-                        </a:solidFill>
-                      </a:endParaRPr>
-                    </a:p>
-                  </a:txBody>
-                  <a:tcPr/>
-                </a:tc>
-                <a:tc>
-                  <a:txBody>
-                    <a:bodyPr/>
-                    <a:lstStyle/>
-                    <a:p>
-                      <a:r>
-                        <a:rPr lang="en-CA" b="1" dirty="0" smtClean="0"/>
-                        <a:t>(decimal 6)</a:t>
-                      </a:r>
-                      <a:endParaRPr lang="en-US" b="1" dirty="0">
-                        <a:solidFill>
-                          <a:schemeClr val="tx1"/>
-                        </a:solidFill>
-                      </a:endParaRPr>
-                    </a:p>
-                  </a:txBody>
-                  <a:tcPr/>
-                </a:tc>
-              </a:tr>
-              <a:tr h="370840">
-                <a:tc>
-                  <a:txBody>
-                    <a:bodyPr/>
-                    <a:lstStyle/>
-                    <a:p>
-                      <a:endParaRPr lang="en-US" sz="2000" b="1" dirty="0"/>
-                    </a:p>
-                  </a:txBody>
-                  <a:tcPr/>
-                </a:tc>
-                <a:tc>
-                  <a:txBody>
-                    <a:bodyPr/>
-                    <a:lstStyle/>
-                    <a:p>
-                      <a:r>
-                        <a:rPr lang="en-CA" b="1" dirty="0" smtClean="0"/>
-                        <a:t>+ 0010</a:t>
-                      </a:r>
-                      <a:endParaRPr lang="en-US" b="1" dirty="0">
-                        <a:solidFill>
-                          <a:schemeClr val="tx1"/>
-                        </a:solidFill>
-                      </a:endParaRPr>
-                    </a:p>
-                  </a:txBody>
-                  <a:tcPr>
-                    <a:lnB w="12700" cap="flat" cmpd="sng" algn="ctr">
-                      <a:solidFill>
-                        <a:schemeClr val="tx1"/>
-                      </a:solidFill>
-                      <a:prstDash val="solid"/>
-                      <a:round/>
-                      <a:headEnd type="none" w="med" len="med"/>
-                      <a:tailEnd type="none" w="med" len="med"/>
-                    </a:lnB>
-                  </a:tcPr>
-                </a:tc>
-                <a:tc>
-                  <a:txBody>
-                    <a:bodyPr/>
-                    <a:lstStyle/>
-                    <a:p>
-                      <a:r>
-                        <a:rPr lang="en-CA" b="1" dirty="0" smtClean="0"/>
-                        <a:t>(decimal 2)</a:t>
-                      </a:r>
-                      <a:endParaRPr lang="en-US" b="1" dirty="0">
-                        <a:solidFill>
-                          <a:schemeClr val="tx1"/>
-                        </a:solidFill>
-                      </a:endParaRPr>
-                    </a:p>
-                  </a:txBody>
-                  <a:tcPr>
-                    <a:lnB w="12700" cap="flat" cmpd="sng" algn="ctr">
-                      <a:solidFill>
-                        <a:schemeClr val="tx1"/>
-                      </a:solidFill>
-                      <a:prstDash val="solid"/>
-                      <a:round/>
-                      <a:headEnd type="none" w="med" len="med"/>
-                      <a:tailEnd type="none" w="med" len="med"/>
-                    </a:lnB>
-                  </a:tcPr>
-                </a:tc>
-                <a:tc>
-                  <a:txBody>
-                    <a:bodyPr/>
-                    <a:lstStyle/>
-                    <a:p>
-                      <a:endParaRPr lang="en-US" dirty="0">
-                        <a:solidFill>
-                          <a:schemeClr val="tx1"/>
-                        </a:solidFill>
-                      </a:endParaRPr>
-                    </a:p>
-                  </a:txBody>
-                  <a:tcPr/>
-                </a:tc>
-                <a:tc>
-                  <a:txBody>
-                    <a:bodyPr/>
-                    <a:lstStyle/>
-                    <a:p>
-                      <a:endParaRPr lang="en-US" sz="2000" b="1" dirty="0">
-                        <a:solidFill>
-                          <a:schemeClr val="tx1"/>
-                        </a:solidFill>
-                      </a:endParaRPr>
-                    </a:p>
-                  </a:txBody>
-                  <a:tcPr/>
-                </a:tc>
-                <a:tc>
-                  <a:txBody>
-                    <a:bodyPr/>
-                    <a:lstStyle/>
-                    <a:p>
-                      <a:r>
-                        <a:rPr lang="en-CA" b="1" dirty="0" smtClean="0"/>
-                        <a:t>+ 0011</a:t>
-                      </a:r>
-                      <a:endParaRPr lang="en-US" b="1" dirty="0">
-                        <a:solidFill>
-                          <a:schemeClr val="tx1"/>
-                        </a:solidFill>
-                      </a:endParaRPr>
-                    </a:p>
-                  </a:txBody>
-                  <a:tcPr>
-                    <a:lnB w="12700" cap="flat" cmpd="sng" algn="ctr">
-                      <a:solidFill>
-                        <a:schemeClr val="tx1"/>
-                      </a:solidFill>
-                      <a:prstDash val="solid"/>
-                      <a:round/>
-                      <a:headEnd type="none" w="med" len="med"/>
-                      <a:tailEnd type="none" w="med" len="med"/>
-                    </a:lnB>
-                  </a:tcPr>
-                </a:tc>
-                <a:tc>
-                  <a:txBody>
-                    <a:bodyPr/>
-                    <a:lstStyle/>
-                    <a:p>
-                      <a:r>
-                        <a:rPr lang="en-CA" b="1" dirty="0" smtClean="0"/>
-                        <a:t>(decimal 3)</a:t>
-                      </a:r>
-                      <a:endParaRPr lang="en-US" b="1" dirty="0">
-                        <a:solidFill>
-                          <a:schemeClr val="tx1"/>
-                        </a:solidFill>
-                      </a:endParaRPr>
-                    </a:p>
-                  </a:txBody>
-                  <a:tcPr>
-                    <a:lnB w="12700" cap="flat" cmpd="sng" algn="ctr">
-                      <a:solidFill>
-                        <a:schemeClr val="tx1"/>
-                      </a:solidFill>
-                      <a:prstDash val="solid"/>
-                      <a:round/>
-                      <a:headEnd type="none" w="med" len="med"/>
-                      <a:tailEnd type="none" w="med" len="med"/>
-                    </a:lnB>
-                  </a:tcPr>
-                </a:tc>
-              </a:tr>
-              <a:tr h="370840">
-                <a:tc>
-                  <a:txBody>
-                    <a:bodyPr/>
-                    <a:lstStyle/>
-                    <a:p>
-                      <a:endParaRPr lang="en-US"/>
-                    </a:p>
-                  </a:txBody>
-                  <a:tcPr/>
-                </a:tc>
-                <a:tc>
-                  <a:txBody>
-                    <a:bodyPr/>
-                    <a:lstStyle/>
-                    <a:p>
-                      <a:r>
-                        <a:rPr lang="en-CA" b="1" dirty="0" smtClean="0">
-                          <a:solidFill>
-                            <a:schemeClr val="tx1"/>
-                          </a:solidFill>
-                        </a:rPr>
-                        <a:t>   </a:t>
-                      </a:r>
-                      <a:r>
-                        <a:rPr lang="en-CA" b="1" dirty="0" smtClean="0">
-                          <a:solidFill>
-                            <a:srgbClr val="FF0000"/>
-                          </a:solidFill>
-                        </a:rPr>
-                        <a:t>0101</a:t>
-                      </a:r>
-                      <a:endParaRPr lang="en-US" b="1" dirty="0">
-                        <a:solidFill>
-                          <a:srgbClr val="FF0000"/>
-                        </a:solidFill>
-                      </a:endParaRPr>
-                    </a:p>
-                  </a:txBody>
-                  <a:tcPr>
-                    <a:lnT w="12700" cap="flat" cmpd="sng" algn="ctr">
-                      <a:solidFill>
-                        <a:schemeClr val="tx1"/>
-                      </a:solidFill>
-                      <a:prstDash val="solid"/>
-                      <a:round/>
-                      <a:headEnd type="none" w="med" len="med"/>
-                      <a:tailEnd type="none" w="med" len="med"/>
-                    </a:lnT>
-                  </a:tcPr>
-                </a:tc>
-                <a:tc>
-                  <a:txBody>
-                    <a:bodyPr/>
-                    <a:lstStyle/>
-                    <a:p>
-                      <a:endParaRPr lang="en-US" b="1">
-                        <a:solidFill>
-                          <a:schemeClr val="tx1"/>
-                        </a:solidFill>
-                      </a:endParaRPr>
-                    </a:p>
-                  </a:txBody>
-                  <a:tcPr>
-                    <a:lnT w="12700" cap="flat" cmpd="sng" algn="ctr">
-                      <a:solidFill>
-                        <a:schemeClr val="tx1"/>
-                      </a:solidFill>
-                      <a:prstDash val="solid"/>
-                      <a:round/>
-                      <a:headEnd type="none" w="med" len="med"/>
-                      <a:tailEnd type="none" w="med" len="med"/>
-                    </a:lnT>
-                  </a:tcPr>
-                </a:tc>
-                <a:tc>
-                  <a:txBody>
-                    <a:bodyPr/>
-                    <a:lstStyle/>
-                    <a:p>
-                      <a:endParaRPr lang="en-US" dirty="0">
-                        <a:solidFill>
-                          <a:schemeClr val="tx1"/>
-                        </a:solidFill>
-                      </a:endParaRPr>
-                    </a:p>
-                  </a:txBody>
-                  <a:tcPr/>
-                </a:tc>
-                <a:tc>
-                  <a:txBody>
-                    <a:bodyPr/>
-                    <a:lstStyle/>
-                    <a:p>
-                      <a:endParaRPr lang="en-US">
-                        <a:solidFill>
-                          <a:schemeClr val="tx1"/>
-                        </a:solidFill>
-                      </a:endParaRPr>
-                    </a:p>
-                  </a:txBody>
-                  <a:tcPr/>
-                </a:tc>
-                <a:tc>
-                  <a:txBody>
-                    <a:bodyPr/>
-                    <a:lstStyle/>
-                    <a:p>
-                      <a:r>
-                        <a:rPr lang="en-CA" b="1" dirty="0" smtClean="0">
-                          <a:solidFill>
-                            <a:schemeClr val="tx1"/>
-                          </a:solidFill>
-                        </a:rPr>
-                        <a:t>   </a:t>
-                      </a:r>
-                      <a:r>
-                        <a:rPr lang="en-CA" b="1" dirty="0" smtClean="0">
-                          <a:solidFill>
-                            <a:srgbClr val="FF0000"/>
-                          </a:solidFill>
-                        </a:rPr>
-                        <a:t>1001</a:t>
-                      </a:r>
-                      <a:endParaRPr lang="en-US" b="1" dirty="0">
-                        <a:solidFill>
-                          <a:srgbClr val="FF0000"/>
-                        </a:solidFill>
-                      </a:endParaRPr>
-                    </a:p>
-                  </a:txBody>
-                  <a:tcPr>
-                    <a:lnT w="12700" cap="flat" cmpd="sng" algn="ctr">
-                      <a:solidFill>
-                        <a:schemeClr val="tx1"/>
-                      </a:solidFill>
-                      <a:prstDash val="solid"/>
-                      <a:round/>
-                      <a:headEnd type="none" w="med" len="med"/>
-                      <a:tailEnd type="none" w="med" len="med"/>
-                    </a:lnT>
-                  </a:tcPr>
-                </a:tc>
-                <a:tc>
-                  <a:txBody>
-                    <a:bodyPr/>
-                    <a:lstStyle/>
-                    <a:p>
-                      <a:endParaRPr lang="en-US" b="1" dirty="0">
-                        <a:solidFill>
-                          <a:schemeClr val="tx1"/>
-                        </a:solidFill>
-                      </a:endParaRPr>
-                    </a:p>
-                  </a:txBody>
-                  <a:tcPr>
-                    <a:lnT w="12700" cap="flat" cmpd="sng" algn="ctr">
-                      <a:solidFill>
-                        <a:schemeClr val="tx1"/>
-                      </a:solidFill>
-                      <a:prstDash val="solid"/>
-                      <a:round/>
-                      <a:headEnd type="none" w="med" len="med"/>
-                      <a:tailEnd type="none" w="med" len="med"/>
-                    </a:lnT>
-                  </a:tcPr>
-                </a:tc>
-              </a:tr>
-            </a:tbl>
-          </a:graphicData>
-        </a:graphic>
-      </p:graphicFrame>
+              <a:t>Convert the following binary numbers to decimal:</a:t>
+            </a:r>
+          </a:p>
+          <a:p>
+            <a:pPr marL="514350" indent="-514350">
+              <a:buFont typeface="+mj-lt"/>
+              <a:buAutoNum type="alphaLcParenR"/>
+            </a:pPr>
+            <a:r>
+              <a:rPr lang="en-CA" dirty="0" smtClean="0"/>
+              <a:t>11 binary = </a:t>
+            </a:r>
+            <a:r>
+              <a:rPr lang="en-CA" dirty="0" smtClean="0">
+                <a:solidFill>
+                  <a:srgbClr val="FF0000"/>
+                </a:solidFill>
+              </a:rPr>
+              <a:t>3 decimal</a:t>
+            </a:r>
+          </a:p>
+          <a:p>
+            <a:pPr marL="514350" indent="-514350">
+              <a:buFont typeface="+mj-lt"/>
+              <a:buAutoNum type="alphaLcParenR"/>
+            </a:pPr>
+            <a:r>
+              <a:rPr lang="en-CA" dirty="0" smtClean="0"/>
+              <a:t>101 binary = </a:t>
+            </a:r>
+            <a:r>
+              <a:rPr lang="en-CA" dirty="0" smtClean="0">
+                <a:solidFill>
+                  <a:srgbClr val="FF0000"/>
+                </a:solidFill>
+              </a:rPr>
+              <a:t>5 </a:t>
+            </a:r>
+            <a:r>
+              <a:rPr lang="en-CA" dirty="0">
+                <a:solidFill>
+                  <a:srgbClr val="FF0000"/>
+                </a:solidFill>
+              </a:rPr>
+              <a:t>decimal</a:t>
+            </a:r>
+            <a:endParaRPr lang="en-CA" dirty="0" smtClean="0"/>
+          </a:p>
+          <a:p>
+            <a:pPr marL="514350" indent="-514350">
+              <a:buFont typeface="+mj-lt"/>
+              <a:buAutoNum type="alphaLcParenR"/>
+            </a:pPr>
+            <a:r>
+              <a:rPr lang="en-CA" dirty="0" smtClean="0"/>
+              <a:t>1010 binary = </a:t>
+            </a:r>
+            <a:r>
+              <a:rPr lang="en-CA" dirty="0" smtClean="0">
+                <a:solidFill>
+                  <a:srgbClr val="FF0000"/>
+                </a:solidFill>
+              </a:rPr>
+              <a:t>10 </a:t>
+            </a:r>
+            <a:r>
+              <a:rPr lang="en-CA" dirty="0">
+                <a:solidFill>
+                  <a:srgbClr val="FF0000"/>
+                </a:solidFill>
+              </a:rPr>
+              <a:t>decimal</a:t>
+            </a:r>
+            <a:endParaRPr lang="en-CA" dirty="0" smtClean="0"/>
+          </a:p>
+          <a:p>
+            <a:pPr marL="514350" indent="-514350">
+              <a:buFont typeface="+mj-lt"/>
+              <a:buAutoNum type="alphaLcParenR"/>
+            </a:pPr>
+            <a:endParaRPr lang="en-CA" dirty="0"/>
+          </a:p>
+          <a:p>
+            <a:pPr marL="0" indent="0">
+              <a:buNone/>
+            </a:pPr>
+            <a:r>
+              <a:rPr lang="en-CA" dirty="0"/>
+              <a:t>Convert the following </a:t>
+            </a:r>
+            <a:r>
+              <a:rPr lang="en-CA" dirty="0" smtClean="0"/>
+              <a:t>decimal numbers </a:t>
+            </a:r>
+            <a:r>
+              <a:rPr lang="en-CA" dirty="0"/>
+              <a:t>to </a:t>
+            </a:r>
+            <a:r>
+              <a:rPr lang="en-CA" dirty="0" smtClean="0"/>
+              <a:t>binary:</a:t>
+            </a:r>
+            <a:endParaRPr lang="en-CA" dirty="0"/>
+          </a:p>
+          <a:p>
+            <a:pPr marL="514350" indent="-514350">
+              <a:buFont typeface="+mj-lt"/>
+              <a:buAutoNum type="alphaLcParenR"/>
+            </a:pPr>
+            <a:r>
+              <a:rPr lang="en-CA" dirty="0" smtClean="0"/>
+              <a:t>6 decimal </a:t>
+            </a:r>
+            <a:r>
+              <a:rPr lang="en-CA" dirty="0"/>
+              <a:t>= </a:t>
+            </a:r>
+            <a:r>
+              <a:rPr lang="en-CA" dirty="0" smtClean="0">
+                <a:solidFill>
+                  <a:srgbClr val="FF0000"/>
+                </a:solidFill>
+              </a:rPr>
+              <a:t>110 binary</a:t>
+            </a:r>
+            <a:endParaRPr lang="en-CA" dirty="0"/>
+          </a:p>
+          <a:p>
+            <a:pPr marL="514350" indent="-514350">
+              <a:buFont typeface="+mj-lt"/>
+              <a:buAutoNum type="alphaLcParenR"/>
+            </a:pPr>
+            <a:r>
+              <a:rPr lang="en-CA" dirty="0" smtClean="0"/>
+              <a:t>13 decimal =</a:t>
+            </a:r>
+            <a:r>
+              <a:rPr lang="en-CA" dirty="0">
+                <a:solidFill>
+                  <a:srgbClr val="FF0000"/>
+                </a:solidFill>
+              </a:rPr>
+              <a:t> </a:t>
+            </a:r>
+            <a:r>
+              <a:rPr lang="en-CA" dirty="0" smtClean="0">
+                <a:solidFill>
+                  <a:srgbClr val="FF0000"/>
+                </a:solidFill>
+              </a:rPr>
+              <a:t>1101 </a:t>
+            </a:r>
+            <a:r>
+              <a:rPr lang="en-CA" dirty="0">
+                <a:solidFill>
+                  <a:srgbClr val="FF0000"/>
+                </a:solidFill>
+              </a:rPr>
+              <a:t>binary</a:t>
+            </a:r>
+            <a:endParaRPr lang="en-US" dirty="0"/>
+          </a:p>
+        </p:txBody>
+      </p:sp>
     </p:spTree>
     <p:extLst>
       <p:ext uri="{BB962C8B-B14F-4D97-AF65-F5344CB8AC3E}">
-        <p14:creationId xmlns:p14="http://schemas.microsoft.com/office/powerpoint/2010/main" val="3406115085"/>
+        <p14:creationId xmlns:p14="http://schemas.microsoft.com/office/powerpoint/2010/main" val="3686036962"/>
       </p:ext>
     </p:extLst>
   </p:cSld>
@@ -7368,7 +7700,11 @@
           <a:bodyPr/>
           <a:lstStyle/>
           <a:p>
-            <a:endParaRPr lang="en-US"/>
+            <a:r>
+              <a:rPr lang="en-CA" dirty="0" smtClean="0"/>
+              <a:t>Binary Addition</a:t>
+            </a:r>
+            <a:endParaRPr lang="en-US" dirty="0"/>
           </a:p>
         </p:txBody>
       </p:sp>
@@ -7384,58 +7720,989 @@
         </p:nvSpPr>
         <p:spPr/>
         <p:txBody>
-          <a:bodyPr/>
+          <a:bodyPr>
+            <a:normAutofit/>
+          </a:bodyPr>
           <a:lstStyle/>
           <a:p>
-            <a:endParaRPr lang="en-US"/>
-          </a:p>
-        </p:txBody>
-      </p:sp>
-      <p:pic>
-        <p:nvPicPr>
-          <p:cNvPr id="1026" name="Picture 2" descr="Image result for assembly code dump"/>
-          <p:cNvPicPr>
-            <a:picLocks noChangeAspect="1" noChangeArrowheads="1"/>
-          </p:cNvPicPr>
-          <p:nvPr/>
-        </p:nvPicPr>
-        <p:blipFill>
-          <a:blip r:embed="rId2">
-            <a:extLst>
-              <a:ext uri="{28A0092B-C50C-407E-A947-70E740481C1C}">
-                <a14:useLocalDpi xmlns:a14="http://schemas.microsoft.com/office/drawing/2010/main" val="0"/>
-              </a:ext>
-            </a:extLst>
-          </a:blip>
-          <a:srcRect/>
-          <a:stretch>
-            <a:fillRect/>
-          </a:stretch>
-        </p:blipFill>
-        <p:spPr bwMode="auto">
-          <a:xfrm>
-            <a:off x="146769" y="365126"/>
-            <a:ext cx="8593229" cy="6161405"/>
-          </a:xfrm>
-          <a:prstGeom prst="rect">
-            <a:avLst/>
-          </a:prstGeom>
-          <a:noFill/>
-          <a:extLst>
-            <a:ext uri="{909E8E84-426E-40DD-AFC4-6F175D3DCCD1}">
-              <a14:hiddenFill xmlns:a14="http://schemas.microsoft.com/office/drawing/2010/main">
-                <a:solidFill>
-                  <a:srgbClr val="FFFFFF"/>
-                </a:solidFill>
-              </a14:hiddenFill>
-            </a:ext>
-          </a:extLst>
-        </p:spPr>
-      </p:pic>
+            <a:pPr marL="0" indent="0">
+              <a:buNone/>
+            </a:pPr>
+            <a:r>
+              <a:rPr lang="en-CA" dirty="0" smtClean="0"/>
+              <a:t>Add the following binary numbers </a:t>
+            </a:r>
+            <a:br>
+              <a:rPr lang="en-CA" dirty="0" smtClean="0"/>
+            </a:br>
+            <a:r>
+              <a:rPr lang="en-CA" dirty="0" smtClean="0"/>
+              <a:t>(verify your answers using decimal)</a:t>
+            </a:r>
+          </a:p>
+        </p:txBody>
+      </p:sp>
+      <p:graphicFrame>
+        <p:nvGraphicFramePr>
+          <p:cNvPr id="4" name="Table 3"/>
+          <p:cNvGraphicFramePr>
+            <a:graphicFrameLocks noGrp="1"/>
+          </p:cNvGraphicFramePr>
+          <p:nvPr>
+            <p:extLst>
+              <p:ext uri="{D42A27DB-BD31-4B8C-83A1-F6EECF244321}">
+                <p14:modId xmlns:p14="http://schemas.microsoft.com/office/powerpoint/2010/main" val="1614846773"/>
+              </p:ext>
+            </p:extLst>
+          </p:nvPr>
+        </p:nvGraphicFramePr>
+        <p:xfrm>
+          <a:off x="744068" y="3131671"/>
+          <a:ext cx="7216590" cy="2646680"/>
+        </p:xfrm>
+        <a:graphic>
+          <a:graphicData uri="http://schemas.openxmlformats.org/drawingml/2006/table">
+            <a:tbl>
+              <a:tblPr firstRow="1" bandRow="1">
+                <a:tableStyleId>{2D5ABB26-0587-4C30-8999-92F81FD0307C}</a:tableStyleId>
+              </a:tblPr>
+              <a:tblGrid>
+                <a:gridCol w="398932"/>
+                <a:gridCol w="1187645"/>
+                <a:gridCol w="1506248"/>
+                <a:gridCol w="506507"/>
+                <a:gridCol w="468630"/>
+                <a:gridCol w="1086897"/>
+                <a:gridCol w="2061731"/>
+              </a:tblGrid>
+              <a:tr h="370840">
+                <a:tc>
+                  <a:txBody>
+                    <a:bodyPr/>
+                    <a:lstStyle/>
+                    <a:p>
+                      <a:r>
+                        <a:rPr lang="en-CA" dirty="0" smtClean="0"/>
+                        <a:t>a)</a:t>
+                      </a:r>
+                      <a:endParaRPr lang="en-US" dirty="0"/>
+                    </a:p>
+                  </a:txBody>
+                  <a:tcPr/>
+                </a:tc>
+                <a:tc>
+                  <a:txBody>
+                    <a:bodyPr/>
+                    <a:lstStyle/>
+                    <a:p>
+                      <a:r>
+                        <a:rPr lang="en-CA" b="1" dirty="0" smtClean="0"/>
+                        <a:t>   0101</a:t>
+                      </a:r>
+                      <a:endParaRPr lang="en-US" b="1" dirty="0">
+                        <a:solidFill>
+                          <a:schemeClr val="tx1"/>
+                        </a:solidFill>
+                      </a:endParaRPr>
+                    </a:p>
+                  </a:txBody>
+                  <a:tcPr/>
+                </a:tc>
+                <a:tc>
+                  <a:txBody>
+                    <a:bodyPr/>
+                    <a:lstStyle/>
+                    <a:p>
+                      <a:r>
+                        <a:rPr lang="en-CA" b="1" dirty="0" smtClean="0"/>
+                        <a:t>(decimal 5)</a:t>
+                      </a:r>
+                      <a:endParaRPr lang="en-US" b="1" dirty="0">
+                        <a:solidFill>
+                          <a:schemeClr val="tx1"/>
+                        </a:solidFill>
+                      </a:endParaRPr>
+                    </a:p>
+                  </a:txBody>
+                  <a:tcPr/>
+                </a:tc>
+                <a:tc>
+                  <a:txBody>
+                    <a:bodyPr/>
+                    <a:lstStyle/>
+                    <a:p>
+                      <a:endParaRPr lang="en-US">
+                        <a:solidFill>
+                          <a:schemeClr val="tx1"/>
+                        </a:solidFill>
+                      </a:endParaRPr>
+                    </a:p>
+                  </a:txBody>
+                  <a:tcPr/>
+                </a:tc>
+                <a:tc>
+                  <a:txBody>
+                    <a:bodyPr/>
+                    <a:lstStyle/>
+                    <a:p>
+                      <a:r>
+                        <a:rPr lang="en-CA" dirty="0" smtClean="0">
+                          <a:solidFill>
+                            <a:schemeClr val="tx1"/>
+                          </a:solidFill>
+                        </a:rPr>
+                        <a:t>b)</a:t>
+                      </a:r>
+                      <a:endParaRPr lang="en-US" dirty="0">
+                        <a:solidFill>
+                          <a:schemeClr val="tx1"/>
+                        </a:solidFill>
+                      </a:endParaRPr>
+                    </a:p>
+                  </a:txBody>
+                  <a:tcPr/>
+                </a:tc>
+                <a:tc>
+                  <a:txBody>
+                    <a:bodyPr/>
+                    <a:lstStyle/>
+                    <a:p>
+                      <a:r>
+                        <a:rPr lang="en-CA" b="1" dirty="0" smtClean="0"/>
+                        <a:t>   0101</a:t>
+                      </a:r>
+                      <a:endParaRPr lang="en-US" b="1" dirty="0">
+                        <a:solidFill>
+                          <a:schemeClr val="tx1"/>
+                        </a:solidFill>
+                      </a:endParaRPr>
+                    </a:p>
+                  </a:txBody>
+                  <a:tcPr/>
+                </a:tc>
+                <a:tc>
+                  <a:txBody>
+                    <a:bodyPr/>
+                    <a:lstStyle/>
+                    <a:p>
+                      <a:r>
+                        <a:rPr lang="en-CA" b="1" dirty="0" smtClean="0"/>
+                        <a:t>(decimal 5)</a:t>
+                      </a:r>
+                      <a:endParaRPr lang="en-US" b="1" dirty="0">
+                        <a:solidFill>
+                          <a:schemeClr val="tx1"/>
+                        </a:solidFill>
+                      </a:endParaRPr>
+                    </a:p>
+                  </a:txBody>
+                  <a:tcPr/>
+                </a:tc>
+              </a:tr>
+              <a:tr h="370840">
+                <a:tc>
+                  <a:txBody>
+                    <a:bodyPr/>
+                    <a:lstStyle/>
+                    <a:p>
+                      <a:endParaRPr lang="en-US" sz="2000" b="1" dirty="0"/>
+                    </a:p>
+                  </a:txBody>
+                  <a:tcPr/>
+                </a:tc>
+                <a:tc>
+                  <a:txBody>
+                    <a:bodyPr/>
+                    <a:lstStyle/>
+                    <a:p>
+                      <a:r>
+                        <a:rPr lang="en-CA" b="1" dirty="0" smtClean="0"/>
+                        <a:t>+ 0010</a:t>
+                      </a:r>
+                      <a:endParaRPr lang="en-US" b="1" dirty="0">
+                        <a:solidFill>
+                          <a:schemeClr val="tx1"/>
+                        </a:solidFill>
+                      </a:endParaRPr>
+                    </a:p>
+                  </a:txBody>
+                  <a:tcPr>
+                    <a:lnB w="12700" cap="flat" cmpd="sng" algn="ctr">
+                      <a:solidFill>
+                        <a:schemeClr val="tx1"/>
+                      </a:solidFill>
+                      <a:prstDash val="solid"/>
+                      <a:round/>
+                      <a:headEnd type="none" w="med" len="med"/>
+                      <a:tailEnd type="none" w="med" len="med"/>
+                    </a:lnB>
+                  </a:tcPr>
+                </a:tc>
+                <a:tc>
+                  <a:txBody>
+                    <a:bodyPr/>
+                    <a:lstStyle/>
+                    <a:p>
+                      <a:r>
+                        <a:rPr lang="en-CA" b="1" dirty="0" smtClean="0"/>
+                        <a:t>(decimal 2)</a:t>
+                      </a:r>
+                      <a:endParaRPr lang="en-US" b="1" dirty="0">
+                        <a:solidFill>
+                          <a:schemeClr val="tx1"/>
+                        </a:solidFill>
+                      </a:endParaRPr>
+                    </a:p>
+                  </a:txBody>
+                  <a:tcPr>
+                    <a:lnB w="12700" cap="flat" cmpd="sng" algn="ctr">
+                      <a:solidFill>
+                        <a:schemeClr val="tx1"/>
+                      </a:solidFill>
+                      <a:prstDash val="solid"/>
+                      <a:round/>
+                      <a:headEnd type="none" w="med" len="med"/>
+                      <a:tailEnd type="none" w="med" len="med"/>
+                    </a:lnB>
+                  </a:tcPr>
+                </a:tc>
+                <a:tc>
+                  <a:txBody>
+                    <a:bodyPr/>
+                    <a:lstStyle/>
+                    <a:p>
+                      <a:endParaRPr lang="en-US" dirty="0">
+                        <a:solidFill>
+                          <a:schemeClr val="tx1"/>
+                        </a:solidFill>
+                      </a:endParaRPr>
+                    </a:p>
+                  </a:txBody>
+                  <a:tcPr/>
+                </a:tc>
+                <a:tc>
+                  <a:txBody>
+                    <a:bodyPr/>
+                    <a:lstStyle/>
+                    <a:p>
+                      <a:endParaRPr lang="en-US" sz="2000" b="1" dirty="0">
+                        <a:solidFill>
+                          <a:schemeClr val="tx1"/>
+                        </a:solidFill>
+                      </a:endParaRPr>
+                    </a:p>
+                  </a:txBody>
+                  <a:tcPr/>
+                </a:tc>
+                <a:tc>
+                  <a:txBody>
+                    <a:bodyPr/>
+                    <a:lstStyle/>
+                    <a:p>
+                      <a:r>
+                        <a:rPr lang="en-CA" b="1" dirty="0" smtClean="0"/>
+                        <a:t>+ 1010</a:t>
+                      </a:r>
+                      <a:endParaRPr lang="en-US" b="1" dirty="0">
+                        <a:solidFill>
+                          <a:schemeClr val="tx1"/>
+                        </a:solidFill>
+                      </a:endParaRPr>
+                    </a:p>
+                  </a:txBody>
+                  <a:tcPr>
+                    <a:lnB w="12700" cap="flat" cmpd="sng" algn="ctr">
+                      <a:solidFill>
+                        <a:schemeClr val="tx1"/>
+                      </a:solidFill>
+                      <a:prstDash val="solid"/>
+                      <a:round/>
+                      <a:headEnd type="none" w="med" len="med"/>
+                      <a:tailEnd type="none" w="med" len="med"/>
+                    </a:lnB>
+                  </a:tcPr>
+                </a:tc>
+                <a:tc>
+                  <a:txBody>
+                    <a:bodyPr/>
+                    <a:lstStyle/>
+                    <a:p>
+                      <a:r>
+                        <a:rPr lang="en-CA" b="1" dirty="0" smtClean="0"/>
+                        <a:t>(decimal 10)</a:t>
+                      </a:r>
+                      <a:endParaRPr lang="en-US" b="1" dirty="0">
+                        <a:solidFill>
+                          <a:schemeClr val="tx1"/>
+                        </a:solidFill>
+                      </a:endParaRPr>
+                    </a:p>
+                  </a:txBody>
+                  <a:tcPr>
+                    <a:lnB w="12700" cap="flat" cmpd="sng" algn="ctr">
+                      <a:solidFill>
+                        <a:schemeClr val="tx1"/>
+                      </a:solidFill>
+                      <a:prstDash val="solid"/>
+                      <a:round/>
+                      <a:headEnd type="none" w="med" len="med"/>
+                      <a:tailEnd type="none" w="med" len="med"/>
+                    </a:lnB>
+                  </a:tcPr>
+                </a:tc>
+              </a:tr>
+              <a:tr h="370840">
+                <a:tc>
+                  <a:txBody>
+                    <a:bodyPr/>
+                    <a:lstStyle/>
+                    <a:p>
+                      <a:endParaRPr lang="en-US" dirty="0"/>
+                    </a:p>
+                  </a:txBody>
+                  <a:tcPr/>
+                </a:tc>
+                <a:tc>
+                  <a:txBody>
+                    <a:bodyPr/>
+                    <a:lstStyle/>
+                    <a:p>
+                      <a:endParaRPr lang="en-US" b="1" dirty="0">
+                        <a:solidFill>
+                          <a:schemeClr val="tx1"/>
+                        </a:solidFill>
+                      </a:endParaRPr>
+                    </a:p>
+                  </a:txBody>
+                  <a:tcPr>
+                    <a:lnT w="12700" cap="flat" cmpd="sng" algn="ctr">
+                      <a:solidFill>
+                        <a:schemeClr val="tx1"/>
+                      </a:solidFill>
+                      <a:prstDash val="solid"/>
+                      <a:round/>
+                      <a:headEnd type="none" w="med" len="med"/>
+                      <a:tailEnd type="none" w="med" len="med"/>
+                    </a:lnT>
+                  </a:tcPr>
+                </a:tc>
+                <a:tc>
+                  <a:txBody>
+                    <a:bodyPr/>
+                    <a:lstStyle/>
+                    <a:p>
+                      <a:endParaRPr lang="en-US" b="1" dirty="0">
+                        <a:solidFill>
+                          <a:schemeClr val="tx1"/>
+                        </a:solidFill>
+                      </a:endParaRPr>
+                    </a:p>
+                  </a:txBody>
+                  <a:tcPr>
+                    <a:lnT w="12700" cap="flat" cmpd="sng" algn="ctr">
+                      <a:solidFill>
+                        <a:schemeClr val="tx1"/>
+                      </a:solidFill>
+                      <a:prstDash val="solid"/>
+                      <a:round/>
+                      <a:headEnd type="none" w="med" len="med"/>
+                      <a:tailEnd type="none" w="med" len="med"/>
+                    </a:lnT>
+                  </a:tcPr>
+                </a:tc>
+                <a:tc>
+                  <a:txBody>
+                    <a:bodyPr/>
+                    <a:lstStyle/>
+                    <a:p>
+                      <a:endParaRPr lang="en-US">
+                        <a:solidFill>
+                          <a:schemeClr val="tx1"/>
+                        </a:solidFill>
+                      </a:endParaRPr>
+                    </a:p>
+                  </a:txBody>
+                  <a:tcPr/>
+                </a:tc>
+                <a:tc>
+                  <a:txBody>
+                    <a:bodyPr/>
+                    <a:lstStyle/>
+                    <a:p>
+                      <a:endParaRPr lang="en-US">
+                        <a:solidFill>
+                          <a:schemeClr val="tx1"/>
+                        </a:solidFill>
+                      </a:endParaRPr>
+                    </a:p>
+                  </a:txBody>
+                  <a:tcPr/>
+                </a:tc>
+                <a:tc>
+                  <a:txBody>
+                    <a:bodyPr/>
+                    <a:lstStyle/>
+                    <a:p>
+                      <a:endParaRPr lang="en-US" b="1" dirty="0">
+                        <a:solidFill>
+                          <a:schemeClr val="tx1"/>
+                        </a:solidFill>
+                      </a:endParaRPr>
+                    </a:p>
+                  </a:txBody>
+                  <a:tcPr>
+                    <a:lnT w="12700" cap="flat" cmpd="sng" algn="ctr">
+                      <a:solidFill>
+                        <a:schemeClr val="tx1"/>
+                      </a:solidFill>
+                      <a:prstDash val="solid"/>
+                      <a:round/>
+                      <a:headEnd type="none" w="med" len="med"/>
+                      <a:tailEnd type="none" w="med" len="med"/>
+                    </a:lnT>
+                  </a:tcPr>
+                </a:tc>
+                <a:tc>
+                  <a:txBody>
+                    <a:bodyPr/>
+                    <a:lstStyle/>
+                    <a:p>
+                      <a:endParaRPr lang="en-US" b="1" dirty="0">
+                        <a:solidFill>
+                          <a:schemeClr val="tx1"/>
+                        </a:solidFill>
+                      </a:endParaRPr>
+                    </a:p>
+                  </a:txBody>
+                  <a:tcPr>
+                    <a:lnT w="12700" cap="flat" cmpd="sng" algn="ctr">
+                      <a:solidFill>
+                        <a:schemeClr val="tx1"/>
+                      </a:solidFill>
+                      <a:prstDash val="solid"/>
+                      <a:round/>
+                      <a:headEnd type="none" w="med" len="med"/>
+                      <a:tailEnd type="none" w="med" len="med"/>
+                    </a:lnT>
+                  </a:tcPr>
+                </a:tc>
+              </a:tr>
+              <a:tr h="370840">
+                <a:tc>
+                  <a:txBody>
+                    <a:bodyPr/>
+                    <a:lstStyle/>
+                    <a:p>
+                      <a:endParaRPr lang="en-US"/>
+                    </a:p>
+                  </a:txBody>
+                  <a:tcPr/>
+                </a:tc>
+                <a:tc>
+                  <a:txBody>
+                    <a:bodyPr/>
+                    <a:lstStyle/>
+                    <a:p>
+                      <a:endParaRPr lang="en-US" b="1">
+                        <a:solidFill>
+                          <a:schemeClr val="tx1"/>
+                        </a:solidFill>
+                      </a:endParaRPr>
+                    </a:p>
+                  </a:txBody>
+                  <a:tcPr/>
+                </a:tc>
+                <a:tc>
+                  <a:txBody>
+                    <a:bodyPr/>
+                    <a:lstStyle/>
+                    <a:p>
+                      <a:endParaRPr lang="en-US" b="1" dirty="0">
+                        <a:solidFill>
+                          <a:schemeClr val="tx1"/>
+                        </a:solidFill>
+                      </a:endParaRPr>
+                    </a:p>
+                  </a:txBody>
+                  <a:tcPr/>
+                </a:tc>
+                <a:tc>
+                  <a:txBody>
+                    <a:bodyPr/>
+                    <a:lstStyle/>
+                    <a:p>
+                      <a:endParaRPr lang="en-US">
+                        <a:solidFill>
+                          <a:schemeClr val="tx1"/>
+                        </a:solidFill>
+                      </a:endParaRPr>
+                    </a:p>
+                  </a:txBody>
+                  <a:tcPr/>
+                </a:tc>
+                <a:tc>
+                  <a:txBody>
+                    <a:bodyPr/>
+                    <a:lstStyle/>
+                    <a:p>
+                      <a:endParaRPr lang="en-US">
+                        <a:solidFill>
+                          <a:schemeClr val="tx1"/>
+                        </a:solidFill>
+                      </a:endParaRPr>
+                    </a:p>
+                  </a:txBody>
+                  <a:tcPr/>
+                </a:tc>
+                <a:tc>
+                  <a:txBody>
+                    <a:bodyPr/>
+                    <a:lstStyle/>
+                    <a:p>
+                      <a:endParaRPr lang="en-US" b="1" dirty="0">
+                        <a:solidFill>
+                          <a:schemeClr val="tx1"/>
+                        </a:solidFill>
+                      </a:endParaRPr>
+                    </a:p>
+                  </a:txBody>
+                  <a:tcPr/>
+                </a:tc>
+                <a:tc>
+                  <a:txBody>
+                    <a:bodyPr/>
+                    <a:lstStyle/>
+                    <a:p>
+                      <a:endParaRPr lang="en-US" b="1" dirty="0">
+                        <a:solidFill>
+                          <a:schemeClr val="tx1"/>
+                        </a:solidFill>
+                      </a:endParaRPr>
+                    </a:p>
+                  </a:txBody>
+                  <a:tcPr/>
+                </a:tc>
+              </a:tr>
+              <a:tr h="370840">
+                <a:tc>
+                  <a:txBody>
+                    <a:bodyPr/>
+                    <a:lstStyle/>
+                    <a:p>
+                      <a:r>
+                        <a:rPr lang="en-CA" dirty="0" smtClean="0"/>
+                        <a:t>c)</a:t>
+                      </a:r>
+                      <a:endParaRPr lang="en-US" dirty="0"/>
+                    </a:p>
+                  </a:txBody>
+                  <a:tcPr/>
+                </a:tc>
+                <a:tc>
+                  <a:txBody>
+                    <a:bodyPr/>
+                    <a:lstStyle/>
+                    <a:p>
+                      <a:r>
+                        <a:rPr lang="en-CA" b="1" dirty="0" smtClean="0"/>
+                        <a:t>   0011</a:t>
+                      </a:r>
+                      <a:endParaRPr lang="en-US" b="1" dirty="0">
+                        <a:solidFill>
+                          <a:schemeClr val="tx1"/>
+                        </a:solidFill>
+                      </a:endParaRPr>
+                    </a:p>
+                  </a:txBody>
+                  <a:tcPr/>
+                </a:tc>
+                <a:tc>
+                  <a:txBody>
+                    <a:bodyPr/>
+                    <a:lstStyle/>
+                    <a:p>
+                      <a:r>
+                        <a:rPr lang="en-CA" b="1" dirty="0" smtClean="0"/>
+                        <a:t>(decimal 3)</a:t>
+                      </a:r>
+                      <a:endParaRPr lang="en-US" b="1" dirty="0">
+                        <a:solidFill>
+                          <a:schemeClr val="tx1"/>
+                        </a:solidFill>
+                      </a:endParaRPr>
+                    </a:p>
+                  </a:txBody>
+                  <a:tcPr/>
+                </a:tc>
+                <a:tc>
+                  <a:txBody>
+                    <a:bodyPr/>
+                    <a:lstStyle/>
+                    <a:p>
+                      <a:endParaRPr lang="en-US">
+                        <a:solidFill>
+                          <a:schemeClr val="tx1"/>
+                        </a:solidFill>
+                      </a:endParaRPr>
+                    </a:p>
+                  </a:txBody>
+                  <a:tcPr/>
+                </a:tc>
+                <a:tc>
+                  <a:txBody>
+                    <a:bodyPr/>
+                    <a:lstStyle/>
+                    <a:p>
+                      <a:r>
+                        <a:rPr lang="en-CA" dirty="0" smtClean="0">
+                          <a:solidFill>
+                            <a:schemeClr val="tx1"/>
+                          </a:solidFill>
+                        </a:rPr>
+                        <a:t>d)</a:t>
+                      </a:r>
+                      <a:endParaRPr lang="en-US" dirty="0">
+                        <a:solidFill>
+                          <a:schemeClr val="tx1"/>
+                        </a:solidFill>
+                      </a:endParaRPr>
+                    </a:p>
+                  </a:txBody>
+                  <a:tcPr/>
+                </a:tc>
+                <a:tc>
+                  <a:txBody>
+                    <a:bodyPr/>
+                    <a:lstStyle/>
+                    <a:p>
+                      <a:r>
+                        <a:rPr lang="en-CA" b="1" dirty="0" smtClean="0"/>
+                        <a:t>   0110</a:t>
+                      </a:r>
+                      <a:endParaRPr lang="en-US" b="1" dirty="0">
+                        <a:solidFill>
+                          <a:schemeClr val="tx1"/>
+                        </a:solidFill>
+                      </a:endParaRPr>
+                    </a:p>
+                  </a:txBody>
+                  <a:tcPr/>
+                </a:tc>
+                <a:tc>
+                  <a:txBody>
+                    <a:bodyPr/>
+                    <a:lstStyle/>
+                    <a:p>
+                      <a:r>
+                        <a:rPr lang="en-CA" b="1" dirty="0" smtClean="0"/>
+                        <a:t>(decimal 6)</a:t>
+                      </a:r>
+                      <a:endParaRPr lang="en-US" b="1" dirty="0">
+                        <a:solidFill>
+                          <a:schemeClr val="tx1"/>
+                        </a:solidFill>
+                      </a:endParaRPr>
+                    </a:p>
+                  </a:txBody>
+                  <a:tcPr/>
+                </a:tc>
+              </a:tr>
+              <a:tr h="370840">
+                <a:tc>
+                  <a:txBody>
+                    <a:bodyPr/>
+                    <a:lstStyle/>
+                    <a:p>
+                      <a:endParaRPr lang="en-US" sz="2000" b="1" dirty="0"/>
+                    </a:p>
+                  </a:txBody>
+                  <a:tcPr/>
+                </a:tc>
+                <a:tc>
+                  <a:txBody>
+                    <a:bodyPr/>
+                    <a:lstStyle/>
+                    <a:p>
+                      <a:r>
+                        <a:rPr lang="en-CA" b="1" dirty="0" smtClean="0"/>
+                        <a:t>+ 0010</a:t>
+                      </a:r>
+                      <a:endParaRPr lang="en-US" b="1" dirty="0">
+                        <a:solidFill>
+                          <a:schemeClr val="tx1"/>
+                        </a:solidFill>
+                      </a:endParaRPr>
+                    </a:p>
+                  </a:txBody>
+                  <a:tcPr>
+                    <a:lnB w="12700" cap="flat" cmpd="sng" algn="ctr">
+                      <a:solidFill>
+                        <a:schemeClr val="tx1"/>
+                      </a:solidFill>
+                      <a:prstDash val="solid"/>
+                      <a:round/>
+                      <a:headEnd type="none" w="med" len="med"/>
+                      <a:tailEnd type="none" w="med" len="med"/>
+                    </a:lnB>
+                  </a:tcPr>
+                </a:tc>
+                <a:tc>
+                  <a:txBody>
+                    <a:bodyPr/>
+                    <a:lstStyle/>
+                    <a:p>
+                      <a:r>
+                        <a:rPr lang="en-CA" b="1" dirty="0" smtClean="0"/>
+                        <a:t>(decimal 2)</a:t>
+                      </a:r>
+                      <a:endParaRPr lang="en-US" b="1" dirty="0">
+                        <a:solidFill>
+                          <a:schemeClr val="tx1"/>
+                        </a:solidFill>
+                      </a:endParaRPr>
+                    </a:p>
+                  </a:txBody>
+                  <a:tcPr>
+                    <a:lnB w="12700" cap="flat" cmpd="sng" algn="ctr">
+                      <a:solidFill>
+                        <a:schemeClr val="tx1"/>
+                      </a:solidFill>
+                      <a:prstDash val="solid"/>
+                      <a:round/>
+                      <a:headEnd type="none" w="med" len="med"/>
+                      <a:tailEnd type="none" w="med" len="med"/>
+                    </a:lnB>
+                  </a:tcPr>
+                </a:tc>
+                <a:tc>
+                  <a:txBody>
+                    <a:bodyPr/>
+                    <a:lstStyle/>
+                    <a:p>
+                      <a:endParaRPr lang="en-US" dirty="0">
+                        <a:solidFill>
+                          <a:schemeClr val="tx1"/>
+                        </a:solidFill>
+                      </a:endParaRPr>
+                    </a:p>
+                  </a:txBody>
+                  <a:tcPr/>
+                </a:tc>
+                <a:tc>
+                  <a:txBody>
+                    <a:bodyPr/>
+                    <a:lstStyle/>
+                    <a:p>
+                      <a:endParaRPr lang="en-US" sz="2000" b="1" dirty="0">
+                        <a:solidFill>
+                          <a:schemeClr val="tx1"/>
+                        </a:solidFill>
+                      </a:endParaRPr>
+                    </a:p>
+                  </a:txBody>
+                  <a:tcPr/>
+                </a:tc>
+                <a:tc>
+                  <a:txBody>
+                    <a:bodyPr/>
+                    <a:lstStyle/>
+                    <a:p>
+                      <a:r>
+                        <a:rPr lang="en-CA" b="1" dirty="0" smtClean="0"/>
+                        <a:t>+ 0011</a:t>
+                      </a:r>
+                      <a:endParaRPr lang="en-US" b="1" dirty="0">
+                        <a:solidFill>
+                          <a:schemeClr val="tx1"/>
+                        </a:solidFill>
+                      </a:endParaRPr>
+                    </a:p>
+                  </a:txBody>
+                  <a:tcPr>
+                    <a:lnB w="12700" cap="flat" cmpd="sng" algn="ctr">
+                      <a:solidFill>
+                        <a:schemeClr val="tx1"/>
+                      </a:solidFill>
+                      <a:prstDash val="solid"/>
+                      <a:round/>
+                      <a:headEnd type="none" w="med" len="med"/>
+                      <a:tailEnd type="none" w="med" len="med"/>
+                    </a:lnB>
+                  </a:tcPr>
+                </a:tc>
+                <a:tc>
+                  <a:txBody>
+                    <a:bodyPr/>
+                    <a:lstStyle/>
+                    <a:p>
+                      <a:r>
+                        <a:rPr lang="en-CA" b="1" dirty="0" smtClean="0"/>
+                        <a:t>(decimal 3)</a:t>
+                      </a:r>
+                      <a:endParaRPr lang="en-US" b="1" dirty="0">
+                        <a:solidFill>
+                          <a:schemeClr val="tx1"/>
+                        </a:solidFill>
+                      </a:endParaRPr>
+                    </a:p>
+                  </a:txBody>
+                  <a:tcPr>
+                    <a:lnB w="12700" cap="flat" cmpd="sng" algn="ctr">
+                      <a:solidFill>
+                        <a:schemeClr val="tx1"/>
+                      </a:solidFill>
+                      <a:prstDash val="solid"/>
+                      <a:round/>
+                      <a:headEnd type="none" w="med" len="med"/>
+                      <a:tailEnd type="none" w="med" len="med"/>
+                    </a:lnB>
+                  </a:tcPr>
+                </a:tc>
+              </a:tr>
+              <a:tr h="370840">
+                <a:tc>
+                  <a:txBody>
+                    <a:bodyPr/>
+                    <a:lstStyle/>
+                    <a:p>
+                      <a:endParaRPr lang="en-US"/>
+                    </a:p>
+                  </a:txBody>
+                  <a:tcPr/>
+                </a:tc>
+                <a:tc>
+                  <a:txBody>
+                    <a:bodyPr/>
+                    <a:lstStyle/>
+                    <a:p>
+                      <a:endParaRPr lang="en-US" b="1">
+                        <a:solidFill>
+                          <a:schemeClr val="tx1"/>
+                        </a:solidFill>
+                      </a:endParaRPr>
+                    </a:p>
+                  </a:txBody>
+                  <a:tcPr>
+                    <a:lnT w="12700" cap="flat" cmpd="sng" algn="ctr">
+                      <a:solidFill>
+                        <a:schemeClr val="tx1"/>
+                      </a:solidFill>
+                      <a:prstDash val="solid"/>
+                      <a:round/>
+                      <a:headEnd type="none" w="med" len="med"/>
+                      <a:tailEnd type="none" w="med" len="med"/>
+                    </a:lnT>
+                  </a:tcPr>
+                </a:tc>
+                <a:tc>
+                  <a:txBody>
+                    <a:bodyPr/>
+                    <a:lstStyle/>
+                    <a:p>
+                      <a:endParaRPr lang="en-US" b="1">
+                        <a:solidFill>
+                          <a:schemeClr val="tx1"/>
+                        </a:solidFill>
+                      </a:endParaRPr>
+                    </a:p>
+                  </a:txBody>
+                  <a:tcPr>
+                    <a:lnT w="12700" cap="flat" cmpd="sng" algn="ctr">
+                      <a:solidFill>
+                        <a:schemeClr val="tx1"/>
+                      </a:solidFill>
+                      <a:prstDash val="solid"/>
+                      <a:round/>
+                      <a:headEnd type="none" w="med" len="med"/>
+                      <a:tailEnd type="none" w="med" len="med"/>
+                    </a:lnT>
+                  </a:tcPr>
+                </a:tc>
+                <a:tc>
+                  <a:txBody>
+                    <a:bodyPr/>
+                    <a:lstStyle/>
+                    <a:p>
+                      <a:endParaRPr lang="en-US" dirty="0">
+                        <a:solidFill>
+                          <a:schemeClr val="tx1"/>
+                        </a:solidFill>
+                      </a:endParaRPr>
+                    </a:p>
+                  </a:txBody>
+                  <a:tcPr/>
+                </a:tc>
+                <a:tc>
+                  <a:txBody>
+                    <a:bodyPr/>
+                    <a:lstStyle/>
+                    <a:p>
+                      <a:endParaRPr lang="en-US">
+                        <a:solidFill>
+                          <a:schemeClr val="tx1"/>
+                        </a:solidFill>
+                      </a:endParaRPr>
+                    </a:p>
+                  </a:txBody>
+                  <a:tcPr/>
+                </a:tc>
+                <a:tc>
+                  <a:txBody>
+                    <a:bodyPr/>
+                    <a:lstStyle/>
+                    <a:p>
+                      <a:endParaRPr lang="en-US" b="1" dirty="0">
+                        <a:solidFill>
+                          <a:schemeClr val="tx1"/>
+                        </a:solidFill>
+                      </a:endParaRPr>
+                    </a:p>
+                  </a:txBody>
+                  <a:tcPr>
+                    <a:lnT w="12700" cap="flat" cmpd="sng" algn="ctr">
+                      <a:solidFill>
+                        <a:schemeClr val="tx1"/>
+                      </a:solidFill>
+                      <a:prstDash val="solid"/>
+                      <a:round/>
+                      <a:headEnd type="none" w="med" len="med"/>
+                      <a:tailEnd type="none" w="med" len="med"/>
+                    </a:lnT>
+                  </a:tcPr>
+                </a:tc>
+                <a:tc>
+                  <a:txBody>
+                    <a:bodyPr/>
+                    <a:lstStyle/>
+                    <a:p>
+                      <a:endParaRPr lang="en-US" b="1" dirty="0">
+                        <a:solidFill>
+                          <a:schemeClr val="tx1"/>
+                        </a:solidFill>
+                      </a:endParaRPr>
+                    </a:p>
+                  </a:txBody>
+                  <a:tcPr>
+                    <a:lnT w="12700" cap="flat" cmpd="sng" algn="ctr">
+                      <a:solidFill>
+                        <a:schemeClr val="tx1"/>
+                      </a:solidFill>
+                      <a:prstDash val="solid"/>
+                      <a:round/>
+                      <a:headEnd type="none" w="med" len="med"/>
+                      <a:tailEnd type="none" w="med" len="med"/>
+                    </a:lnT>
+                  </a:tcPr>
+                </a:tc>
+              </a:tr>
+            </a:tbl>
+          </a:graphicData>
+        </a:graphic>
+      </p:graphicFrame>
     </p:spTree>
     <p:extLst>
       <p:ext uri="{BB962C8B-B14F-4D97-AF65-F5344CB8AC3E}">
-        <p14:creationId xmlns:p14="http://schemas.microsoft.com/office/powerpoint/2010/main" val="3208333937"/>
+        <p14:creationId xmlns:p14="http://schemas.microsoft.com/office/powerpoint/2010/main" val="4029038595"/>
       </p:ext>
     </p:extLst>
   </p:cSld>
